--- a/渲染管线深入理解.pptx
+++ b/渲染管线深入理解.pptx
@@ -9,7 +9,7 @@
     <p:notesMasterId r:id="rId6"/>
   </p:notesMasterIdLst>
   <p:handoutMasterIdLst>
-    <p:handoutMasterId r:id="rId34"/>
+    <p:handoutMasterId r:id="rId33"/>
   </p:handoutMasterIdLst>
   <p:sldIdLst>
     <p:sldId id="256" r:id="rId4"/>
@@ -20,27 +20,26 @@
     <p:sldId id="320" r:id="rId10"/>
     <p:sldId id="324" r:id="rId11"/>
     <p:sldId id="325" r:id="rId12"/>
-    <p:sldId id="326" r:id="rId13"/>
-    <p:sldId id="327" r:id="rId14"/>
-    <p:sldId id="329" r:id="rId15"/>
-    <p:sldId id="330" r:id="rId16"/>
-    <p:sldId id="331" r:id="rId17"/>
-    <p:sldId id="332" r:id="rId18"/>
-    <p:sldId id="333" r:id="rId19"/>
-    <p:sldId id="334" r:id="rId20"/>
-    <p:sldId id="338" r:id="rId21"/>
-    <p:sldId id="339" r:id="rId22"/>
-    <p:sldId id="341" r:id="rId23"/>
-    <p:sldId id="342" r:id="rId24"/>
-    <p:sldId id="323" r:id="rId25"/>
-    <p:sldId id="347" r:id="rId26"/>
-    <p:sldId id="348" r:id="rId27"/>
-    <p:sldId id="352" r:id="rId28"/>
-    <p:sldId id="353" r:id="rId29"/>
-    <p:sldId id="354" r:id="rId30"/>
-    <p:sldId id="355" r:id="rId31"/>
-    <p:sldId id="359" r:id="rId32"/>
-    <p:sldId id="286" r:id="rId33"/>
+    <p:sldId id="327" r:id="rId13"/>
+    <p:sldId id="329" r:id="rId14"/>
+    <p:sldId id="330" r:id="rId15"/>
+    <p:sldId id="331" r:id="rId16"/>
+    <p:sldId id="332" r:id="rId17"/>
+    <p:sldId id="333" r:id="rId18"/>
+    <p:sldId id="334" r:id="rId19"/>
+    <p:sldId id="338" r:id="rId20"/>
+    <p:sldId id="339" r:id="rId21"/>
+    <p:sldId id="341" r:id="rId22"/>
+    <p:sldId id="342" r:id="rId23"/>
+    <p:sldId id="323" r:id="rId24"/>
+    <p:sldId id="347" r:id="rId25"/>
+    <p:sldId id="348" r:id="rId26"/>
+    <p:sldId id="352" r:id="rId27"/>
+    <p:sldId id="353" r:id="rId28"/>
+    <p:sldId id="354" r:id="rId29"/>
+    <p:sldId id="355" r:id="rId30"/>
+    <p:sldId id="359" r:id="rId31"/>
+    <p:sldId id="286" r:id="rId32"/>
   </p:sldIdLst>
   <p:sldSz cx="9144000" cy="6858000" type="screen4x3"/>
   <p:notesSz cx="6858000" cy="9144000"/>
@@ -836,45 +835,7 @@
           <a:bodyPr/>
           <a:lstStyle/>
           <a:p>
-            <a:r>
-              <a:rPr lang="zh-CN" altLang="zh-CN"/>
-              <a:t>投影在</a:t>
-            </a:r>
-            <a:r>
-              <a:rPr lang="en-US" altLang="zh-CN"/>
-              <a:t>yz</a:t>
-            </a:r>
-            <a:r>
-              <a:rPr lang="zh-CN" altLang="en-US"/>
-              <a:t>平面</a:t>
-            </a:r>
             <a:endParaRPr lang="zh-CN" altLang="en-US"/>
-          </a:p>
-          <a:p>
-            <a:r>
-              <a:rPr lang="zh-CN" altLang="en-US"/>
-              <a:t>看向</a:t>
-            </a:r>
-            <a:r>
-              <a:rPr lang="en-US" altLang="zh-CN"/>
-              <a:t>-z</a:t>
-            </a:r>
-            <a:r>
-              <a:rPr lang="zh-CN" altLang="en-US"/>
-              <a:t>轴</a:t>
-            </a:r>
-            <a:endParaRPr lang="zh-CN" altLang="en-US"/>
-          </a:p>
-          <a:p>
-            <a:r>
-              <a:rPr lang="zh-CN" altLang="en-US"/>
-              <a:t>视角</a:t>
-            </a:r>
-            <a:r>
-              <a:rPr lang="en-US" altLang="zh-CN"/>
-              <a:t>theta</a:t>
-            </a:r>
-            <a:endParaRPr lang="en-US" altLang="zh-CN"/>
           </a:p>
         </p:txBody>
       </p:sp>
@@ -930,6 +891,10 @@
           <a:bodyPr/>
           <a:lstStyle/>
           <a:p>
+            <a:r>
+              <a:rPr lang="zh-CN" altLang="en-US"/>
+              <a:t>矩阵不可逆</a:t>
+            </a:r>
             <a:endParaRPr lang="zh-CN" altLang="en-US"/>
           </a:p>
         </p:txBody>
@@ -987,8 +952,16 @@
           <a:lstStyle/>
           <a:p>
             <a:r>
+              <a:rPr lang="zh-CN" altLang="zh-CN"/>
+              <a:t>直接线性变换，但是最后要除以</a:t>
+            </a:r>
+            <a:r>
+              <a:rPr lang="en-US" altLang="zh-CN"/>
+              <a:t>w</a:t>
+            </a:r>
+            <a:r>
               <a:rPr lang="zh-CN" altLang="en-US"/>
-              <a:t>矩阵不可逆</a:t>
+              <a:t>，所以同样可以设置一个尺度变换，即一个平移和尺度</a:t>
             </a:r>
             <a:endParaRPr lang="zh-CN" altLang="en-US"/>
           </a:p>
@@ -1046,19 +1019,7 @@
           <a:bodyPr/>
           <a:lstStyle/>
           <a:p>
-            <a:r>
-              <a:rPr lang="zh-CN" altLang="zh-CN"/>
-              <a:t>直接线性变换，但是最后要除以</a:t>
-            </a:r>
-            <a:r>
-              <a:rPr lang="en-US" altLang="zh-CN"/>
-              <a:t>w</a:t>
-            </a:r>
-            <a:r>
-              <a:rPr lang="zh-CN" altLang="en-US"/>
-              <a:t>，所以同样可以设置一个尺度变换，即一个平移和尺度</a:t>
-            </a:r>
-            <a:endParaRPr lang="zh-CN" altLang="en-US"/>
+            <a:endParaRPr lang="en-US" altLang="zh-CN"/>
           </a:p>
         </p:txBody>
       </p:sp>
@@ -1282,7 +1243,25 @@
           <a:bodyPr/>
           <a:lstStyle/>
           <a:p>
+            <a:r>
+              <a:rPr lang="en-US" altLang="zh-CN"/>
+              <a:t>001001</a:t>
+            </a:r>
             <a:endParaRPr lang="en-US" altLang="zh-CN"/>
+          </a:p>
+          <a:p>
+            <a:r>
+              <a:rPr lang="en-US" altLang="zh-CN"/>
+              <a:t>000010</a:t>
+            </a:r>
+            <a:endParaRPr lang="en-US" altLang="zh-CN"/>
+          </a:p>
+          <a:p>
+            <a:r>
+              <a:rPr lang="zh-CN" altLang="zh-CN"/>
+              <a:t>每次求直线和平面的交点，计算量比较大，可以预先去除那些不与平面相交的线</a:t>
+            </a:r>
+            <a:endParaRPr lang="zh-CN" altLang="zh-CN"/>
           </a:p>
         </p:txBody>
       </p:sp>
@@ -1351,13 +1330,6 @@
             </a:r>
             <a:endParaRPr lang="en-US" altLang="zh-CN"/>
           </a:p>
-          <a:p>
-            <a:r>
-              <a:rPr lang="zh-CN" altLang="zh-CN"/>
-              <a:t>每次求直线和平面的交点，计算量比较大，可以预先去除那些不与平面相交的线</a:t>
-            </a:r>
-            <a:endParaRPr lang="zh-CN" altLang="zh-CN"/>
-          </a:p>
         </p:txBody>
       </p:sp>
     </p:spTree>
@@ -1413,17 +1385,14 @@
           <a:lstStyle/>
           <a:p>
             <a:r>
-              <a:rPr lang="en-US" altLang="zh-CN"/>
-              <a:t>001001</a:t>
-            </a:r>
-            <a:endParaRPr lang="en-US" altLang="zh-CN"/>
-          </a:p>
-          <a:p>
-            <a:r>
-              <a:rPr lang="en-US" altLang="zh-CN"/>
-              <a:t>000010</a:t>
-            </a:r>
-            <a:endParaRPr lang="en-US" altLang="zh-CN"/>
+              <a:rPr lang="zh-CN" altLang="en-US" dirty="0" smtClean="0">
+                <a:sym typeface="+mn-ea"/>
+              </a:rPr>
+              <a:t>光栅化，通常每个像素点会计算几次，费时间</a:t>
+            </a:r>
+            <a:endParaRPr lang="zh-CN" altLang="en-US" dirty="0">
+              <a:sym typeface="+mn-ea"/>
+            </a:endParaRPr>
           </a:p>
         </p:txBody>
       </p:sp>
@@ -1552,10 +1521,28 @@
           <a:lstStyle/>
           <a:p>
             <a:r>
+              <a:rPr lang="en-US" altLang="zh-CN" dirty="0" err="1" smtClean="0">
+                <a:sym typeface="+mn-ea"/>
+              </a:rPr>
+              <a:t>Framebuffer</a:t>
+            </a:r>
+            <a:r>
               <a:rPr lang="zh-CN" altLang="en-US" dirty="0" smtClean="0">
                 <a:sym typeface="+mn-ea"/>
               </a:rPr>
-              <a:t>光栅化，通常每个像素点会计算几次，费时间</a:t>
+              <a:t>是一个</a:t>
+            </a:r>
+            <a:r>
+              <a:rPr lang="en-US" altLang="zh-CN" dirty="0" smtClean="0">
+                <a:sym typeface="+mn-ea"/>
+              </a:rPr>
+              <a:t>2D</a:t>
+            </a:r>
+            <a:r>
+              <a:rPr lang="zh-CN" altLang="en-US" dirty="0" smtClean="0">
+                <a:sym typeface="+mn-ea"/>
+              </a:rPr>
+              <a:t>的图像，每个像素点都有颜色值</a:t>
             </a:r>
             <a:endParaRPr lang="zh-CN" altLang="en-US" dirty="0">
               <a:sym typeface="+mn-ea"/>
@@ -1616,30 +1603,51 @@
           <a:lstStyle/>
           <a:p>
             <a:r>
-              <a:rPr lang="en-US" altLang="zh-CN" dirty="0" err="1" smtClean="0">
+              <a:rPr lang="zh-CN" altLang="zh-CN" dirty="0">
                 <a:sym typeface="+mn-ea"/>
               </a:rPr>
-              <a:t>Framebuffer</a:t>
-            </a:r>
-            <a:r>
-              <a:rPr lang="zh-CN" altLang="en-US" dirty="0" smtClean="0">
+              <a:t>黑色的代表完整的片元，灰色的代表不完整的片元</a:t>
+            </a:r>
+            <a:endParaRPr lang="zh-CN" altLang="zh-CN" dirty="0">
+              <a:sym typeface="+mn-ea"/>
+            </a:endParaRPr>
+          </a:p>
+          <a:p>
+            <a:r>
+              <a:rPr lang="zh-CN" altLang="zh-CN" dirty="0">
                 <a:sym typeface="+mn-ea"/>
               </a:rPr>
-              <a:t>是一个</a:t>
-            </a:r>
-            <a:r>
-              <a:rPr lang="en-US" altLang="zh-CN" dirty="0" smtClean="0">
+              <a:t>如何把三角形变成片元，扫描线，三角形凸的性质，水平扫描线从一段进入，另一端出去，在边缘和上下顶点处是部分片元。</a:t>
+            </a:r>
+            <a:r>
+              <a:rPr lang="en-US" altLang="zh-CN" dirty="0">
                 <a:sym typeface="+mn-ea"/>
               </a:rPr>
-              <a:t>2D</a:t>
-            </a:r>
-            <a:r>
-              <a:rPr lang="zh-CN" altLang="en-US" dirty="0" smtClean="0">
+              <a:t>y</a:t>
+            </a:r>
+            <a:r>
+              <a:rPr lang="zh-CN" altLang="zh-CN" dirty="0">
                 <a:sym typeface="+mn-ea"/>
               </a:rPr>
-              <a:t>的图像，每个像素点都有颜色值</a:t>
-            </a:r>
-            <a:endParaRPr lang="zh-CN" altLang="en-US" dirty="0">
+              <a:t>最大值，最小值是三个顶点的最大值和最小值。</a:t>
+            </a:r>
+            <a:endParaRPr lang="en-US" altLang="zh-CN" dirty="0" smtClean="0">
+              <a:sym typeface="+mn-ea"/>
+            </a:endParaRPr>
+          </a:p>
+          <a:p>
+            <a:r>
+              <a:rPr lang="zh-CN" altLang="zh-CN" dirty="0">
+                <a:sym typeface="+mn-ea"/>
+              </a:rPr>
+              <a:t>填写公约，如果公约不一致，那么会导致在边缘点不画（连续的面破裂），或者画二次（在混合模式中图像的变化）。</a:t>
+            </a:r>
+            <a:endParaRPr lang="zh-CN" altLang="zh-CN" dirty="0">
+              <a:sym typeface="+mn-ea"/>
+            </a:endParaRPr>
+          </a:p>
+          <a:p>
+            <a:endParaRPr lang="zh-CN" altLang="zh-CN" dirty="0">
               <a:sym typeface="+mn-ea"/>
             </a:endParaRPr>
           </a:p>
@@ -1701,7 +1709,7 @@
               <a:rPr lang="zh-CN" altLang="zh-CN" dirty="0">
                 <a:sym typeface="+mn-ea"/>
               </a:rPr>
-              <a:t>黑色的代表完整的片元，灰色的代表不完整的片元</a:t>
+              <a:t>深度缓存用来确定可见的三角片</a:t>
             </a:r>
             <a:endParaRPr lang="zh-CN" altLang="zh-CN" dirty="0">
               <a:sym typeface="+mn-ea"/>
@@ -1712,36 +1720,67 @@
               <a:rPr lang="zh-CN" altLang="zh-CN" dirty="0">
                 <a:sym typeface="+mn-ea"/>
               </a:rPr>
-              <a:t>如何把三角形变成片元，扫描线，三角形凸的性质，水平扫描线从一段进入，另一端出去，在边缘和上下顶点处是部分片元。</a:t>
-            </a:r>
-            <a:r>
-              <a:rPr lang="en-US" altLang="zh-CN" dirty="0">
-                <a:sym typeface="+mn-ea"/>
-              </a:rPr>
-              <a:t>y</a:t>
-            </a:r>
-            <a:r>
-              <a:rPr lang="zh-CN" altLang="zh-CN" dirty="0">
-                <a:sym typeface="+mn-ea"/>
-              </a:rPr>
-              <a:t>最大值，最小值是三个顶点的最大值和最小值。</a:t>
-            </a:r>
-            <a:endParaRPr lang="en-US" altLang="zh-CN" dirty="0" smtClean="0">
-              <a:sym typeface="+mn-ea"/>
-            </a:endParaRPr>
-          </a:p>
-          <a:p>
-            <a:r>
-              <a:rPr lang="zh-CN" altLang="zh-CN" dirty="0">
-                <a:sym typeface="+mn-ea"/>
-              </a:rPr>
-              <a:t>填写公约，如果公约不一致，那么会导致在边缘点不画（连续的面破裂），或者画二次（在混合模式中图像的变化）。</a:t>
+              <a:t>如果当前片元比原来的近，替换，否则不替换。但是当二个深度是一样时，会有显示问题。</a:t>
             </a:r>
             <a:endParaRPr lang="zh-CN" altLang="zh-CN" dirty="0">
               <a:sym typeface="+mn-ea"/>
             </a:endParaRPr>
           </a:p>
           <a:p>
+            <a:r>
+              <a:rPr lang="zh-CN" altLang="zh-CN" dirty="0">
+                <a:sym typeface="+mn-ea"/>
+              </a:rPr>
+              <a:t>缺点</a:t>
+            </a:r>
+            <a:r>
+              <a:rPr lang="en-US" altLang="zh-CN" dirty="0">
+                <a:sym typeface="+mn-ea"/>
+              </a:rPr>
+              <a:t>:</a:t>
+            </a:r>
+            <a:r>
+              <a:rPr lang="zh-CN" altLang="en-US" dirty="0">
+                <a:sym typeface="+mn-ea"/>
+              </a:rPr>
+              <a:t>每个像素点有一个深度数组，</a:t>
+            </a:r>
+            <a:r>
+              <a:rPr lang="en-US" altLang="zh-CN" dirty="0">
+                <a:sym typeface="+mn-ea"/>
+              </a:rPr>
+              <a:t>2</a:t>
+            </a:r>
+            <a:r>
+              <a:rPr lang="zh-CN" altLang="en-US" dirty="0">
+                <a:sym typeface="+mn-ea"/>
+              </a:rPr>
+              <a:t>在每一帧需要初始化为背景颜色</a:t>
+            </a:r>
+            <a:r>
+              <a:rPr lang="en-US" altLang="zh-CN" dirty="0">
+                <a:sym typeface="+mn-ea"/>
+              </a:rPr>
+              <a:t>,</a:t>
+            </a:r>
+            <a:r>
+              <a:rPr lang="zh-CN" altLang="en-US" dirty="0">
+                <a:sym typeface="+mn-ea"/>
+              </a:rPr>
+              <a:t>深度缓存为背景深度，以上二个硬件实现，现在不是问题。对每一个片元的额外操作</a:t>
+            </a:r>
+            <a:r>
+              <a:rPr lang="en-US" altLang="zh-CN" dirty="0">
+                <a:sym typeface="+mn-ea"/>
+              </a:rPr>
+              <a:t>,</a:t>
+            </a:r>
+            <a:r>
+              <a:rPr lang="zh-CN" altLang="zh-CN" dirty="0">
+                <a:sym typeface="+mn-ea"/>
+              </a:rPr>
+              <a:t>计算深度值，查找深度缓存表，比较，写入如果符合。</a:t>
+            </a:r>
             <a:endParaRPr lang="zh-CN" altLang="zh-CN" dirty="0">
               <a:sym typeface="+mn-ea"/>
             </a:endParaRPr>
@@ -1801,10 +1840,16 @@
           <a:lstStyle/>
           <a:p>
             <a:r>
+              <a:rPr lang="en-US" altLang="zh-CN" dirty="0">
+                <a:sym typeface="+mn-ea"/>
+              </a:rPr>
+              <a:t>dist</a:t>
+            </a:r>
+            <a:r>
               <a:rPr lang="zh-CN" altLang="zh-CN" dirty="0">
                 <a:sym typeface="+mn-ea"/>
               </a:rPr>
-              <a:t>深度缓存用来确定可见的三角片</a:t>
+              <a:t>表示到观察点到投影平面的距离。</a:t>
             </a:r>
             <a:endParaRPr lang="zh-CN" altLang="zh-CN" dirty="0">
               <a:sym typeface="+mn-ea"/>
@@ -1815,68 +1860,33 @@
               <a:rPr lang="zh-CN" altLang="zh-CN" dirty="0">
                 <a:sym typeface="+mn-ea"/>
               </a:rPr>
-              <a:t>如果当前片元比原来的近，替换，否则不替换。但是当二个深度是一样时，会有显示问题。</a:t>
-            </a:r>
-            <a:endParaRPr lang="zh-CN" altLang="zh-CN" dirty="0">
-              <a:sym typeface="+mn-ea"/>
-            </a:endParaRPr>
-          </a:p>
-          <a:p>
-            <a:r>
-              <a:rPr lang="zh-CN" altLang="zh-CN" dirty="0">
-                <a:sym typeface="+mn-ea"/>
-              </a:rPr>
-              <a:t>缺点</a:t>
+              <a:t>不能对投影矩阵求逆，即不能通过</a:t>
             </a:r>
             <a:r>
               <a:rPr lang="en-US" altLang="zh-CN" dirty="0">
                 <a:sym typeface="+mn-ea"/>
               </a:rPr>
-              <a:t>:</a:t>
+              <a:t>ndc</a:t>
             </a:r>
             <a:r>
               <a:rPr lang="zh-CN" altLang="en-US" dirty="0">
                 <a:sym typeface="+mn-ea"/>
               </a:rPr>
-              <a:t>每个像素点有一个深度数组，</a:t>
+              <a:t>坐标求的</a:t>
             </a:r>
             <a:r>
               <a:rPr lang="en-US" altLang="zh-CN" dirty="0">
                 <a:sym typeface="+mn-ea"/>
               </a:rPr>
-              <a:t>2</a:t>
+              <a:t>view</a:t>
             </a:r>
             <a:r>
               <a:rPr lang="zh-CN" altLang="en-US" dirty="0">
                 <a:sym typeface="+mn-ea"/>
               </a:rPr>
-              <a:t>在每一帧需要初始化为背景颜色</a:t>
-            </a:r>
-            <a:r>
-              <a:rPr lang="en-US" altLang="zh-CN" dirty="0">
-                <a:sym typeface="+mn-ea"/>
-              </a:rPr>
-              <a:t>,</a:t>
-            </a:r>
-            <a:r>
-              <a:rPr lang="zh-CN" altLang="en-US" dirty="0">
-                <a:sym typeface="+mn-ea"/>
-              </a:rPr>
-              <a:t>深度缓存为背景深度，以上二个硬件实现，现在不是问题。对每一个片元的额外操作</a:t>
-            </a:r>
-            <a:r>
-              <a:rPr lang="en-US" altLang="zh-CN" dirty="0">
-                <a:sym typeface="+mn-ea"/>
-              </a:rPr>
-              <a:t>,</a:t>
-            </a:r>
-            <a:r>
-              <a:rPr lang="zh-CN" altLang="zh-CN" dirty="0">
-                <a:sym typeface="+mn-ea"/>
-              </a:rPr>
-              <a:t>计算深度值，查找深度缓存表，比较，写入如果符合。</a:t>
-            </a:r>
-            <a:endParaRPr lang="zh-CN" altLang="zh-CN" dirty="0">
+              <a:t>的坐标。</a:t>
+            </a:r>
+            <a:endParaRPr lang="zh-CN" altLang="en-US" dirty="0">
               <a:sym typeface="+mn-ea"/>
             </a:endParaRPr>
           </a:p>
@@ -1935,52 +1945,143 @@
           <a:lstStyle/>
           <a:p>
             <a:r>
-              <a:rPr lang="en-US" altLang="zh-CN" dirty="0">
+              <a:rPr lang="zh-CN" altLang="en-US" dirty="0" smtClean="0">
                 <a:sym typeface="+mn-ea"/>
               </a:rPr>
-              <a:t>dist</a:t>
-            </a:r>
-            <a:r>
-              <a:rPr lang="zh-CN" altLang="zh-CN" dirty="0">
-                <a:sym typeface="+mn-ea"/>
-              </a:rPr>
-              <a:t>表示到观察点到投影平面的距离。</a:t>
-            </a:r>
-            <a:endParaRPr lang="zh-CN" altLang="zh-CN" dirty="0">
+              <a:t>括号里面是常量</a:t>
+            </a:r>
+            <a:endParaRPr lang="zh-CN" altLang="en-US" dirty="0" smtClean="0">
               <a:sym typeface="+mn-ea"/>
             </a:endParaRPr>
           </a:p>
           <a:p>
             <a:r>
-              <a:rPr lang="zh-CN" altLang="zh-CN" dirty="0">
+              <a:rPr lang="zh-CN" altLang="en-US" dirty="0" smtClean="0">
                 <a:sym typeface="+mn-ea"/>
               </a:rPr>
-              <a:t>不能对投影矩阵求逆，即不能通过</a:t>
-            </a:r>
-            <a:r>
-              <a:rPr lang="en-US" altLang="zh-CN" dirty="0">
+              <a:t>可以写成仿射变换</a:t>
+            </a:r>
+            <a:endParaRPr lang="zh-CN" altLang="en-US" dirty="0" smtClean="0">
+              <a:sym typeface="+mn-ea"/>
+            </a:endParaRPr>
+          </a:p>
+          <a:p>
+            <a:r>
+              <a:rPr lang="zh-CN" altLang="zh-CN" dirty="0" smtClean="0">
                 <a:sym typeface="+mn-ea"/>
               </a:rPr>
-              <a:t>ndc</a:t>
-            </a:r>
-            <a:r>
-              <a:rPr lang="zh-CN" altLang="en-US" dirty="0">
+              <a:t>是</a:t>
+            </a:r>
+            <a:r>
+              <a:rPr lang="en-US" altLang="zh-CN" dirty="0" smtClean="0">
                 <a:sym typeface="+mn-ea"/>
               </a:rPr>
-              <a:t>坐标求的</a:t>
-            </a:r>
-            <a:r>
-              <a:rPr lang="en-US" altLang="zh-CN" dirty="0">
+              <a:t>InvZ(xndx, yndc)</a:t>
+            </a:r>
+            <a:r>
+              <a:rPr lang="zh-CN" altLang="zh-CN" dirty="0" smtClean="0">
                 <a:sym typeface="+mn-ea"/>
               </a:rPr>
-              <a:t>view</a:t>
-            </a:r>
-            <a:r>
-              <a:rPr lang="zh-CN" altLang="en-US" dirty="0">
+              <a:t>的一个仿射变换，直接使用</a:t>
+            </a:r>
+            <a:r>
+              <a:rPr lang="en-US" altLang="zh-CN" dirty="0" smtClean="0">
                 <a:sym typeface="+mn-ea"/>
               </a:rPr>
-              <a:t>的坐标。</a:t>
-            </a:r>
+              <a:t>zndc</a:t>
+            </a:r>
+            <a:endParaRPr lang="en-US" altLang="zh-CN" dirty="0" smtClean="0">
+              <a:sym typeface="+mn-ea"/>
+            </a:endParaRPr>
+          </a:p>
+          <a:p>
+            <a:r>
+              <a:rPr lang="en-US" altLang="zh-CN" dirty="0" smtClean="0">
+                <a:sym typeface="+mn-ea"/>
+              </a:rPr>
+              <a:t>16</a:t>
+            </a:r>
+            <a:r>
+              <a:rPr lang="zh-CN" altLang="zh-CN" dirty="0" smtClean="0">
+                <a:sym typeface="+mn-ea"/>
+              </a:rPr>
+              <a:t>位的浮点数表示</a:t>
+            </a:r>
+            <a:r>
+              <a:rPr lang="en-US" altLang="zh-CN" dirty="0" smtClean="0">
+                <a:sym typeface="+mn-ea"/>
+              </a:rPr>
+              <a:t>65535</a:t>
+            </a:r>
+            <a:r>
+              <a:rPr lang="zh-CN" altLang="en-US" dirty="0" smtClean="0">
+                <a:sym typeface="+mn-ea"/>
+              </a:rPr>
+              <a:t>个数</a:t>
+            </a:r>
+            <a:endParaRPr lang="zh-CN" altLang="en-US" dirty="0" smtClean="0">
+              <a:sym typeface="+mn-ea"/>
+            </a:endParaRPr>
+          </a:p>
+          <a:p>
+            <a:r>
+              <a:rPr lang="en-US" altLang="zh-CN" dirty="0" smtClean="0">
+                <a:sym typeface="+mn-ea"/>
+              </a:rPr>
+              <a:t>20</a:t>
+            </a:r>
+            <a:r>
+              <a:rPr lang="zh-CN" altLang="en-US" dirty="0" smtClean="0">
+                <a:sym typeface="+mn-ea"/>
+              </a:rPr>
+              <a:t>的时候用掉了</a:t>
+            </a:r>
+            <a:r>
+              <a:rPr lang="en-US" altLang="zh-CN" dirty="0" smtClean="0">
+                <a:sym typeface="+mn-ea"/>
+              </a:rPr>
+              <a:t>50%</a:t>
+            </a:r>
+            <a:r>
+              <a:rPr lang="zh-CN" altLang="en-US" dirty="0" smtClean="0">
+                <a:sym typeface="+mn-ea"/>
+              </a:rPr>
+              <a:t>的精度，</a:t>
+            </a:r>
+            <a:r>
+              <a:rPr lang="en-US" altLang="zh-CN" dirty="0" smtClean="0">
+                <a:sym typeface="+mn-ea"/>
+              </a:rPr>
+              <a:t>100</a:t>
+            </a:r>
+            <a:r>
+              <a:rPr lang="zh-CN" altLang="en-US" dirty="0" smtClean="0">
+                <a:sym typeface="+mn-ea"/>
+              </a:rPr>
+              <a:t>的时候还剩下</a:t>
+            </a:r>
+            <a:r>
+              <a:rPr lang="en-US" altLang="zh-CN" dirty="0" smtClean="0">
+                <a:sym typeface="+mn-ea"/>
+              </a:rPr>
+              <a:t>10%</a:t>
+            </a:r>
+            <a:r>
+              <a:rPr lang="zh-CN" altLang="en-US" dirty="0" smtClean="0">
+                <a:sym typeface="+mn-ea"/>
+              </a:rPr>
+              <a:t>的精度</a:t>
+            </a:r>
+            <a:endParaRPr lang="zh-CN" altLang="en-US" dirty="0" smtClean="0">
+              <a:sym typeface="+mn-ea"/>
+            </a:endParaRPr>
+          </a:p>
+          <a:p>
+            <a:endParaRPr lang="zh-CN" altLang="en-US" dirty="0" smtClean="0">
+              <a:sym typeface="+mn-ea"/>
+            </a:endParaRPr>
+          </a:p>
+          <a:p>
             <a:endParaRPr lang="zh-CN" altLang="en-US" dirty="0">
               <a:sym typeface="+mn-ea"/>
             </a:endParaRPr>
@@ -2039,140 +2140,7 @@
           <a:bodyPr/>
           <a:lstStyle/>
           <a:p>
-            <a:r>
-              <a:rPr lang="zh-CN" altLang="en-US" dirty="0" smtClean="0">
-                <a:sym typeface="+mn-ea"/>
-              </a:rPr>
-              <a:t>括号里面是常量</a:t>
-            </a:r>
-            <a:endParaRPr lang="zh-CN" altLang="en-US" dirty="0" smtClean="0">
-              <a:sym typeface="+mn-ea"/>
-            </a:endParaRPr>
-          </a:p>
-          <a:p>
-            <a:r>
-              <a:rPr lang="zh-CN" altLang="en-US" dirty="0" smtClean="0">
-                <a:sym typeface="+mn-ea"/>
-              </a:rPr>
-              <a:t>可以写成仿射变换</a:t>
-            </a:r>
-            <a:endParaRPr lang="zh-CN" altLang="en-US" dirty="0" smtClean="0">
-              <a:sym typeface="+mn-ea"/>
-            </a:endParaRPr>
-          </a:p>
-          <a:p>
-            <a:r>
-              <a:rPr lang="zh-CN" altLang="zh-CN" dirty="0" smtClean="0">
-                <a:sym typeface="+mn-ea"/>
-              </a:rPr>
-              <a:t>是</a:t>
-            </a:r>
-            <a:r>
-              <a:rPr lang="en-US" altLang="zh-CN" dirty="0" smtClean="0">
-                <a:sym typeface="+mn-ea"/>
-              </a:rPr>
-              <a:t>InvZ(xndx, yndc)</a:t>
-            </a:r>
-            <a:r>
-              <a:rPr lang="zh-CN" altLang="zh-CN" dirty="0" smtClean="0">
-                <a:sym typeface="+mn-ea"/>
-              </a:rPr>
-              <a:t>的一个仿射变换，直接使用</a:t>
-            </a:r>
-            <a:r>
-              <a:rPr lang="en-US" altLang="zh-CN" dirty="0" smtClean="0">
-                <a:sym typeface="+mn-ea"/>
-              </a:rPr>
-              <a:t>zndc</a:t>
-            </a:r>
             <a:endParaRPr lang="en-US" altLang="zh-CN" dirty="0" smtClean="0">
-              <a:sym typeface="+mn-ea"/>
-            </a:endParaRPr>
-          </a:p>
-          <a:p>
-            <a:r>
-              <a:rPr lang="en-US" altLang="zh-CN" dirty="0" smtClean="0">
-                <a:sym typeface="+mn-ea"/>
-              </a:rPr>
-              <a:t>16</a:t>
-            </a:r>
-            <a:r>
-              <a:rPr lang="zh-CN" altLang="zh-CN" dirty="0" smtClean="0">
-                <a:sym typeface="+mn-ea"/>
-              </a:rPr>
-              <a:t>位的浮点数表示</a:t>
-            </a:r>
-            <a:r>
-              <a:rPr lang="en-US" altLang="zh-CN" dirty="0" smtClean="0">
-                <a:sym typeface="+mn-ea"/>
-              </a:rPr>
-              <a:t>65535</a:t>
-            </a:r>
-            <a:r>
-              <a:rPr lang="zh-CN" altLang="en-US" dirty="0" smtClean="0">
-                <a:sym typeface="+mn-ea"/>
-              </a:rPr>
-              <a:t>个数</a:t>
-            </a:r>
-            <a:endParaRPr lang="zh-CN" altLang="en-US" dirty="0" smtClean="0">
-              <a:sym typeface="+mn-ea"/>
-            </a:endParaRPr>
-          </a:p>
-          <a:p>
-            <a:r>
-              <a:rPr lang="en-US" altLang="zh-CN" dirty="0" smtClean="0">
-                <a:sym typeface="+mn-ea"/>
-              </a:rPr>
-              <a:t>20</a:t>
-            </a:r>
-            <a:r>
-              <a:rPr lang="zh-CN" altLang="en-US" dirty="0" smtClean="0">
-                <a:sym typeface="+mn-ea"/>
-              </a:rPr>
-              <a:t>的时候用掉了</a:t>
-            </a:r>
-            <a:r>
-              <a:rPr lang="en-US" altLang="zh-CN" dirty="0" smtClean="0">
-                <a:sym typeface="+mn-ea"/>
-              </a:rPr>
-              <a:t>50%</a:t>
-            </a:r>
-            <a:r>
-              <a:rPr lang="zh-CN" altLang="en-US" dirty="0" smtClean="0">
-                <a:sym typeface="+mn-ea"/>
-              </a:rPr>
-              <a:t>的精度，</a:t>
-            </a:r>
-            <a:r>
-              <a:rPr lang="en-US" altLang="zh-CN" dirty="0" smtClean="0">
-                <a:sym typeface="+mn-ea"/>
-              </a:rPr>
-              <a:t>100</a:t>
-            </a:r>
-            <a:r>
-              <a:rPr lang="zh-CN" altLang="en-US" dirty="0" smtClean="0">
-                <a:sym typeface="+mn-ea"/>
-              </a:rPr>
-              <a:t>的时候还剩下</a:t>
-            </a:r>
-            <a:r>
-              <a:rPr lang="en-US" altLang="zh-CN" dirty="0" smtClean="0">
-                <a:sym typeface="+mn-ea"/>
-              </a:rPr>
-              <a:t>10%</a:t>
-            </a:r>
-            <a:r>
-              <a:rPr lang="zh-CN" altLang="en-US" dirty="0" smtClean="0">
-                <a:sym typeface="+mn-ea"/>
-              </a:rPr>
-              <a:t>的精度</a:t>
-            </a:r>
-            <a:endParaRPr lang="zh-CN" altLang="en-US" dirty="0" smtClean="0">
-              <a:sym typeface="+mn-ea"/>
-            </a:endParaRPr>
-          </a:p>
-          <a:p>
-            <a:endParaRPr lang="zh-CN" altLang="en-US" dirty="0" smtClean="0">
               <a:sym typeface="+mn-ea"/>
             </a:endParaRPr>
           </a:p>
@@ -2235,69 +2203,6 @@
           <a:bodyPr/>
           <a:lstStyle/>
           <a:p>
-            <a:endParaRPr lang="en-US" altLang="zh-CN" dirty="0" smtClean="0">
-              <a:sym typeface="+mn-ea"/>
-            </a:endParaRPr>
-          </a:p>
-          <a:p>
-            <a:endParaRPr lang="zh-CN" altLang="en-US" dirty="0">
-              <a:sym typeface="+mn-ea"/>
-            </a:endParaRPr>
-          </a:p>
-        </p:txBody>
-      </p:sp>
-    </p:spTree>
-  </p:cSld>
-  <p:clrMapOvr>
-    <a:masterClrMapping/>
-  </p:clrMapOvr>
-</p:notes>
-</file>
-
-<file path=ppt/notesSlides/notesSlide27.xml><?xml version="1.0" encoding="utf-8"?>
-<p:notes xmlns:a="http://schemas.openxmlformats.org/drawingml/2006/main" xmlns:r="http://schemas.openxmlformats.org/officeDocument/2006/relationships" xmlns:p="http://schemas.openxmlformats.org/presentationml/2006/main">
-  <p:cSld>
-    <p:spTree>
-      <p:nvGrpSpPr>
-        <p:cNvPr id="1" name=""/>
-        <p:cNvGrpSpPr/>
-        <p:nvPr/>
-      </p:nvGrpSpPr>
-      <p:grpSpPr>
-        <a:xfrm>
-          <a:off x="0" y="0"/>
-          <a:ext cx="0" cy="0"/>
-          <a:chOff x="0" y="0"/>
-          <a:chExt cx="0" cy="0"/>
-        </a:xfrm>
-      </p:grpSpPr>
-      <p:sp>
-        <p:nvSpPr>
-          <p:cNvPr id="2" name="幻灯片图像占位符 1"/>
-          <p:cNvSpPr>
-            <a:spLocks noGrp="1" noRot="1" noChangeAspect="1"/>
-          </p:cNvSpPr>
-          <p:nvPr>
-            <p:ph type="sldImg" idx="2"/>
-          </p:nvPr>
-        </p:nvSpPr>
-        <p:spPr/>
-      </p:sp>
-      <p:sp>
-        <p:nvSpPr>
-          <p:cNvPr id="3" name="文本占位符 2"/>
-          <p:cNvSpPr>
-            <a:spLocks noGrp="1"/>
-          </p:cNvSpPr>
-          <p:nvPr>
-            <p:ph type="body" idx="3"/>
-          </p:nvPr>
-        </p:nvSpPr>
-        <p:spPr/>
-        <p:txBody>
-          <a:bodyPr/>
-          <a:lstStyle/>
-          <a:p>
             <a:r>
               <a:rPr lang="zh-CN" altLang="zh-CN" dirty="0">
                 <a:sym typeface="+mn-ea"/>
@@ -2855,6 +2760,33 @@
             </a:r>
             <a:endParaRPr lang="zh-CN" altLang="zh-CN"/>
           </a:p>
+          <a:p>
+            <a:r>
+              <a:rPr lang="zh-CN" altLang="zh-CN">
+                <a:sym typeface="+mn-ea"/>
+              </a:rPr>
+              <a:t>近平面，除以</a:t>
+            </a:r>
+            <a:r>
+              <a:rPr lang="en-US" altLang="zh-CN">
+                <a:sym typeface="+mn-ea"/>
+              </a:rPr>
+              <a:t>0</a:t>
+            </a:r>
+            <a:endParaRPr lang="en-US" altLang="zh-CN"/>
+          </a:p>
+          <a:p>
+            <a:r>
+              <a:rPr lang="zh-CN" altLang="en-US">
+                <a:sym typeface="+mn-ea"/>
+              </a:rPr>
+              <a:t>远平面，可选择的，提高效率，影藏面的剔除，近平面和远平面的距离决定了深度的精度。</a:t>
+            </a:r>
+            <a:endParaRPr lang="zh-CN" altLang="en-US"/>
+          </a:p>
+          <a:p>
+            <a:endParaRPr lang="zh-CN" altLang="zh-CN"/>
+          </a:p>
         </p:txBody>
       </p:sp>
     </p:spTree>
@@ -2909,21 +2841,6 @@
           <a:bodyPr/>
           <a:lstStyle/>
           <a:p>
-            <a:r>
-              <a:rPr lang="zh-CN" altLang="zh-CN"/>
-              <a:t>近平面，除以</a:t>
-            </a:r>
-            <a:r>
-              <a:rPr lang="en-US" altLang="zh-CN"/>
-              <a:t>0</a:t>
-            </a:r>
-            <a:endParaRPr lang="en-US" altLang="zh-CN"/>
-          </a:p>
-          <a:p>
-            <a:r>
-              <a:rPr lang="zh-CN" altLang="en-US"/>
-              <a:t>远平面，可选择的，提高效率，影藏面的剔除，近平面和远平面的距离决定了深度的精度。</a:t>
-            </a:r>
             <a:endParaRPr lang="zh-CN" altLang="en-US"/>
           </a:p>
         </p:txBody>
@@ -2980,7 +2897,45 @@
           <a:bodyPr/>
           <a:lstStyle/>
           <a:p>
+            <a:r>
+              <a:rPr lang="zh-CN" altLang="zh-CN"/>
+              <a:t>投影在</a:t>
+            </a:r>
+            <a:r>
+              <a:rPr lang="en-US" altLang="zh-CN"/>
+              <a:t>yz</a:t>
+            </a:r>
+            <a:r>
+              <a:rPr lang="zh-CN" altLang="en-US"/>
+              <a:t>平面</a:t>
+            </a:r>
             <a:endParaRPr lang="zh-CN" altLang="en-US"/>
+          </a:p>
+          <a:p>
+            <a:r>
+              <a:rPr lang="zh-CN" altLang="en-US"/>
+              <a:t>看向</a:t>
+            </a:r>
+            <a:r>
+              <a:rPr lang="en-US" altLang="zh-CN"/>
+              <a:t>-z</a:t>
+            </a:r>
+            <a:r>
+              <a:rPr lang="zh-CN" altLang="en-US"/>
+              <a:t>轴</a:t>
+            </a:r>
+            <a:endParaRPr lang="zh-CN" altLang="en-US"/>
+          </a:p>
+          <a:p>
+            <a:r>
+              <a:rPr lang="zh-CN" altLang="en-US"/>
+              <a:t>视角</a:t>
+            </a:r>
+            <a:r>
+              <a:rPr lang="en-US" altLang="zh-CN"/>
+              <a:t>theta</a:t>
+            </a:r>
+            <a:endParaRPr lang="en-US" altLang="zh-CN"/>
           </a:p>
         </p:txBody>
       </p:sp>
@@ -3174,7 +3129,14 @@
   <p:clrMapOvr>
     <a:masterClrMapping/>
   </p:clrMapOvr>
-  <p:transition/>
+  <mc:AlternateContent xmlns:mc="http://schemas.openxmlformats.org/markup-compatibility/2006">
+    <mc:Choice xmlns:p14="http://schemas.microsoft.com/office/powerpoint/2010/main" Requires="p14">
+      <p:transition p14:dur="500"/>
+    </mc:Choice>
+    <mc:Fallback>
+      <p:transition/>
+    </mc:Fallback>
+  </mc:AlternateContent>
 </p:sldLayout>
 </file>
 
@@ -3342,7 +3304,14 @@
   <p:clrMapOvr>
     <a:masterClrMapping/>
   </p:clrMapOvr>
-  <p:transition/>
+  <mc:AlternateContent xmlns:mc="http://schemas.openxmlformats.org/markup-compatibility/2006">
+    <mc:Choice xmlns:p14="http://schemas.microsoft.com/office/powerpoint/2010/main" Requires="p14">
+      <p:transition p14:dur="500"/>
+    </mc:Choice>
+    <mc:Fallback>
+      <p:transition/>
+    </mc:Fallback>
+  </mc:AlternateContent>
 </p:sldLayout>
 </file>
 
@@ -3520,7 +3489,14 @@
   <p:clrMapOvr>
     <a:masterClrMapping/>
   </p:clrMapOvr>
-  <p:transition/>
+  <mc:AlternateContent xmlns:mc="http://schemas.openxmlformats.org/markup-compatibility/2006">
+    <mc:Choice xmlns:p14="http://schemas.microsoft.com/office/powerpoint/2010/main" Requires="p14">
+      <p:transition p14:dur="500"/>
+    </mc:Choice>
+    <mc:Fallback>
+      <p:transition/>
+    </mc:Fallback>
+  </mc:AlternateContent>
 </p:sldLayout>
 </file>
 
@@ -3757,7 +3733,14 @@
   <p:clrMapOvr>
     <a:masterClrMapping/>
   </p:clrMapOvr>
-  <p:transition/>
+  <mc:AlternateContent xmlns:mc="http://schemas.openxmlformats.org/markup-compatibility/2006">
+    <mc:Choice xmlns:p14="http://schemas.microsoft.com/office/powerpoint/2010/main" Requires="p14">
+      <p:transition p14:dur="500"/>
+    </mc:Choice>
+    <mc:Fallback>
+      <p:transition/>
+    </mc:Fallback>
+  </mc:AlternateContent>
 </p:sldLayout>
 </file>
 
@@ -3976,7 +3959,14 @@
   <p:clrMapOvr>
     <a:masterClrMapping/>
   </p:clrMapOvr>
-  <p:transition/>
+  <mc:AlternateContent xmlns:mc="http://schemas.openxmlformats.org/markup-compatibility/2006">
+    <mc:Choice xmlns:p14="http://schemas.microsoft.com/office/powerpoint/2010/main" Requires="p14">
+      <p:transition p14:dur="500"/>
+    </mc:Choice>
+    <mc:Fallback>
+      <p:transition/>
+    </mc:Fallback>
+  </mc:AlternateContent>
 </p:sldLayout>
 </file>
 
@@ -4268,7 +4258,14 @@
   <p:clrMapOvr>
     <a:masterClrMapping/>
   </p:clrMapOvr>
-  <p:transition/>
+  <mc:AlternateContent xmlns:mc="http://schemas.openxmlformats.org/markup-compatibility/2006">
+    <mc:Choice xmlns:p14="http://schemas.microsoft.com/office/powerpoint/2010/main" Requires="p14">
+      <p:transition p14:dur="500"/>
+    </mc:Choice>
+    <mc:Fallback>
+      <p:transition/>
+    </mc:Fallback>
+  </mc:AlternateContent>
 </p:sldLayout>
 </file>
 
@@ -4553,7 +4550,14 @@
   <p:clrMapOvr>
     <a:masterClrMapping/>
   </p:clrMapOvr>
-  <p:transition/>
+  <mc:AlternateContent xmlns:mc="http://schemas.openxmlformats.org/markup-compatibility/2006">
+    <mc:Choice xmlns:p14="http://schemas.microsoft.com/office/powerpoint/2010/main" Requires="p14">
+      <p:transition p14:dur="500"/>
+    </mc:Choice>
+    <mc:Fallback>
+      <p:transition/>
+    </mc:Fallback>
+  </mc:AlternateContent>
 </p:sldLayout>
 </file>
 
@@ -4975,7 +4979,14 @@
   <p:clrMapOvr>
     <a:masterClrMapping/>
   </p:clrMapOvr>
-  <p:transition/>
+  <mc:AlternateContent xmlns:mc="http://schemas.openxmlformats.org/markup-compatibility/2006">
+    <mc:Choice xmlns:p14="http://schemas.microsoft.com/office/powerpoint/2010/main" Requires="p14">
+      <p:transition p14:dur="500"/>
+    </mc:Choice>
+    <mc:Fallback>
+      <p:transition/>
+    </mc:Fallback>
+  </mc:AlternateContent>
 </p:sldLayout>
 </file>
 
@@ -5138,7 +5149,14 @@
   <p:clrMapOvr>
     <a:masterClrMapping/>
   </p:clrMapOvr>
-  <p:transition/>
+  <mc:AlternateContent xmlns:mc="http://schemas.openxmlformats.org/markup-compatibility/2006">
+    <mc:Choice xmlns:p14="http://schemas.microsoft.com/office/powerpoint/2010/main" Requires="p14">
+      <p:transition p14:dur="500"/>
+    </mc:Choice>
+    <mc:Fallback>
+      <p:transition/>
+    </mc:Fallback>
+  </mc:AlternateContent>
 </p:sldLayout>
 </file>
 
@@ -5278,7 +5296,14 @@
   <p:clrMapOvr>
     <a:masterClrMapping/>
   </p:clrMapOvr>
-  <p:transition/>
+  <mc:AlternateContent xmlns:mc="http://schemas.openxmlformats.org/markup-compatibility/2006">
+    <mc:Choice xmlns:p14="http://schemas.microsoft.com/office/powerpoint/2010/main" Requires="p14">
+      <p:transition p14:dur="500"/>
+    </mc:Choice>
+    <mc:Fallback>
+      <p:transition/>
+    </mc:Fallback>
+  </mc:AlternateContent>
 </p:sldLayout>
 </file>
 
@@ -5605,7 +5630,14 @@
   <p:clrMapOvr>
     <a:masterClrMapping/>
   </p:clrMapOvr>
-  <p:transition/>
+  <mc:AlternateContent xmlns:mc="http://schemas.openxmlformats.org/markup-compatibility/2006">
+    <mc:Choice xmlns:p14="http://schemas.microsoft.com/office/powerpoint/2010/main" Requires="p14">
+      <p:transition p14:dur="500"/>
+    </mc:Choice>
+    <mc:Fallback>
+      <p:transition/>
+    </mc:Fallback>
+  </mc:AlternateContent>
 </p:sldLayout>
 </file>
 
@@ -5773,7 +5805,14 @@
   <p:clrMapOvr>
     <a:masterClrMapping/>
   </p:clrMapOvr>
-  <p:transition/>
+  <mc:AlternateContent xmlns:mc="http://schemas.openxmlformats.org/markup-compatibility/2006">
+    <mc:Choice xmlns:p14="http://schemas.microsoft.com/office/powerpoint/2010/main" Requires="p14">
+      <p:transition p14:dur="500"/>
+    </mc:Choice>
+    <mc:Fallback>
+      <p:transition/>
+    </mc:Fallback>
+  </mc:AlternateContent>
 </p:sldLayout>
 </file>
 
@@ -6075,7 +6114,14 @@
   <p:clrMapOvr>
     <a:masterClrMapping/>
   </p:clrMapOvr>
-  <p:transition/>
+  <mc:AlternateContent xmlns:mc="http://schemas.openxmlformats.org/markup-compatibility/2006">
+    <mc:Choice xmlns:p14="http://schemas.microsoft.com/office/powerpoint/2010/main" Requires="p14">
+      <p:transition p14:dur="500"/>
+    </mc:Choice>
+    <mc:Fallback>
+      <p:transition/>
+    </mc:Fallback>
+  </mc:AlternateContent>
 </p:sldLayout>
 </file>
 
@@ -6294,7 +6340,14 @@
   <p:clrMapOvr>
     <a:masterClrMapping/>
   </p:clrMapOvr>
-  <p:transition/>
+  <mc:AlternateContent xmlns:mc="http://schemas.openxmlformats.org/markup-compatibility/2006">
+    <mc:Choice xmlns:p14="http://schemas.microsoft.com/office/powerpoint/2010/main" Requires="p14">
+      <p:transition p14:dur="500"/>
+    </mc:Choice>
+    <mc:Fallback>
+      <p:transition/>
+    </mc:Fallback>
+  </mc:AlternateContent>
 </p:sldLayout>
 </file>
 
@@ -6523,7 +6576,14 @@
   <p:clrMapOvr>
     <a:masterClrMapping/>
   </p:clrMapOvr>
-  <p:transition/>
+  <mc:AlternateContent xmlns:mc="http://schemas.openxmlformats.org/markup-compatibility/2006">
+    <mc:Choice xmlns:p14="http://schemas.microsoft.com/office/powerpoint/2010/main" Requires="p14">
+      <p:transition p14:dur="500"/>
+    </mc:Choice>
+    <mc:Fallback>
+      <p:transition/>
+    </mc:Fallback>
+  </mc:AlternateContent>
 </p:sldLayout>
 </file>
 
@@ -6764,7 +6824,14 @@
   <p:clrMapOvr>
     <a:masterClrMapping/>
   </p:clrMapOvr>
-  <p:transition/>
+  <mc:AlternateContent xmlns:mc="http://schemas.openxmlformats.org/markup-compatibility/2006">
+    <mc:Choice xmlns:p14="http://schemas.microsoft.com/office/powerpoint/2010/main" Requires="p14">
+      <p:transition p14:dur="500"/>
+    </mc:Choice>
+    <mc:Fallback>
+      <p:transition/>
+    </mc:Fallback>
+  </mc:AlternateContent>
 </p:sldLayout>
 </file>
 
@@ -6998,7 +7065,14 @@
   <p:clrMapOvr>
     <a:masterClrMapping/>
   </p:clrMapOvr>
-  <p:transition/>
+  <mc:AlternateContent xmlns:mc="http://schemas.openxmlformats.org/markup-compatibility/2006">
+    <mc:Choice xmlns:p14="http://schemas.microsoft.com/office/powerpoint/2010/main" Requires="p14">
+      <p:transition p14:dur="500"/>
+    </mc:Choice>
+    <mc:Fallback>
+      <p:transition/>
+    </mc:Fallback>
+  </mc:AlternateContent>
 </p:sldLayout>
 </file>
 
@@ -7369,7 +7443,14 @@
   <p:clrMapOvr>
     <a:masterClrMapping/>
   </p:clrMapOvr>
-  <p:transition/>
+  <mc:AlternateContent xmlns:mc="http://schemas.openxmlformats.org/markup-compatibility/2006">
+    <mc:Choice xmlns:p14="http://schemas.microsoft.com/office/powerpoint/2010/main" Requires="p14">
+      <p:transition p14:dur="500"/>
+    </mc:Choice>
+    <mc:Fallback>
+      <p:transition/>
+    </mc:Fallback>
+  </mc:AlternateContent>
 </p:sldLayout>
 </file>
 
@@ -7481,7 +7562,14 @@
   <p:clrMapOvr>
     <a:masterClrMapping/>
   </p:clrMapOvr>
-  <p:transition/>
+  <mc:AlternateContent xmlns:mc="http://schemas.openxmlformats.org/markup-compatibility/2006">
+    <mc:Choice xmlns:p14="http://schemas.microsoft.com/office/powerpoint/2010/main" Requires="p14">
+      <p:transition p14:dur="500"/>
+    </mc:Choice>
+    <mc:Fallback>
+      <p:transition/>
+    </mc:Fallback>
+  </mc:AlternateContent>
 </p:sldLayout>
 </file>
 
@@ -7570,7 +7658,14 @@
   <p:clrMapOvr>
     <a:masterClrMapping/>
   </p:clrMapOvr>
-  <p:transition/>
+  <mc:AlternateContent xmlns:mc="http://schemas.openxmlformats.org/markup-compatibility/2006">
+    <mc:Choice xmlns:p14="http://schemas.microsoft.com/office/powerpoint/2010/main" Requires="p14">
+      <p:transition p14:dur="500"/>
+    </mc:Choice>
+    <mc:Fallback>
+      <p:transition/>
+    </mc:Fallback>
+  </mc:AlternateContent>
 </p:sldLayout>
 </file>
 
@@ -7846,7 +7941,14 @@
   <p:clrMapOvr>
     <a:masterClrMapping/>
   </p:clrMapOvr>
-  <p:transition/>
+  <mc:AlternateContent xmlns:mc="http://schemas.openxmlformats.org/markup-compatibility/2006">
+    <mc:Choice xmlns:p14="http://schemas.microsoft.com/office/powerpoint/2010/main" Requires="p14">
+      <p:transition p14:dur="500"/>
+    </mc:Choice>
+    <mc:Fallback>
+      <p:transition/>
+    </mc:Fallback>
+  </mc:AlternateContent>
 </p:sldLayout>
 </file>
 
@@ -8094,7 +8196,14 @@
   <p:clrMapOvr>
     <a:masterClrMapping/>
   </p:clrMapOvr>
-  <p:transition/>
+  <mc:AlternateContent xmlns:mc="http://schemas.openxmlformats.org/markup-compatibility/2006">
+    <mc:Choice xmlns:p14="http://schemas.microsoft.com/office/powerpoint/2010/main" Requires="p14">
+      <p:transition p14:dur="500"/>
+    </mc:Choice>
+    <mc:Fallback>
+      <p:transition/>
+    </mc:Fallback>
+  </mc:AlternateContent>
 </p:sldLayout>
 </file>
 
@@ -8355,7 +8464,14 @@
     <p:sldLayoutId id="2147483658" r:id="rId10"/>
     <p:sldLayoutId id="2147483659" r:id="rId11"/>
   </p:sldLayoutIdLst>
-  <p:transition/>
+  <mc:AlternateContent xmlns:mc="http://schemas.openxmlformats.org/markup-compatibility/2006">
+    <mc:Choice xmlns:p14="http://schemas.microsoft.com/office/powerpoint/2010/main" Requires="p14">
+      <p:transition p14:dur="500"/>
+    </mc:Choice>
+    <mc:Fallback>
+      <p:transition/>
+    </mc:Fallback>
+  </mc:AlternateContent>
   <p:txStyles>
     <p:titleStyle>
       <a:lvl1pPr algn="l" defTabSz="914400" rtl="0" eaLnBrk="1" latinLnBrk="0" hangingPunct="1">
@@ -9002,7 +9118,14 @@
     <p:sldLayoutId id="2147483670" r:id="rId10"/>
     <p:sldLayoutId id="2147483671" r:id="rId11"/>
   </p:sldLayoutIdLst>
-  <p:transition/>
+  <mc:AlternateContent xmlns:mc="http://schemas.openxmlformats.org/markup-compatibility/2006">
+    <mc:Choice xmlns:p14="http://schemas.microsoft.com/office/powerpoint/2010/main" Requires="p14">
+      <p:transition p14:dur="500"/>
+    </mc:Choice>
+    <mc:Fallback>
+      <p:transition/>
+    </mc:Fallback>
+  </mc:AlternateContent>
   <p:txStyles>
     <p:titleStyle>
       <a:lvl1pPr algn="l" rtl="0" eaLnBrk="0" fontAlgn="base" hangingPunct="0">
@@ -10057,14 +10180,7 @@
   <p:clrMapOvr>
     <a:masterClrMapping/>
   </p:clrMapOvr>
-  <mc:AlternateContent xmlns:mc="http://schemas.openxmlformats.org/markup-compatibility/2006">
-    <mc:Choice xmlns:p14="http://schemas.microsoft.com/office/powerpoint/2010/main" Requires="p14">
-      <p:transition p14:dur="9"/>
-    </mc:Choice>
-    <mc:Fallback>
-      <p:transition/>
-    </mc:Fallback>
-  </mc:AlternateContent>
+  <p:transition/>
   <p:timing>
     <p:tnLst>
       <p:par>
@@ -10076,1773 +10192,6 @@
 </file>
 
 <file path=ppt/slides/slide10.xml><?xml version="1.0" encoding="utf-8"?>
-<p:sld xmlns:a="http://schemas.openxmlformats.org/drawingml/2006/main" xmlns:r="http://schemas.openxmlformats.org/officeDocument/2006/relationships" xmlns:p="http://schemas.openxmlformats.org/presentationml/2006/main">
-  <p:cSld>
-    <p:spTree>
-      <p:nvGrpSpPr>
-        <p:cNvPr id="1" name=""/>
-        <p:cNvGrpSpPr/>
-        <p:nvPr/>
-      </p:nvGrpSpPr>
-      <p:grpSpPr>
-        <a:xfrm>
-          <a:off x="0" y="0"/>
-          <a:ext cx="0" cy="0"/>
-          <a:chOff x="0" y="0"/>
-          <a:chExt cx="0" cy="0"/>
-        </a:xfrm>
-      </p:grpSpPr>
-      <p:sp>
-        <p:nvSpPr>
-          <p:cNvPr id="3" name="文本占位符 2"/>
-          <p:cNvSpPr>
-            <a:spLocks noGrp="1"/>
-          </p:cNvSpPr>
-          <p:nvPr>
-            <p:ph type="body" idx="1"/>
-          </p:nvPr>
-        </p:nvSpPr>
-        <p:spPr>
-          <a:xfrm>
-            <a:off x="622800" y="1332000"/>
-            <a:ext cx="7886700" cy="4946400"/>
-          </a:xfrm>
-        </p:spPr>
-        <p:txBody>
-          <a:bodyPr/>
-          <a:lstStyle/>
-          <a:p>
-            <a:r>
-              <a:rPr lang="en-US" altLang="zh-CN">
-                <a:solidFill>
-                  <a:schemeClr val="tx1"/>
-                </a:solidFill>
-                <a:sym typeface="+mn-ea"/>
-              </a:rPr>
-              <a:t>2.</a:t>
-            </a:r>
-            <a:r>
-              <a:rPr lang="zh-CN" altLang="en-US">
-                <a:solidFill>
-                  <a:schemeClr val="tx1"/>
-                </a:solidFill>
-                <a:sym typeface="+mn-ea"/>
-              </a:rPr>
-              <a:t>齐次坐标</a:t>
-            </a:r>
-            <a:endParaRPr lang="zh-CN" altLang="en-US">
-              <a:solidFill>
-                <a:schemeClr val="tx1"/>
-              </a:solidFill>
-              <a:sym typeface="+mn-ea"/>
-            </a:endParaRPr>
-          </a:p>
-          <a:p>
-            <a:r>
-              <a:rPr lang="zh-CN" altLang="en-US">
-                <a:solidFill>
-                  <a:schemeClr val="tx1"/>
-                </a:solidFill>
-                <a:sym typeface="+mn-ea"/>
-              </a:rPr>
-              <a:t>  三维空间</a:t>
-            </a:r>
-            <a:r>
-              <a:rPr lang="en-US" altLang="zh-CN">
-                <a:solidFill>
-                  <a:schemeClr val="tx1"/>
-                </a:solidFill>
-                <a:sym typeface="+mn-ea"/>
-              </a:rPr>
-              <a:t>R</a:t>
-            </a:r>
-            <a:r>
-              <a:rPr lang="en-US" altLang="zh-CN" baseline="30000">
-                <a:solidFill>
-                  <a:schemeClr val="tx1"/>
-                </a:solidFill>
-                <a:sym typeface="+mn-ea"/>
-              </a:rPr>
-              <a:t>3</a:t>
-            </a:r>
-            <a:r>
-              <a:rPr lang="zh-CN" altLang="en-US">
-                <a:solidFill>
-                  <a:schemeClr val="tx1"/>
-                </a:solidFill>
-                <a:sym typeface="+mn-ea"/>
-              </a:rPr>
-              <a:t>中的点</a:t>
-            </a:r>
-            <a:r>
-              <a:rPr lang="en-US" altLang="zh-CN">
-                <a:solidFill>
-                  <a:schemeClr val="tx1"/>
-                </a:solidFill>
-                <a:sym typeface="+mn-ea"/>
-              </a:rPr>
-              <a:t>(x,y,z)</a:t>
-            </a:r>
-            <a:r>
-              <a:rPr lang="zh-CN" altLang="en-US">
-                <a:solidFill>
-                  <a:schemeClr val="tx1"/>
-                </a:solidFill>
-                <a:sym typeface="+mn-ea"/>
-              </a:rPr>
-              <a:t>可以表示齐次坐标</a:t>
-            </a:r>
-            <a:r>
-              <a:rPr lang="en-US" altLang="zh-CN">
-                <a:solidFill>
-                  <a:schemeClr val="tx1"/>
-                </a:solidFill>
-                <a:sym typeface="+mn-ea"/>
-              </a:rPr>
-              <a:t>RP</a:t>
-            </a:r>
-            <a:r>
-              <a:rPr lang="en-US" altLang="zh-CN" baseline="30000">
-                <a:solidFill>
-                  <a:schemeClr val="tx1"/>
-                </a:solidFill>
-                <a:sym typeface="+mn-ea"/>
-              </a:rPr>
-              <a:t>3</a:t>
-            </a:r>
-            <a:r>
-              <a:rPr lang="zh-CN" altLang="en-US">
-                <a:solidFill>
-                  <a:schemeClr val="tx1"/>
-                </a:solidFill>
-                <a:sym typeface="+mn-ea"/>
-              </a:rPr>
-              <a:t>的点</a:t>
-            </a:r>
-            <a:r>
-              <a:rPr lang="en-US" altLang="zh-CN">
-                <a:solidFill>
-                  <a:schemeClr val="tx1"/>
-                </a:solidFill>
-                <a:sym typeface="+mn-ea"/>
-              </a:rPr>
-              <a:t>(x,y,z,1)</a:t>
-            </a:r>
-            <a:endParaRPr lang="en-US" altLang="zh-CN">
-              <a:solidFill>
-                <a:schemeClr val="tx1"/>
-              </a:solidFill>
-              <a:sym typeface="+mn-ea"/>
-            </a:endParaRPr>
-          </a:p>
-          <a:p>
-            <a:r>
-              <a:rPr lang="en-US" altLang="zh-CN">
-                <a:solidFill>
-                  <a:schemeClr val="tx1"/>
-                </a:solidFill>
-                <a:sym typeface="+mn-ea"/>
-              </a:rPr>
-              <a:t>  </a:t>
-            </a:r>
-            <a:r>
-              <a:rPr lang="zh-CN" altLang="en-US">
-                <a:solidFill>
-                  <a:schemeClr val="tx1"/>
-                </a:solidFill>
-                <a:sym typeface="+mn-ea"/>
-              </a:rPr>
-              <a:t>在</a:t>
-            </a:r>
-            <a:r>
-              <a:rPr lang="en-US" altLang="zh-CN">
-                <a:solidFill>
-                  <a:schemeClr val="tx1"/>
-                </a:solidFill>
-                <a:sym typeface="+mn-ea"/>
-              </a:rPr>
-              <a:t>n</a:t>
-            </a:r>
-            <a:r>
-              <a:rPr lang="zh-CN" altLang="en-US">
-                <a:solidFill>
-                  <a:schemeClr val="tx1"/>
-                </a:solidFill>
-                <a:sym typeface="+mn-ea"/>
-              </a:rPr>
-              <a:t>维空间中的点在</a:t>
-            </a:r>
-            <a:r>
-              <a:rPr lang="en-US" altLang="zh-CN">
-                <a:solidFill>
-                  <a:schemeClr val="tx1"/>
-                </a:solidFill>
-                <a:sym typeface="+mn-ea"/>
-              </a:rPr>
-              <a:t>n+1</a:t>
-            </a:r>
-            <a:r>
-              <a:rPr lang="zh-CN" altLang="en-US">
-                <a:solidFill>
-                  <a:schemeClr val="tx1"/>
-                </a:solidFill>
-                <a:sym typeface="+mn-ea"/>
-              </a:rPr>
-              <a:t>维空间中可以通过变换</a:t>
-            </a:r>
-            <a:r>
-              <a:rPr lang="en-US" altLang="zh-CN">
-                <a:solidFill>
-                  <a:schemeClr val="tx1"/>
-                </a:solidFill>
-                <a:sym typeface="+mn-ea"/>
-              </a:rPr>
-              <a:t>n</a:t>
-            </a:r>
-            <a:r>
-              <a:rPr lang="zh-CN" altLang="en-US">
-                <a:solidFill>
-                  <a:schemeClr val="tx1"/>
-                </a:solidFill>
-                <a:sym typeface="+mn-ea"/>
-              </a:rPr>
-              <a:t>维空间点的尺度，并把这个尺度放到多出来的维度上。</a:t>
-            </a:r>
-            <a:endParaRPr lang="zh-CN" altLang="en-US">
-              <a:solidFill>
-                <a:schemeClr val="tx1"/>
-              </a:solidFill>
-              <a:sym typeface="+mn-ea"/>
-            </a:endParaRPr>
-          </a:p>
-          <a:p>
-            <a:endParaRPr lang="en-US" altLang="zh-CN">
-              <a:solidFill>
-                <a:schemeClr val="tx1"/>
-              </a:solidFill>
-              <a:sym typeface="+mn-ea"/>
-            </a:endParaRPr>
-          </a:p>
-          <a:p>
-            <a:endParaRPr lang="en-US" altLang="zh-CN">
-              <a:solidFill>
-                <a:schemeClr val="tx1"/>
-              </a:solidFill>
-              <a:sym typeface="+mn-ea"/>
-            </a:endParaRPr>
-          </a:p>
-          <a:p>
-            <a:endParaRPr lang="en-US" altLang="zh-CN">
-              <a:solidFill>
-                <a:schemeClr val="tx1"/>
-              </a:solidFill>
-              <a:sym typeface="+mn-ea"/>
-            </a:endParaRPr>
-          </a:p>
-          <a:p>
-            <a:r>
-              <a:rPr lang="zh-CN" altLang="zh-CN">
-                <a:solidFill>
-                  <a:schemeClr val="tx1"/>
-                </a:solidFill>
-                <a:sym typeface="+mn-ea"/>
-              </a:rPr>
-              <a:t>从齐次坐标到三维坐标</a:t>
-            </a:r>
-            <a:endParaRPr lang="zh-CN" altLang="zh-CN">
-              <a:solidFill>
-                <a:schemeClr val="tx1"/>
-              </a:solidFill>
-              <a:sym typeface="+mn-ea"/>
-            </a:endParaRPr>
-          </a:p>
-          <a:p>
-            <a:endParaRPr lang="zh-CN" altLang="zh-CN">
-              <a:solidFill>
-                <a:schemeClr val="tx1"/>
-              </a:solidFill>
-              <a:sym typeface="+mn-ea"/>
-            </a:endParaRPr>
-          </a:p>
-          <a:p>
-            <a:endParaRPr lang="zh-CN" altLang="zh-CN">
-              <a:solidFill>
-                <a:schemeClr val="tx1"/>
-              </a:solidFill>
-              <a:sym typeface="+mn-ea"/>
-            </a:endParaRPr>
-          </a:p>
-          <a:p>
-            <a:r>
-              <a:rPr lang="en-US" altLang="zh-CN">
-                <a:solidFill>
-                  <a:schemeClr val="tx1"/>
-                </a:solidFill>
-                <a:sym typeface="+mn-ea"/>
-              </a:rPr>
-              <a:t>w=0?</a:t>
-            </a:r>
-            <a:r>
-              <a:rPr lang="zh-CN" altLang="zh-CN">
-                <a:solidFill>
-                  <a:schemeClr val="tx1"/>
-                </a:solidFill>
-                <a:sym typeface="+mn-ea"/>
-              </a:rPr>
-              <a:t>点无穷大</a:t>
-            </a:r>
-            <a:endParaRPr lang="zh-CN" altLang="zh-CN">
-              <a:solidFill>
-                <a:schemeClr val="tx1"/>
-              </a:solidFill>
-              <a:sym typeface="+mn-ea"/>
-            </a:endParaRPr>
-          </a:p>
-          <a:p>
-            <a:endParaRPr lang="en-US" altLang="zh-CN">
-              <a:solidFill>
-                <a:schemeClr val="tx1"/>
-              </a:solidFill>
-              <a:sym typeface="+mn-ea"/>
-            </a:endParaRPr>
-          </a:p>
-        </p:txBody>
-      </p:sp>
-      <p:sp>
-        <p:nvSpPr>
-          <p:cNvPr id="35" name="矩形 34"/>
-          <p:cNvSpPr/>
-          <p:nvPr/>
-        </p:nvSpPr>
-        <p:spPr>
-          <a:xfrm>
-            <a:off x="111760" y="508000"/>
-            <a:ext cx="182563" cy="508000"/>
-          </a:xfrm>
-          <a:prstGeom prst="rect">
-            <a:avLst/>
-          </a:prstGeom>
-          <a:solidFill>
-            <a:srgbClr val="6CAE43"/>
-          </a:solidFill>
-          <a:ln>
-            <a:noFill/>
-          </a:ln>
-        </p:spPr>
-        <p:style>
-          <a:lnRef idx="2">
-            <a:schemeClr val="accent1">
-              <a:shade val="50000"/>
-            </a:schemeClr>
-          </a:lnRef>
-          <a:fillRef idx="1">
-            <a:schemeClr val="accent1"/>
-          </a:fillRef>
-          <a:effectRef idx="0">
-            <a:schemeClr val="accent1"/>
-          </a:effectRef>
-          <a:fontRef idx="minor">
-            <a:schemeClr val="lt1"/>
-          </a:fontRef>
-        </p:style>
-        <p:txBody>
-          <a:bodyPr anchor="ctr"/>
-          <a:lstStyle/>
-          <a:p>
-            <a:pPr algn="ctr" eaLnBrk="1" fontAlgn="auto" hangingPunct="1">
-              <a:spcBef>
-                <a:spcPts val="0"/>
-              </a:spcBef>
-              <a:spcAft>
-                <a:spcPts val="0"/>
-              </a:spcAft>
-              <a:defRPr/>
-            </a:pPr>
-            <a:r>
-              <a:rPr lang="en-US" altLang="zh-CN" dirty="0">
-                <a:ea typeface="微软雅黑" panose="020B0503020204020204" pitchFamily="34" charset="-122"/>
-              </a:rPr>
-              <a:t>4</a:t>
-            </a:r>
-            <a:endParaRPr lang="en-US" altLang="zh-CN" dirty="0">
-              <a:ea typeface="微软雅黑" panose="020B0503020204020204" pitchFamily="34" charset="-122"/>
-            </a:endParaRPr>
-          </a:p>
-        </p:txBody>
-      </p:sp>
-      <p:sp>
-        <p:nvSpPr>
-          <p:cNvPr id="36" name="文本框 4"/>
-          <p:cNvSpPr txBox="1">
-            <a:spLocks noChangeArrowheads="1"/>
-          </p:cNvSpPr>
-          <p:nvPr/>
-        </p:nvSpPr>
-        <p:spPr bwMode="auto">
-          <a:xfrm>
-            <a:off x="407035" y="561975"/>
-            <a:ext cx="2681288" cy="417830"/>
-          </a:xfrm>
-          <a:prstGeom prst="rect">
-            <a:avLst/>
-          </a:prstGeom>
-          <a:noFill/>
-          <a:ln>
-            <a:noFill/>
-          </a:ln>
-          <a:extLst>
-            <a:ext uri="{909E8E84-426E-40DD-AFC4-6F175D3DCCD1}">
-              <a14:hiddenFill xmlns:a14="http://schemas.microsoft.com/office/drawing/2010/main">
-                <a:solidFill>
-                  <a:srgbClr val="FFFFFF"/>
-                </a:solidFill>
-              </a14:hiddenFill>
-            </a:ext>
-            <a:ext uri="{91240B29-F687-4F45-9708-019B960494DF}">
-              <a14:hiddenLine xmlns:a14="http://schemas.microsoft.com/office/drawing/2010/main" w="9525">
-                <a:solidFill>
-                  <a:srgbClr val="000000"/>
-                </a:solidFill>
-                <a:miter lim="800000"/>
-                <a:headEnd/>
-                <a:tailEnd/>
-              </a14:hiddenLine>
-            </a:ext>
-          </a:extLst>
-        </p:spPr>
-        <p:txBody>
-          <a:bodyPr>
-            <a:spAutoFit/>
-          </a:bodyPr>
-          <a:lstStyle>
-            <a:lvl1pPr>
-              <a:lnSpc>
-                <a:spcPct val="90000"/>
-              </a:lnSpc>
-              <a:spcBef>
-                <a:spcPts val="1000"/>
-              </a:spcBef>
-              <a:buFont typeface="Arial" panose="020B0604020202020204" pitchFamily="34" charset="0"/>
-              <a:buChar char="•"/>
-              <a:defRPr sz="2800">
-                <a:solidFill>
-                  <a:schemeClr val="tx1"/>
-                </a:solidFill>
-                <a:latin typeface="Calibri" panose="020F0502020204030204" pitchFamily="34" charset="0"/>
-                <a:ea typeface="宋体" panose="02010600030101010101" pitchFamily="2" charset="-122"/>
-              </a:defRPr>
-            </a:lvl1pPr>
-            <a:lvl2pPr marL="742950" indent="-285750">
-              <a:lnSpc>
-                <a:spcPct val="90000"/>
-              </a:lnSpc>
-              <a:spcBef>
-                <a:spcPts val="500"/>
-              </a:spcBef>
-              <a:buFont typeface="Arial" panose="020B0604020202020204" pitchFamily="34" charset="0"/>
-              <a:buChar char="•"/>
-              <a:defRPr sz="2400">
-                <a:solidFill>
-                  <a:schemeClr val="tx1"/>
-                </a:solidFill>
-                <a:latin typeface="Calibri" panose="020F0502020204030204" pitchFamily="34" charset="0"/>
-                <a:ea typeface="宋体" panose="02010600030101010101" pitchFamily="2" charset="-122"/>
-              </a:defRPr>
-            </a:lvl2pPr>
-            <a:lvl3pPr marL="1143000" indent="-228600">
-              <a:lnSpc>
-                <a:spcPct val="90000"/>
-              </a:lnSpc>
-              <a:spcBef>
-                <a:spcPts val="500"/>
-              </a:spcBef>
-              <a:buFont typeface="Arial" panose="020B0604020202020204" pitchFamily="34" charset="0"/>
-              <a:buChar char="•"/>
-              <a:defRPr sz="2000">
-                <a:solidFill>
-                  <a:schemeClr val="tx1"/>
-                </a:solidFill>
-                <a:latin typeface="Calibri" panose="020F0502020204030204" pitchFamily="34" charset="0"/>
-                <a:ea typeface="宋体" panose="02010600030101010101" pitchFamily="2" charset="-122"/>
-              </a:defRPr>
-            </a:lvl3pPr>
-            <a:lvl4pPr marL="1600200" indent="-228600">
-              <a:lnSpc>
-                <a:spcPct val="90000"/>
-              </a:lnSpc>
-              <a:spcBef>
-                <a:spcPts val="500"/>
-              </a:spcBef>
-              <a:buFont typeface="Arial" panose="020B0604020202020204" pitchFamily="34" charset="0"/>
-              <a:buChar char="•"/>
-              <a:defRPr>
-                <a:solidFill>
-                  <a:schemeClr val="tx1"/>
-                </a:solidFill>
-                <a:latin typeface="Calibri" panose="020F0502020204030204" pitchFamily="34" charset="0"/>
-                <a:ea typeface="宋体" panose="02010600030101010101" pitchFamily="2" charset="-122"/>
-              </a:defRPr>
-            </a:lvl4pPr>
-            <a:lvl5pPr marL="2057400" indent="-228600">
-              <a:lnSpc>
-                <a:spcPct val="90000"/>
-              </a:lnSpc>
-              <a:spcBef>
-                <a:spcPts val="500"/>
-              </a:spcBef>
-              <a:buFont typeface="Arial" panose="020B0604020202020204" pitchFamily="34" charset="0"/>
-              <a:buChar char="•"/>
-              <a:defRPr>
-                <a:solidFill>
-                  <a:schemeClr val="tx1"/>
-                </a:solidFill>
-                <a:latin typeface="Calibri" panose="020F0502020204030204" pitchFamily="34" charset="0"/>
-                <a:ea typeface="宋体" panose="02010600030101010101" pitchFamily="2" charset="-122"/>
-              </a:defRPr>
-            </a:lvl5pPr>
-            <a:lvl6pPr marL="2514600" indent="-228600" eaLnBrk="0" fontAlgn="base" hangingPunct="0">
-              <a:lnSpc>
-                <a:spcPct val="90000"/>
-              </a:lnSpc>
-              <a:spcBef>
-                <a:spcPts val="500"/>
-              </a:spcBef>
-              <a:spcAft>
-                <a:spcPct val="0"/>
-              </a:spcAft>
-              <a:buFont typeface="Arial" panose="020B0604020202020204" pitchFamily="34" charset="0"/>
-              <a:buChar char="•"/>
-              <a:defRPr>
-                <a:solidFill>
-                  <a:schemeClr val="tx1"/>
-                </a:solidFill>
-                <a:latin typeface="Calibri" panose="020F0502020204030204" pitchFamily="34" charset="0"/>
-                <a:ea typeface="宋体" panose="02010600030101010101" pitchFamily="2" charset="-122"/>
-              </a:defRPr>
-            </a:lvl6pPr>
-            <a:lvl7pPr marL="2971800" indent="-228600" eaLnBrk="0" fontAlgn="base" hangingPunct="0">
-              <a:lnSpc>
-                <a:spcPct val="90000"/>
-              </a:lnSpc>
-              <a:spcBef>
-                <a:spcPts val="500"/>
-              </a:spcBef>
-              <a:spcAft>
-                <a:spcPct val="0"/>
-              </a:spcAft>
-              <a:buFont typeface="Arial" panose="020B0604020202020204" pitchFamily="34" charset="0"/>
-              <a:buChar char="•"/>
-              <a:defRPr>
-                <a:solidFill>
-                  <a:schemeClr val="tx1"/>
-                </a:solidFill>
-                <a:latin typeface="Calibri" panose="020F0502020204030204" pitchFamily="34" charset="0"/>
-                <a:ea typeface="宋体" panose="02010600030101010101" pitchFamily="2" charset="-122"/>
-              </a:defRPr>
-            </a:lvl7pPr>
-            <a:lvl8pPr marL="3429000" indent="-228600" eaLnBrk="0" fontAlgn="base" hangingPunct="0">
-              <a:lnSpc>
-                <a:spcPct val="90000"/>
-              </a:lnSpc>
-              <a:spcBef>
-                <a:spcPts val="500"/>
-              </a:spcBef>
-              <a:spcAft>
-                <a:spcPct val="0"/>
-              </a:spcAft>
-              <a:buFont typeface="Arial" panose="020B0604020202020204" pitchFamily="34" charset="0"/>
-              <a:buChar char="•"/>
-              <a:defRPr>
-                <a:solidFill>
-                  <a:schemeClr val="tx1"/>
-                </a:solidFill>
-                <a:latin typeface="Calibri" panose="020F0502020204030204" pitchFamily="34" charset="0"/>
-                <a:ea typeface="宋体" panose="02010600030101010101" pitchFamily="2" charset="-122"/>
-              </a:defRPr>
-            </a:lvl8pPr>
-            <a:lvl9pPr marL="3886200" indent="-228600" eaLnBrk="0" fontAlgn="base" hangingPunct="0">
-              <a:lnSpc>
-                <a:spcPct val="90000"/>
-              </a:lnSpc>
-              <a:spcBef>
-                <a:spcPts val="500"/>
-              </a:spcBef>
-              <a:spcAft>
-                <a:spcPct val="0"/>
-              </a:spcAft>
-              <a:buFont typeface="Arial" panose="020B0604020202020204" pitchFamily="34" charset="0"/>
-              <a:buChar char="•"/>
-              <a:defRPr>
-                <a:solidFill>
-                  <a:schemeClr val="tx1"/>
-                </a:solidFill>
-                <a:latin typeface="Calibri" panose="020F0502020204030204" pitchFamily="34" charset="0"/>
-                <a:ea typeface="宋体" panose="02010600030101010101" pitchFamily="2" charset="-122"/>
-              </a:defRPr>
-            </a:lvl9pPr>
-          </a:lstStyle>
-          <a:p>
-            <a:pPr eaLnBrk="1" hangingPunct="1">
-              <a:lnSpc>
-                <a:spcPct val="100000"/>
-              </a:lnSpc>
-              <a:spcBef>
-                <a:spcPct val="0"/>
-              </a:spcBef>
-              <a:buFontTx/>
-              <a:buNone/>
-            </a:pPr>
-            <a:r>
-              <a:rPr lang="zh-CN" altLang="en-US" sz="2000" b="1">
-                <a:latin typeface="微软雅黑" panose="020B0503020204020204" pitchFamily="34" charset="-122"/>
-                <a:ea typeface="微软雅黑" panose="020B0503020204020204" pitchFamily="34" charset="-122"/>
-              </a:rPr>
-              <a:t>投影变换</a:t>
-            </a:r>
-            <a:endParaRPr lang="zh-CN" altLang="en-US" sz="2000" b="1">
-              <a:latin typeface="微软雅黑" panose="020B0503020204020204" pitchFamily="34" charset="-122"/>
-              <a:ea typeface="微软雅黑" panose="020B0503020204020204" pitchFamily="34" charset="-122"/>
-            </a:endParaRPr>
-          </a:p>
-        </p:txBody>
-      </p:sp>
-      <p:sp>
-        <p:nvSpPr>
-          <p:cNvPr id="13" name="Freeform 2"/>
-          <p:cNvSpPr>
-            <a:spLocks noChangeArrowheads="1"/>
-          </p:cNvSpPr>
-          <p:nvPr/>
-        </p:nvSpPr>
-        <p:spPr bwMode="auto">
-          <a:xfrm>
-            <a:off x="7313930" y="23495"/>
-            <a:ext cx="1786255" cy="443230"/>
-          </a:xfrm>
-          <a:custGeom>
-            <a:avLst/>
-            <a:gdLst>
-              <a:gd name="T0" fmla="*/ 5668 w 7144"/>
-              <a:gd name="T1" fmla="*/ 0 h 3558"/>
-              <a:gd name="T2" fmla="*/ 0 w 7144"/>
-              <a:gd name="T3" fmla="*/ 0 h 3558"/>
-              <a:gd name="T4" fmla="*/ 1475 w 7144"/>
-              <a:gd name="T5" fmla="*/ 1792 h 3558"/>
-              <a:gd name="T6" fmla="*/ 0 w 7144"/>
-              <a:gd name="T7" fmla="*/ 3557 h 3558"/>
-              <a:gd name="T8" fmla="*/ 5668 w 7144"/>
-              <a:gd name="T9" fmla="*/ 3557 h 3558"/>
-              <a:gd name="T10" fmla="*/ 7143 w 7144"/>
-              <a:gd name="T11" fmla="*/ 1792 h 3558"/>
-              <a:gd name="T12" fmla="*/ 5668 w 7144"/>
-              <a:gd name="T13" fmla="*/ 0 h 3558"/>
-            </a:gdLst>
-            <a:ahLst/>
-            <a:cxnLst>
-              <a:cxn ang="0">
-                <a:pos x="T0" y="T1"/>
-              </a:cxn>
-              <a:cxn ang="0">
-                <a:pos x="T2" y="T3"/>
-              </a:cxn>
-              <a:cxn ang="0">
-                <a:pos x="T4" y="T5"/>
-              </a:cxn>
-              <a:cxn ang="0">
-                <a:pos x="T6" y="T7"/>
-              </a:cxn>
-              <a:cxn ang="0">
-                <a:pos x="T8" y="T9"/>
-              </a:cxn>
-              <a:cxn ang="0">
-                <a:pos x="T10" y="T11"/>
-              </a:cxn>
-              <a:cxn ang="0">
-                <a:pos x="T12" y="T13"/>
-              </a:cxn>
-            </a:cxnLst>
-            <a:rect l="0" t="0" r="r" b="b"/>
-            <a:pathLst>
-              <a:path w="7144" h="3558">
-                <a:moveTo>
-                  <a:pt x="5668" y="0"/>
-                </a:moveTo>
-                <a:lnTo>
-                  <a:pt x="0" y="0"/>
-                </a:lnTo>
-                <a:lnTo>
-                  <a:pt x="1475" y="1792"/>
-                </a:lnTo>
-                <a:lnTo>
-                  <a:pt x="0" y="3557"/>
-                </a:lnTo>
-                <a:lnTo>
-                  <a:pt x="5668" y="3557"/>
-                </a:lnTo>
-                <a:lnTo>
-                  <a:pt x="7143" y="1792"/>
-                </a:lnTo>
-                <a:lnTo>
-                  <a:pt x="5668" y="0"/>
-                </a:lnTo>
-              </a:path>
-            </a:pathLst>
-          </a:custGeom>
-          <a:solidFill>
-            <a:srgbClr val="6CAE43"/>
-          </a:solidFill>
-          <a:ln w="28575">
-            <a:solidFill>
-              <a:schemeClr val="bg1"/>
-            </a:solidFill>
-          </a:ln>
-          <a:effectLst>
-            <a:outerShdw blurRad="152400" dist="63500" dir="8100000" algn="tr" rotWithShape="0">
-              <a:prstClr val="black">
-                <a:alpha val="26000"/>
-              </a:prstClr>
-            </a:outerShdw>
-          </a:effectLst>
-        </p:spPr>
-        <p:style>
-          <a:lnRef idx="2">
-            <a:schemeClr val="accent1">
-              <a:shade val="50000"/>
-            </a:schemeClr>
-          </a:lnRef>
-          <a:fillRef idx="1">
-            <a:schemeClr val="accent1"/>
-          </a:fillRef>
-          <a:effectRef idx="0">
-            <a:schemeClr val="accent1"/>
-          </a:effectRef>
-          <a:fontRef idx="minor">
-            <a:schemeClr val="lt1"/>
-          </a:fontRef>
-        </p:style>
-        <p:txBody>
-          <a:bodyPr anchor="ctr"/>
-          <a:lstStyle/>
-          <a:p>
-            <a:pPr algn="ctr" eaLnBrk="1" fontAlgn="auto" hangingPunct="1">
-              <a:spcBef>
-                <a:spcPts val="0"/>
-              </a:spcBef>
-              <a:spcAft>
-                <a:spcPts val="0"/>
-              </a:spcAft>
-              <a:defRPr/>
-            </a:pPr>
-            <a:r>
-              <a:rPr lang="zh-CN" altLang="en-US" sz="2400">
-                <a:solidFill>
-                  <a:schemeClr val="tx1"/>
-                </a:solidFill>
-                <a:effectLst>
-                  <a:outerShdw blurRad="38100" dist="19050" dir="2700000" algn="tl" rotWithShape="0">
-                    <a:schemeClr val="dk1">
-                      <a:alpha val="40000"/>
-                    </a:schemeClr>
-                  </a:outerShdw>
-                </a:effectLst>
-                <a:sym typeface="Arial" panose="020B0604020202020204" pitchFamily="34" charset="0"/>
-              </a:rPr>
-              <a:t>光栅化</a:t>
-            </a:r>
-            <a:endParaRPr lang="zh-CN" altLang="en-US" sz="2400">
-              <a:solidFill>
-                <a:schemeClr val="tx1"/>
-              </a:solidFill>
-              <a:effectLst>
-                <a:outerShdw blurRad="38100" dist="19050" dir="2700000" algn="tl" rotWithShape="0">
-                  <a:schemeClr val="dk1">
-                    <a:alpha val="40000"/>
-                  </a:schemeClr>
-                </a:outerShdw>
-              </a:effectLst>
-              <a:sym typeface="Arial" panose="020B0604020202020204" pitchFamily="34" charset="0"/>
-            </a:endParaRPr>
-          </a:p>
-        </p:txBody>
-      </p:sp>
-      <p:sp>
-        <p:nvSpPr>
-          <p:cNvPr id="23" name="Freeform 1"/>
-          <p:cNvSpPr>
-            <a:spLocks noChangeArrowheads="1"/>
-          </p:cNvSpPr>
-          <p:nvPr/>
-        </p:nvSpPr>
-        <p:spPr bwMode="auto">
-          <a:xfrm>
-            <a:off x="5852160" y="23495"/>
-            <a:ext cx="1786255" cy="443230"/>
-          </a:xfrm>
-          <a:custGeom>
-            <a:avLst/>
-            <a:gdLst>
-              <a:gd name="T0" fmla="*/ 5639 w 7144"/>
-              <a:gd name="T1" fmla="*/ 0 h 3558"/>
-              <a:gd name="T2" fmla="*/ 0 w 7144"/>
-              <a:gd name="T3" fmla="*/ 0 h 3558"/>
-              <a:gd name="T4" fmla="*/ 1475 w 7144"/>
-              <a:gd name="T5" fmla="*/ 1792 h 3558"/>
-              <a:gd name="T6" fmla="*/ 0 w 7144"/>
-              <a:gd name="T7" fmla="*/ 3557 h 3558"/>
-              <a:gd name="T8" fmla="*/ 5669 w 7144"/>
-              <a:gd name="T9" fmla="*/ 3557 h 3558"/>
-              <a:gd name="T10" fmla="*/ 7143 w 7144"/>
-              <a:gd name="T11" fmla="*/ 1792 h 3558"/>
-              <a:gd name="T12" fmla="*/ 5639 w 7144"/>
-              <a:gd name="T13" fmla="*/ 0 h 3558"/>
-            </a:gdLst>
-            <a:ahLst/>
-            <a:cxnLst>
-              <a:cxn ang="0">
-                <a:pos x="T0" y="T1"/>
-              </a:cxn>
-              <a:cxn ang="0">
-                <a:pos x="T2" y="T3"/>
-              </a:cxn>
-              <a:cxn ang="0">
-                <a:pos x="T4" y="T5"/>
-              </a:cxn>
-              <a:cxn ang="0">
-                <a:pos x="T6" y="T7"/>
-              </a:cxn>
-              <a:cxn ang="0">
-                <a:pos x="T8" y="T9"/>
-              </a:cxn>
-              <a:cxn ang="0">
-                <a:pos x="T10" y="T11"/>
-              </a:cxn>
-              <a:cxn ang="0">
-                <a:pos x="T12" y="T13"/>
-              </a:cxn>
-            </a:cxnLst>
-            <a:rect l="0" t="0" r="r" b="b"/>
-            <a:pathLst>
-              <a:path w="7144" h="3558">
-                <a:moveTo>
-                  <a:pt x="5639" y="0"/>
-                </a:moveTo>
-                <a:lnTo>
-                  <a:pt x="0" y="0"/>
-                </a:lnTo>
-                <a:lnTo>
-                  <a:pt x="1475" y="1792"/>
-                </a:lnTo>
-                <a:lnTo>
-                  <a:pt x="0" y="3557"/>
-                </a:lnTo>
-                <a:lnTo>
-                  <a:pt x="5669" y="3557"/>
-                </a:lnTo>
-                <a:lnTo>
-                  <a:pt x="7143" y="1792"/>
-                </a:lnTo>
-                <a:lnTo>
-                  <a:pt x="5639" y="0"/>
-                </a:lnTo>
-              </a:path>
-            </a:pathLst>
-          </a:custGeom>
-          <a:solidFill>
-            <a:srgbClr val="6CAE43"/>
-          </a:solidFill>
-          <a:ln w="28575">
-            <a:solidFill>
-              <a:schemeClr val="bg1"/>
-            </a:solidFill>
-          </a:ln>
-          <a:effectLst>
-            <a:outerShdw blurRad="152400" dist="63500" dir="8100000" algn="tr" rotWithShape="0">
-              <a:prstClr val="black">
-                <a:alpha val="26000"/>
-              </a:prstClr>
-            </a:outerShdw>
-          </a:effectLst>
-        </p:spPr>
-        <p:style>
-          <a:lnRef idx="2">
-            <a:schemeClr val="accent1">
-              <a:shade val="50000"/>
-            </a:schemeClr>
-          </a:lnRef>
-          <a:fillRef idx="1">
-            <a:schemeClr val="accent1"/>
-          </a:fillRef>
-          <a:effectRef idx="0">
-            <a:schemeClr val="accent1"/>
-          </a:effectRef>
-          <a:fontRef idx="minor">
-            <a:schemeClr val="lt1"/>
-          </a:fontRef>
-        </p:style>
-        <p:txBody>
-          <a:bodyPr anchor="ctr"/>
-          <a:lstStyle/>
-          <a:p>
-            <a:pPr algn="ctr" eaLnBrk="1" fontAlgn="auto" hangingPunct="1">
-              <a:spcBef>
-                <a:spcPts val="0"/>
-              </a:spcBef>
-              <a:spcAft>
-                <a:spcPts val="0"/>
-              </a:spcAft>
-              <a:defRPr/>
-            </a:pPr>
-            <a:r>
-              <a:rPr lang="zh-CN" altLang="en-US" sz="2400">
-                <a:solidFill>
-                  <a:schemeClr val="tx1"/>
-                </a:solidFill>
-                <a:effectLst>
-                  <a:outerShdw blurRad="38100" dist="19050" dir="2700000" algn="tl" rotWithShape="0">
-                    <a:schemeClr val="dk1">
-                      <a:alpha val="40000"/>
-                    </a:schemeClr>
-                  </a:outerShdw>
-                </a:effectLst>
-                <a:sym typeface="Arial" panose="020B0604020202020204" pitchFamily="34" charset="0"/>
-              </a:rPr>
-              <a:t>裁剪</a:t>
-            </a:r>
-            <a:endParaRPr lang="zh-CN" altLang="en-US" sz="2400">
-              <a:solidFill>
-                <a:schemeClr val="tx1"/>
-              </a:solidFill>
-              <a:effectLst>
-                <a:outerShdw blurRad="38100" dist="19050" dir="2700000" algn="tl" rotWithShape="0">
-                  <a:schemeClr val="dk1">
-                    <a:alpha val="40000"/>
-                  </a:schemeClr>
-                </a:outerShdw>
-              </a:effectLst>
-              <a:sym typeface="Arial" panose="020B0604020202020204" pitchFamily="34" charset="0"/>
-            </a:endParaRPr>
-          </a:p>
-        </p:txBody>
-      </p:sp>
-      <p:sp>
-        <p:nvSpPr>
-          <p:cNvPr id="39" name="Freeform 1"/>
-          <p:cNvSpPr>
-            <a:spLocks noChangeArrowheads="1"/>
-          </p:cNvSpPr>
-          <p:nvPr/>
-        </p:nvSpPr>
-        <p:spPr bwMode="auto">
-          <a:xfrm>
-            <a:off x="2929890" y="19685"/>
-            <a:ext cx="1784985" cy="443230"/>
-          </a:xfrm>
-          <a:custGeom>
-            <a:avLst/>
-            <a:gdLst>
-              <a:gd name="T0" fmla="*/ 5639 w 7144"/>
-              <a:gd name="T1" fmla="*/ 0 h 3558"/>
-              <a:gd name="T2" fmla="*/ 0 w 7144"/>
-              <a:gd name="T3" fmla="*/ 0 h 3558"/>
-              <a:gd name="T4" fmla="*/ 1475 w 7144"/>
-              <a:gd name="T5" fmla="*/ 1792 h 3558"/>
-              <a:gd name="T6" fmla="*/ 0 w 7144"/>
-              <a:gd name="T7" fmla="*/ 3557 h 3558"/>
-              <a:gd name="T8" fmla="*/ 5669 w 7144"/>
-              <a:gd name="T9" fmla="*/ 3557 h 3558"/>
-              <a:gd name="T10" fmla="*/ 7143 w 7144"/>
-              <a:gd name="T11" fmla="*/ 1792 h 3558"/>
-              <a:gd name="T12" fmla="*/ 5639 w 7144"/>
-              <a:gd name="T13" fmla="*/ 0 h 3558"/>
-            </a:gdLst>
-            <a:ahLst/>
-            <a:cxnLst>
-              <a:cxn ang="0">
-                <a:pos x="T0" y="T1"/>
-              </a:cxn>
-              <a:cxn ang="0">
-                <a:pos x="T2" y="T3"/>
-              </a:cxn>
-              <a:cxn ang="0">
-                <a:pos x="T4" y="T5"/>
-              </a:cxn>
-              <a:cxn ang="0">
-                <a:pos x="T6" y="T7"/>
-              </a:cxn>
-              <a:cxn ang="0">
-                <a:pos x="T8" y="T9"/>
-              </a:cxn>
-              <a:cxn ang="0">
-                <a:pos x="T10" y="T11"/>
-              </a:cxn>
-              <a:cxn ang="0">
-                <a:pos x="T12" y="T13"/>
-              </a:cxn>
-            </a:cxnLst>
-            <a:rect l="0" t="0" r="r" b="b"/>
-            <a:pathLst>
-              <a:path w="7144" h="3558">
-                <a:moveTo>
-                  <a:pt x="5639" y="0"/>
-                </a:moveTo>
-                <a:lnTo>
-                  <a:pt x="0" y="0"/>
-                </a:lnTo>
-                <a:lnTo>
-                  <a:pt x="1475" y="1792"/>
-                </a:lnTo>
-                <a:lnTo>
-                  <a:pt x="0" y="3557"/>
-                </a:lnTo>
-                <a:lnTo>
-                  <a:pt x="5669" y="3557"/>
-                </a:lnTo>
-                <a:lnTo>
-                  <a:pt x="7143" y="1792"/>
-                </a:lnTo>
-                <a:lnTo>
-                  <a:pt x="5639" y="0"/>
-                </a:lnTo>
-              </a:path>
-            </a:pathLst>
-          </a:custGeom>
-          <a:solidFill>
-            <a:srgbClr val="6CAE43"/>
-          </a:solidFill>
-          <a:ln w="28575">
-            <a:solidFill>
-              <a:schemeClr val="bg1"/>
-            </a:solidFill>
-          </a:ln>
-          <a:effectLst>
-            <a:outerShdw blurRad="152400" dist="63500" dir="8100000" algn="tr" rotWithShape="0">
-              <a:prstClr val="black">
-                <a:alpha val="26000"/>
-              </a:prstClr>
-            </a:outerShdw>
-          </a:effectLst>
-        </p:spPr>
-        <p:style>
-          <a:lnRef idx="2">
-            <a:schemeClr val="accent1">
-              <a:shade val="50000"/>
-            </a:schemeClr>
-          </a:lnRef>
-          <a:fillRef idx="1">
-            <a:schemeClr val="accent1"/>
-          </a:fillRef>
-          <a:effectRef idx="0">
-            <a:schemeClr val="accent1"/>
-          </a:effectRef>
-          <a:fontRef idx="minor">
-            <a:schemeClr val="lt1"/>
-          </a:fontRef>
-        </p:style>
-        <p:txBody>
-          <a:bodyPr anchor="ctr"/>
-          <a:lstStyle/>
-          <a:p>
-            <a:pPr algn="ctr" eaLnBrk="1" fontAlgn="auto" hangingPunct="1">
-              <a:spcBef>
-                <a:spcPts val="0"/>
-              </a:spcBef>
-              <a:spcAft>
-                <a:spcPts val="0"/>
-              </a:spcAft>
-              <a:defRPr/>
-            </a:pPr>
-            <a:r>
-              <a:rPr lang="zh-CN" altLang="en-US" sz="2400">
-                <a:solidFill>
-                  <a:schemeClr val="tx1"/>
-                </a:solidFill>
-                <a:effectLst>
-                  <a:outerShdw blurRad="38100" dist="19050" dir="2700000" algn="tl" rotWithShape="0">
-                    <a:schemeClr val="dk1">
-                      <a:alpha val="40000"/>
-                    </a:schemeClr>
-                  </a:outerShdw>
-                </a:effectLst>
-                <a:sym typeface="Arial" panose="020B0604020202020204" pitchFamily="34" charset="0"/>
-              </a:rPr>
-              <a:t>光照</a:t>
-            </a:r>
-            <a:endParaRPr lang="zh-CN" altLang="en-US" sz="2400">
-              <a:solidFill>
-                <a:schemeClr val="tx1"/>
-              </a:solidFill>
-              <a:effectLst>
-                <a:outerShdw blurRad="38100" dist="19050" dir="2700000" algn="tl" rotWithShape="0">
-                  <a:schemeClr val="dk1">
-                    <a:alpha val="40000"/>
-                  </a:schemeClr>
-                </a:outerShdw>
-              </a:effectLst>
-              <a:sym typeface="Arial" panose="020B0604020202020204" pitchFamily="34" charset="0"/>
-            </a:endParaRPr>
-          </a:p>
-        </p:txBody>
-      </p:sp>
-      <p:sp>
-        <p:nvSpPr>
-          <p:cNvPr id="40" name="Freeform 2"/>
-          <p:cNvSpPr>
-            <a:spLocks noChangeArrowheads="1"/>
-          </p:cNvSpPr>
-          <p:nvPr/>
-        </p:nvSpPr>
-        <p:spPr bwMode="auto">
-          <a:xfrm>
-            <a:off x="4390390" y="19685"/>
-            <a:ext cx="1786255" cy="443230"/>
-          </a:xfrm>
-          <a:custGeom>
-            <a:avLst/>
-            <a:gdLst>
-              <a:gd name="T0" fmla="*/ 5668 w 7144"/>
-              <a:gd name="T1" fmla="*/ 0 h 3558"/>
-              <a:gd name="T2" fmla="*/ 0 w 7144"/>
-              <a:gd name="T3" fmla="*/ 0 h 3558"/>
-              <a:gd name="T4" fmla="*/ 1475 w 7144"/>
-              <a:gd name="T5" fmla="*/ 1792 h 3558"/>
-              <a:gd name="T6" fmla="*/ 0 w 7144"/>
-              <a:gd name="T7" fmla="*/ 3557 h 3558"/>
-              <a:gd name="T8" fmla="*/ 5668 w 7144"/>
-              <a:gd name="T9" fmla="*/ 3557 h 3558"/>
-              <a:gd name="T10" fmla="*/ 7143 w 7144"/>
-              <a:gd name="T11" fmla="*/ 1792 h 3558"/>
-              <a:gd name="T12" fmla="*/ 5668 w 7144"/>
-              <a:gd name="T13" fmla="*/ 0 h 3558"/>
-            </a:gdLst>
-            <a:ahLst/>
-            <a:cxnLst>
-              <a:cxn ang="0">
-                <a:pos x="T0" y="T1"/>
-              </a:cxn>
-              <a:cxn ang="0">
-                <a:pos x="T2" y="T3"/>
-              </a:cxn>
-              <a:cxn ang="0">
-                <a:pos x="T4" y="T5"/>
-              </a:cxn>
-              <a:cxn ang="0">
-                <a:pos x="T6" y="T7"/>
-              </a:cxn>
-              <a:cxn ang="0">
-                <a:pos x="T8" y="T9"/>
-              </a:cxn>
-              <a:cxn ang="0">
-                <a:pos x="T10" y="T11"/>
-              </a:cxn>
-              <a:cxn ang="0">
-                <a:pos x="T12" y="T13"/>
-              </a:cxn>
-            </a:cxnLst>
-            <a:rect l="0" t="0" r="r" b="b"/>
-            <a:pathLst>
-              <a:path w="7144" h="3558">
-                <a:moveTo>
-                  <a:pt x="5668" y="0"/>
-                </a:moveTo>
-                <a:lnTo>
-                  <a:pt x="0" y="0"/>
-                </a:lnTo>
-                <a:lnTo>
-                  <a:pt x="1475" y="1792"/>
-                </a:lnTo>
-                <a:lnTo>
-                  <a:pt x="0" y="3557"/>
-                </a:lnTo>
-                <a:lnTo>
-                  <a:pt x="5668" y="3557"/>
-                </a:lnTo>
-                <a:lnTo>
-                  <a:pt x="7143" y="1792"/>
-                </a:lnTo>
-                <a:lnTo>
-                  <a:pt x="5668" y="0"/>
-                </a:lnTo>
-              </a:path>
-            </a:pathLst>
-          </a:custGeom>
-          <a:solidFill>
-            <a:schemeClr val="accent2"/>
-          </a:solidFill>
-          <a:ln w="28575">
-            <a:solidFill>
-              <a:schemeClr val="bg1"/>
-            </a:solidFill>
-          </a:ln>
-          <a:effectLst>
-            <a:outerShdw blurRad="152400" dist="63500" dir="8100000" algn="tr" rotWithShape="0">
-              <a:prstClr val="black">
-                <a:alpha val="26000"/>
-              </a:prstClr>
-            </a:outerShdw>
-          </a:effectLst>
-        </p:spPr>
-        <p:style>
-          <a:lnRef idx="2">
-            <a:schemeClr val="accent1">
-              <a:shade val="50000"/>
-            </a:schemeClr>
-          </a:lnRef>
-          <a:fillRef idx="1">
-            <a:schemeClr val="accent1"/>
-          </a:fillRef>
-          <a:effectRef idx="0">
-            <a:schemeClr val="accent1"/>
-          </a:effectRef>
-          <a:fontRef idx="minor">
-            <a:schemeClr val="lt1"/>
-          </a:fontRef>
-        </p:style>
-        <p:txBody>
-          <a:bodyPr anchor="ctr"/>
-          <a:lstStyle/>
-          <a:p>
-            <a:pPr algn="ctr" eaLnBrk="1" fontAlgn="auto" hangingPunct="1">
-              <a:spcBef>
-                <a:spcPts val="0"/>
-              </a:spcBef>
-              <a:spcAft>
-                <a:spcPts val="0"/>
-              </a:spcAft>
-              <a:defRPr/>
-            </a:pPr>
-            <a:r>
-              <a:rPr lang="zh-CN" altLang="en-US" sz="2400">
-                <a:solidFill>
-                  <a:schemeClr val="tx1"/>
-                </a:solidFill>
-                <a:effectLst>
-                  <a:outerShdw blurRad="38100" dist="19050" dir="2700000" algn="tl" rotWithShape="0">
-                    <a:schemeClr val="dk1">
-                      <a:alpha val="40000"/>
-                    </a:schemeClr>
-                  </a:outerShdw>
-                </a:effectLst>
-                <a:sym typeface="Arial" panose="020B0604020202020204" pitchFamily="34" charset="0"/>
-              </a:rPr>
-              <a:t>投影变换</a:t>
-            </a:r>
-            <a:endParaRPr lang="zh-CN" altLang="en-US" sz="2400">
-              <a:solidFill>
-                <a:schemeClr val="tx1"/>
-              </a:solidFill>
-              <a:effectLst>
-                <a:outerShdw blurRad="38100" dist="19050" dir="2700000" algn="tl" rotWithShape="0">
-                  <a:schemeClr val="dk1">
-                    <a:alpha val="40000"/>
-                  </a:schemeClr>
-                </a:outerShdw>
-              </a:effectLst>
-              <a:sym typeface="Arial" panose="020B0604020202020204" pitchFamily="34" charset="0"/>
-            </a:endParaRPr>
-          </a:p>
-        </p:txBody>
-      </p:sp>
-      <p:sp>
-        <p:nvSpPr>
-          <p:cNvPr id="41" name="Freeform 1"/>
-          <p:cNvSpPr>
-            <a:spLocks noChangeArrowheads="1"/>
-          </p:cNvSpPr>
-          <p:nvPr/>
-        </p:nvSpPr>
-        <p:spPr bwMode="auto">
-          <a:xfrm>
-            <a:off x="1469390" y="19685"/>
-            <a:ext cx="1784985" cy="443230"/>
-          </a:xfrm>
-          <a:custGeom>
-            <a:avLst/>
-            <a:gdLst>
-              <a:gd name="T0" fmla="*/ 5639 w 7144"/>
-              <a:gd name="T1" fmla="*/ 0 h 3558"/>
-              <a:gd name="T2" fmla="*/ 0 w 7144"/>
-              <a:gd name="T3" fmla="*/ 0 h 3558"/>
-              <a:gd name="T4" fmla="*/ 1475 w 7144"/>
-              <a:gd name="T5" fmla="*/ 1792 h 3558"/>
-              <a:gd name="T6" fmla="*/ 0 w 7144"/>
-              <a:gd name="T7" fmla="*/ 3557 h 3558"/>
-              <a:gd name="T8" fmla="*/ 5669 w 7144"/>
-              <a:gd name="T9" fmla="*/ 3557 h 3558"/>
-              <a:gd name="T10" fmla="*/ 7143 w 7144"/>
-              <a:gd name="T11" fmla="*/ 1792 h 3558"/>
-              <a:gd name="T12" fmla="*/ 5639 w 7144"/>
-              <a:gd name="T13" fmla="*/ 0 h 3558"/>
-            </a:gdLst>
-            <a:ahLst/>
-            <a:cxnLst>
-              <a:cxn ang="0">
-                <a:pos x="T0" y="T1"/>
-              </a:cxn>
-              <a:cxn ang="0">
-                <a:pos x="T2" y="T3"/>
-              </a:cxn>
-              <a:cxn ang="0">
-                <a:pos x="T4" y="T5"/>
-              </a:cxn>
-              <a:cxn ang="0">
-                <a:pos x="T6" y="T7"/>
-              </a:cxn>
-              <a:cxn ang="0">
-                <a:pos x="T8" y="T9"/>
-              </a:cxn>
-              <a:cxn ang="0">
-                <a:pos x="T10" y="T11"/>
-              </a:cxn>
-              <a:cxn ang="0">
-                <a:pos x="T12" y="T13"/>
-              </a:cxn>
-            </a:cxnLst>
-            <a:rect l="0" t="0" r="r" b="b"/>
-            <a:pathLst>
-              <a:path w="7144" h="3558">
-                <a:moveTo>
-                  <a:pt x="5639" y="0"/>
-                </a:moveTo>
-                <a:lnTo>
-                  <a:pt x="0" y="0"/>
-                </a:lnTo>
-                <a:lnTo>
-                  <a:pt x="1475" y="1792"/>
-                </a:lnTo>
-                <a:lnTo>
-                  <a:pt x="0" y="3557"/>
-                </a:lnTo>
-                <a:lnTo>
-                  <a:pt x="5669" y="3557"/>
-                </a:lnTo>
-                <a:lnTo>
-                  <a:pt x="7143" y="1792"/>
-                </a:lnTo>
-                <a:lnTo>
-                  <a:pt x="5639" y="0"/>
-                </a:lnTo>
-              </a:path>
-            </a:pathLst>
-          </a:custGeom>
-          <a:solidFill>
-            <a:srgbClr val="6CAE43"/>
-          </a:solidFill>
-          <a:ln w="28575">
-            <a:solidFill>
-              <a:schemeClr val="bg1"/>
-            </a:solidFill>
-          </a:ln>
-          <a:effectLst>
-            <a:outerShdw blurRad="152400" dist="63500" dir="8100000" algn="tr" rotWithShape="0">
-              <a:prstClr val="black">
-                <a:alpha val="26000"/>
-              </a:prstClr>
-            </a:outerShdw>
-          </a:effectLst>
-        </p:spPr>
-        <p:style>
-          <a:lnRef idx="2">
-            <a:schemeClr val="accent1">
-              <a:shade val="50000"/>
-            </a:schemeClr>
-          </a:lnRef>
-          <a:fillRef idx="1">
-            <a:schemeClr val="accent1"/>
-          </a:fillRef>
-          <a:effectRef idx="0">
-            <a:schemeClr val="accent1"/>
-          </a:effectRef>
-          <a:fontRef idx="minor">
-            <a:schemeClr val="lt1"/>
-          </a:fontRef>
-        </p:style>
-        <p:txBody>
-          <a:bodyPr anchor="ctr"/>
-          <a:lstStyle/>
-          <a:p>
-            <a:pPr algn="ctr" eaLnBrk="1" fontAlgn="auto" hangingPunct="1">
-              <a:spcBef>
-                <a:spcPts val="0"/>
-              </a:spcBef>
-              <a:spcAft>
-                <a:spcPts val="0"/>
-              </a:spcAft>
-              <a:defRPr/>
-            </a:pPr>
-            <a:r>
-              <a:rPr lang="zh-CN" altLang="en-US" sz="2400">
-                <a:solidFill>
-                  <a:schemeClr val="tx1"/>
-                </a:solidFill>
-                <a:effectLst>
-                  <a:outerShdw blurRad="38100" dist="19050" dir="2700000" algn="tl" rotWithShape="0">
-                    <a:schemeClr val="dk1">
-                      <a:alpha val="40000"/>
-                    </a:schemeClr>
-                  </a:outerShdw>
-                </a:effectLst>
-                <a:sym typeface="Arial" panose="020B0604020202020204" pitchFamily="34" charset="0"/>
-              </a:rPr>
-              <a:t>相机变换</a:t>
-            </a:r>
-            <a:endParaRPr lang="zh-CN" altLang="en-US" sz="2400">
-              <a:solidFill>
-                <a:schemeClr val="tx1"/>
-              </a:solidFill>
-              <a:effectLst>
-                <a:outerShdw blurRad="38100" dist="19050" dir="2700000" algn="tl" rotWithShape="0">
-                  <a:schemeClr val="dk1">
-                    <a:alpha val="40000"/>
-                  </a:schemeClr>
-                </a:outerShdw>
-              </a:effectLst>
-              <a:sym typeface="Arial" panose="020B0604020202020204" pitchFamily="34" charset="0"/>
-            </a:endParaRPr>
-          </a:p>
-        </p:txBody>
-      </p:sp>
-      <p:sp>
-        <p:nvSpPr>
-          <p:cNvPr id="42" name="Freeform 1"/>
-          <p:cNvSpPr>
-            <a:spLocks noChangeArrowheads="1"/>
-          </p:cNvSpPr>
-          <p:nvPr/>
-        </p:nvSpPr>
-        <p:spPr bwMode="auto">
-          <a:xfrm>
-            <a:off x="-2540" y="19685"/>
-            <a:ext cx="1796415" cy="445770"/>
-          </a:xfrm>
-          <a:custGeom>
-            <a:avLst/>
-            <a:gdLst>
-              <a:gd name="T0" fmla="*/ 5639 w 7144"/>
-              <a:gd name="T1" fmla="*/ 0 h 3558"/>
-              <a:gd name="T2" fmla="*/ 0 w 7144"/>
-              <a:gd name="T3" fmla="*/ 0 h 3558"/>
-              <a:gd name="T4" fmla="*/ 1475 w 7144"/>
-              <a:gd name="T5" fmla="*/ 1792 h 3558"/>
-              <a:gd name="T6" fmla="*/ 0 w 7144"/>
-              <a:gd name="T7" fmla="*/ 3557 h 3558"/>
-              <a:gd name="T8" fmla="*/ 5669 w 7144"/>
-              <a:gd name="T9" fmla="*/ 3557 h 3558"/>
-              <a:gd name="T10" fmla="*/ 7143 w 7144"/>
-              <a:gd name="T11" fmla="*/ 1792 h 3558"/>
-              <a:gd name="T12" fmla="*/ 5639 w 7144"/>
-              <a:gd name="T13" fmla="*/ 0 h 3558"/>
-            </a:gdLst>
-            <a:ahLst/>
-            <a:cxnLst>
-              <a:cxn ang="0">
-                <a:pos x="T0" y="T1"/>
-              </a:cxn>
-              <a:cxn ang="0">
-                <a:pos x="T2" y="T3"/>
-              </a:cxn>
-              <a:cxn ang="0">
-                <a:pos x="T4" y="T5"/>
-              </a:cxn>
-              <a:cxn ang="0">
-                <a:pos x="T6" y="T7"/>
-              </a:cxn>
-              <a:cxn ang="0">
-                <a:pos x="T8" y="T9"/>
-              </a:cxn>
-              <a:cxn ang="0">
-                <a:pos x="T10" y="T11"/>
-              </a:cxn>
-              <a:cxn ang="0">
-                <a:pos x="T12" y="T13"/>
-              </a:cxn>
-            </a:cxnLst>
-            <a:rect l="0" t="0" r="r" b="b"/>
-            <a:pathLst>
-              <a:path w="7144" h="3558">
-                <a:moveTo>
-                  <a:pt x="5639" y="0"/>
-                </a:moveTo>
-                <a:lnTo>
-                  <a:pt x="0" y="0"/>
-                </a:lnTo>
-                <a:lnTo>
-                  <a:pt x="1475" y="1792"/>
-                </a:lnTo>
-                <a:lnTo>
-                  <a:pt x="0" y="3557"/>
-                </a:lnTo>
-                <a:lnTo>
-                  <a:pt x="5669" y="3557"/>
-                </a:lnTo>
-                <a:lnTo>
-                  <a:pt x="7143" y="1792"/>
-                </a:lnTo>
-                <a:lnTo>
-                  <a:pt x="5639" y="0"/>
-                </a:lnTo>
-              </a:path>
-            </a:pathLst>
-          </a:custGeom>
-          <a:solidFill>
-            <a:srgbClr val="6CAE43"/>
-          </a:solidFill>
-          <a:ln w="28575">
-            <a:solidFill>
-              <a:schemeClr val="bg1"/>
-            </a:solidFill>
-          </a:ln>
-          <a:effectLst>
-            <a:outerShdw blurRad="152400" dist="63500" dir="8100000" algn="tr" rotWithShape="0">
-              <a:prstClr val="black">
-                <a:alpha val="26000"/>
-              </a:prstClr>
-            </a:outerShdw>
-          </a:effectLst>
-        </p:spPr>
-        <p:style>
-          <a:lnRef idx="2">
-            <a:schemeClr val="accent1">
-              <a:shade val="50000"/>
-            </a:schemeClr>
-          </a:lnRef>
-          <a:fillRef idx="1">
-            <a:schemeClr val="accent1"/>
-          </a:fillRef>
-          <a:effectRef idx="0">
-            <a:schemeClr val="accent1"/>
-          </a:effectRef>
-          <a:fontRef idx="minor">
-            <a:schemeClr val="lt1"/>
-          </a:fontRef>
-        </p:style>
-        <p:txBody>
-          <a:bodyPr anchor="ctr"/>
-          <a:lstStyle/>
-          <a:p>
-            <a:pPr algn="ctr" eaLnBrk="1" fontAlgn="auto" hangingPunct="1">
-              <a:spcBef>
-                <a:spcPts val="0"/>
-              </a:spcBef>
-              <a:spcAft>
-                <a:spcPts val="0"/>
-              </a:spcAft>
-              <a:defRPr/>
-            </a:pPr>
-            <a:r>
-              <a:rPr lang="zh-CN" sz="2400">
-                <a:solidFill>
-                  <a:schemeClr val="tx1"/>
-                </a:solidFill>
-                <a:effectLst>
-                  <a:outerShdw blurRad="38100" dist="19050" dir="2700000" algn="tl" rotWithShape="0">
-                    <a:schemeClr val="dk1">
-                      <a:alpha val="40000"/>
-                    </a:schemeClr>
-                  </a:outerShdw>
-                </a:effectLst>
-                <a:sym typeface="Arial" panose="020B0604020202020204" pitchFamily="34" charset="0"/>
-              </a:rPr>
-              <a:t>模型变换</a:t>
-            </a:r>
-            <a:endParaRPr lang="zh-CN" sz="2400">
-              <a:solidFill>
-                <a:schemeClr val="tx1"/>
-              </a:solidFill>
-              <a:effectLst>
-                <a:outerShdw blurRad="38100" dist="19050" dir="2700000" algn="tl" rotWithShape="0">
-                  <a:schemeClr val="dk1">
-                    <a:alpha val="40000"/>
-                  </a:schemeClr>
-                </a:outerShdw>
-              </a:effectLst>
-              <a:sym typeface="Arial" panose="020B0604020202020204" pitchFamily="34" charset="0"/>
-            </a:endParaRPr>
-          </a:p>
-        </p:txBody>
-      </p:sp>
-      <p:graphicFrame>
-        <p:nvGraphicFramePr>
-          <p:cNvPr id="4" name="对象 3">
-            <a:hlinkClick r:id="" action="ppaction://ole?verb=0"/>
-          </p:cNvPr>
-          <p:cNvGraphicFramePr>
-            <a:graphicFrameLocks noChangeAspect="1"/>
-          </p:cNvGraphicFramePr>
-          <p:nvPr/>
-        </p:nvGraphicFramePr>
-        <p:xfrm>
-          <a:off x="622935" y="3027680"/>
-          <a:ext cx="2840990" cy="398780"/>
-        </p:xfrm>
-        <a:graphic>
-          <a:graphicData uri="http://schemas.openxmlformats.org/presentationml/2006/ole">
-            <mc:AlternateContent xmlns:mc="http://schemas.openxmlformats.org/markup-compatibility/2006">
-              <mc:Choice xmlns:v="urn:schemas-microsoft-com:vml" Requires="v">
-                <p:oleObj spid="_x0000_s5151" name="" r:id="rId1" imgW="1447800" imgH="203200" progId="Equation.KSEE3">
-                  <p:embed/>
-                </p:oleObj>
-              </mc:Choice>
-              <mc:Fallback>
-                <p:oleObj name="" r:id="rId1" imgW="1447800" imgH="203200" progId="Equation.KSEE3">
-                  <p:embed/>
-                  <p:pic>
-                    <p:nvPicPr>
-                      <p:cNvPr id="0" name="图片 4096"/>
-                      <p:cNvPicPr/>
-                      <p:nvPr/>
-                    </p:nvPicPr>
-                    <p:blipFill>
-                      <a:blip r:embed="rId2"/>
-                      <a:stretch>
-                        <a:fillRect/>
-                      </a:stretch>
-                    </p:blipFill>
-                    <p:spPr>
-                      <a:xfrm>
-                        <a:off x="622935" y="3027680"/>
-                        <a:ext cx="2840990" cy="398780"/>
-                      </a:xfrm>
-                      <a:prstGeom prst="rect">
-                        <a:avLst/>
-                      </a:prstGeom>
-                    </p:spPr>
-                  </p:pic>
-                </p:oleObj>
-              </mc:Fallback>
-            </mc:AlternateContent>
-          </a:graphicData>
-        </a:graphic>
-      </p:graphicFrame>
-      <p:graphicFrame>
-        <p:nvGraphicFramePr>
-          <p:cNvPr id="5" name="对象 4">
-            <a:hlinkClick r:id="" action="ppaction://ole?verb=0"/>
-          </p:cNvPr>
-          <p:cNvGraphicFramePr>
-            <a:graphicFrameLocks noChangeAspect="1"/>
-          </p:cNvGraphicFramePr>
-          <p:nvPr/>
-        </p:nvGraphicFramePr>
-        <p:xfrm>
-          <a:off x="701675" y="3592830"/>
-          <a:ext cx="2157730" cy="466725"/>
-        </p:xfrm>
-        <a:graphic>
-          <a:graphicData uri="http://schemas.openxmlformats.org/presentationml/2006/ole">
-            <mc:AlternateContent xmlns:mc="http://schemas.openxmlformats.org/markup-compatibility/2006">
-              <mc:Choice xmlns:v="urn:schemas-microsoft-com:vml" Requires="v">
-                <p:oleObj spid="_x0000_s5152" name="" r:id="rId3" imgW="939800" imgH="203200" progId="Equation.KSEE3">
-                  <p:embed/>
-                </p:oleObj>
-              </mc:Choice>
-              <mc:Fallback>
-                <p:oleObj name="" r:id="rId3" imgW="939800" imgH="203200" progId="Equation.KSEE3">
-                  <p:embed/>
-                  <p:pic>
-                    <p:nvPicPr>
-                      <p:cNvPr id="0" name="图片 4097"/>
-                      <p:cNvPicPr/>
-                      <p:nvPr/>
-                    </p:nvPicPr>
-                    <p:blipFill>
-                      <a:blip r:embed="rId4"/>
-                      <a:stretch>
-                        <a:fillRect/>
-                      </a:stretch>
-                    </p:blipFill>
-                    <p:spPr>
-                      <a:xfrm>
-                        <a:off x="701675" y="3592830"/>
-                        <a:ext cx="2157730" cy="466725"/>
-                      </a:xfrm>
-                      <a:prstGeom prst="rect">
-                        <a:avLst/>
-                      </a:prstGeom>
-                    </p:spPr>
-                  </p:pic>
-                </p:oleObj>
-              </mc:Fallback>
-            </mc:AlternateContent>
-          </a:graphicData>
-        </a:graphic>
-      </p:graphicFrame>
-      <p:graphicFrame>
-        <p:nvGraphicFramePr>
-          <p:cNvPr id="6" name="对象 5">
-            <a:hlinkClick r:id="" action="ppaction://ole?verb=0"/>
-          </p:cNvPr>
-          <p:cNvGraphicFramePr>
-            <a:graphicFrameLocks noChangeAspect="1"/>
-          </p:cNvGraphicFramePr>
-          <p:nvPr/>
-        </p:nvGraphicFramePr>
-        <p:xfrm>
-          <a:off x="699770" y="5033645"/>
-          <a:ext cx="3764915" cy="365125"/>
-        </p:xfrm>
-        <a:graphic>
-          <a:graphicData uri="http://schemas.openxmlformats.org/presentationml/2006/ole">
-            <mc:AlternateContent xmlns:mc="http://schemas.openxmlformats.org/markup-compatibility/2006">
-              <mc:Choice xmlns:v="urn:schemas-microsoft-com:vml" Requires="v">
-                <p:oleObj spid="_x0000_s5153" name="" r:id="rId5" imgW="2095500" imgH="203200" progId="Equation.KSEE3">
-                  <p:embed/>
-                </p:oleObj>
-              </mc:Choice>
-              <mc:Fallback>
-                <p:oleObj name="" r:id="rId5" imgW="2095500" imgH="203200" progId="Equation.KSEE3">
-                  <p:embed/>
-                  <p:pic>
-                    <p:nvPicPr>
-                      <p:cNvPr id="0" name="图片 4098"/>
-                      <p:cNvPicPr/>
-                      <p:nvPr/>
-                    </p:nvPicPr>
-                    <p:blipFill>
-                      <a:blip r:embed="rId6"/>
-                      <a:stretch>
-                        <a:fillRect/>
-                      </a:stretch>
-                    </p:blipFill>
-                    <p:spPr>
-                      <a:xfrm>
-                        <a:off x="699770" y="5033645"/>
-                        <a:ext cx="3764915" cy="365125"/>
-                      </a:xfrm>
-                      <a:prstGeom prst="rect">
-                        <a:avLst/>
-                      </a:prstGeom>
-                    </p:spPr>
-                  </p:pic>
-                </p:oleObj>
-              </mc:Fallback>
-            </mc:AlternateContent>
-          </a:graphicData>
-        </a:graphic>
-      </p:graphicFrame>
-    </p:spTree>
-  </p:cSld>
-  <p:clrMapOvr>
-    <a:masterClrMapping/>
-  </p:clrMapOvr>
-  <mc:AlternateContent xmlns:mc="http://schemas.openxmlformats.org/markup-compatibility/2006">
-    <mc:Choice xmlns:p14="http://schemas.microsoft.com/office/powerpoint/2010/main" Requires="p14">
-      <p:transition p14:dur="9"/>
-    </mc:Choice>
-    <mc:Fallback>
-      <p:transition/>
-    </mc:Fallback>
-  </mc:AlternateContent>
-  <p:timing>
-    <p:tnLst>
-      <p:par>
-        <p:cTn id="1" dur="indefinite" restart="never" nodeType="tmRoot"/>
-      </p:par>
-    </p:tnLst>
-  </p:timing>
-</p:sld>
-</file>
-
-<file path=ppt/slides/slide11.xml><?xml version="1.0" encoding="utf-8"?>
 <p:sld xmlns:a="http://schemas.openxmlformats.org/drawingml/2006/main" xmlns:r="http://schemas.openxmlformats.org/officeDocument/2006/relationships" xmlns:p="http://schemas.openxmlformats.org/presentationml/2006/main">
   <p:cSld>
     <p:spTree>
@@ -13297,14 +11646,7 @@
   <p:clrMapOvr>
     <a:masterClrMapping/>
   </p:clrMapOvr>
-  <mc:AlternateContent xmlns:mc="http://schemas.openxmlformats.org/markup-compatibility/2006">
-    <mc:Choice xmlns:p14="http://schemas.microsoft.com/office/powerpoint/2010/main" Requires="p14">
-      <p:transition p14:dur="9"/>
-    </mc:Choice>
-    <mc:Fallback>
-      <p:transition/>
-    </mc:Fallback>
-  </mc:AlternateContent>
+  <p:transition/>
   <p:timing>
     <p:tnLst>
       <p:par>
@@ -13315,7 +11657,7 @@
 </p:sld>
 </file>
 
-<file path=ppt/slides/slide12.xml><?xml version="1.0" encoding="utf-8"?>
+<file path=ppt/slides/slide11.xml><?xml version="1.0" encoding="utf-8"?>
 <p:sld xmlns:a="http://schemas.openxmlformats.org/drawingml/2006/main" xmlns:r="http://schemas.openxmlformats.org/officeDocument/2006/relationships" xmlns:p="http://schemas.openxmlformats.org/presentationml/2006/main">
   <p:cSld>
     <p:spTree>
@@ -15099,14 +13441,7 @@
   <p:clrMapOvr>
     <a:masterClrMapping/>
   </p:clrMapOvr>
-  <mc:AlternateContent xmlns:mc="http://schemas.openxmlformats.org/markup-compatibility/2006">
-    <mc:Choice xmlns:p14="http://schemas.microsoft.com/office/powerpoint/2010/main" Requires="p14">
-      <p:transition p14:dur="9"/>
-    </mc:Choice>
-    <mc:Fallback>
-      <p:transition/>
-    </mc:Fallback>
-  </mc:AlternateContent>
+  <p:transition/>
   <p:timing>
     <p:tnLst>
       <p:par>
@@ -15117,7 +13452,7 @@
 </p:sld>
 </file>
 
-<file path=ppt/slides/slide13.xml><?xml version="1.0" encoding="utf-8"?>
+<file path=ppt/slides/slide12.xml><?xml version="1.0" encoding="utf-8"?>
 <p:sld xmlns:a="http://schemas.openxmlformats.org/drawingml/2006/main" xmlns:r="http://schemas.openxmlformats.org/officeDocument/2006/relationships" xmlns:p="http://schemas.openxmlformats.org/presentationml/2006/main">
   <p:cSld>
     <p:spTree>
@@ -16922,14 +15257,7 @@
   <p:clrMapOvr>
     <a:masterClrMapping/>
   </p:clrMapOvr>
-  <mc:AlternateContent xmlns:mc="http://schemas.openxmlformats.org/markup-compatibility/2006">
-    <mc:Choice xmlns:p14="http://schemas.microsoft.com/office/powerpoint/2010/main" Requires="p14">
-      <p:transition p14:dur="9"/>
-    </mc:Choice>
-    <mc:Fallback>
-      <p:transition/>
-    </mc:Fallback>
-  </mc:AlternateContent>
+  <p:transition/>
   <p:timing>
     <p:tnLst>
       <p:par>
@@ -16940,7 +15268,7 @@
 </p:sld>
 </file>
 
-<file path=ppt/slides/slide14.xml><?xml version="1.0" encoding="utf-8"?>
+<file path=ppt/slides/slide13.xml><?xml version="1.0" encoding="utf-8"?>
 <p:sld xmlns:a="http://schemas.openxmlformats.org/drawingml/2006/main" xmlns:r="http://schemas.openxmlformats.org/officeDocument/2006/relationships" xmlns:p="http://schemas.openxmlformats.org/presentationml/2006/main">
   <p:cSld>
     <p:spTree>
@@ -18692,14 +17020,7 @@
   <p:clrMapOvr>
     <a:masterClrMapping/>
   </p:clrMapOvr>
-  <mc:AlternateContent xmlns:mc="http://schemas.openxmlformats.org/markup-compatibility/2006">
-    <mc:Choice xmlns:p14="http://schemas.microsoft.com/office/powerpoint/2010/main" Requires="p14">
-      <p:transition p14:dur="9"/>
-    </mc:Choice>
-    <mc:Fallback>
-      <p:transition/>
-    </mc:Fallback>
-  </mc:AlternateContent>
+  <p:transition/>
   <p:timing>
     <p:tnLst>
       <p:par>
@@ -18710,7 +17031,7 @@
 </p:sld>
 </file>
 
-<file path=ppt/slides/slide15.xml><?xml version="1.0" encoding="utf-8"?>
+<file path=ppt/slides/slide14.xml><?xml version="1.0" encoding="utf-8"?>
 <p:sld xmlns:a="http://schemas.openxmlformats.org/drawingml/2006/main" xmlns:r="http://schemas.openxmlformats.org/officeDocument/2006/relationships" xmlns:p="http://schemas.openxmlformats.org/presentationml/2006/main">
   <p:cSld>
     <p:spTree>
@@ -20266,14 +18587,7 @@
   <p:clrMapOvr>
     <a:masterClrMapping/>
   </p:clrMapOvr>
-  <mc:AlternateContent xmlns:mc="http://schemas.openxmlformats.org/markup-compatibility/2006">
-    <mc:Choice xmlns:p14="http://schemas.microsoft.com/office/powerpoint/2010/main" Requires="p14">
-      <p:transition p14:dur="9"/>
-    </mc:Choice>
-    <mc:Fallback>
-      <p:transition/>
-    </mc:Fallback>
-  </mc:AlternateContent>
+  <p:transition/>
   <p:timing>
     <p:tnLst>
       <p:par>
@@ -20284,7 +18598,7 @@
 </p:sld>
 </file>
 
-<file path=ppt/slides/slide16.xml><?xml version="1.0" encoding="utf-8"?>
+<file path=ppt/slides/slide15.xml><?xml version="1.0" encoding="utf-8"?>
 <p:sld xmlns:a="http://schemas.openxmlformats.org/drawingml/2006/main" xmlns:r="http://schemas.openxmlformats.org/officeDocument/2006/relationships" xmlns:p="http://schemas.openxmlformats.org/presentationml/2006/main">
   <p:cSld>
     <p:spTree>
@@ -21721,14 +20035,7 @@
   <p:clrMapOvr>
     <a:masterClrMapping/>
   </p:clrMapOvr>
-  <mc:AlternateContent xmlns:mc="http://schemas.openxmlformats.org/markup-compatibility/2006">
-    <mc:Choice xmlns:p14="http://schemas.microsoft.com/office/powerpoint/2010/main" Requires="p14">
-      <p:transition p14:dur="9"/>
-    </mc:Choice>
-    <mc:Fallback>
-      <p:transition/>
-    </mc:Fallback>
-  </mc:AlternateContent>
+  <p:transition/>
   <p:timing>
     <p:tnLst>
       <p:par>
@@ -21739,7 +20046,7 @@
 </p:sld>
 </file>
 
-<file path=ppt/slides/slide17.xml><?xml version="1.0" encoding="utf-8"?>
+<file path=ppt/slides/slide16.xml><?xml version="1.0" encoding="utf-8"?>
 <p:sld xmlns:a="http://schemas.openxmlformats.org/drawingml/2006/main" xmlns:r="http://schemas.openxmlformats.org/officeDocument/2006/relationships" xmlns:p="http://schemas.openxmlformats.org/presentationml/2006/main">
   <p:cSld>
     <p:spTree>
@@ -23290,14 +21597,7 @@
   <p:clrMapOvr>
     <a:masterClrMapping/>
   </p:clrMapOvr>
-  <mc:AlternateContent xmlns:mc="http://schemas.openxmlformats.org/markup-compatibility/2006">
-    <mc:Choice xmlns:p14="http://schemas.microsoft.com/office/powerpoint/2010/main" Requires="p14">
-      <p:transition p14:dur="9"/>
-    </mc:Choice>
-    <mc:Fallback>
-      <p:transition/>
-    </mc:Fallback>
-  </mc:AlternateContent>
+  <p:transition/>
   <p:timing>
     <p:tnLst>
       <p:par>
@@ -23308,7 +21608,7 @@
 </p:sld>
 </file>
 
-<file path=ppt/slides/slide18.xml><?xml version="1.0" encoding="utf-8"?>
+<file path=ppt/slides/slide17.xml><?xml version="1.0" encoding="utf-8"?>
 <p:sld xmlns:a="http://schemas.openxmlformats.org/drawingml/2006/main" xmlns:r="http://schemas.openxmlformats.org/officeDocument/2006/relationships" xmlns:p="http://schemas.openxmlformats.org/presentationml/2006/main">
   <p:cSld>
     <p:spTree>
@@ -24717,14 +23017,7 @@
   <p:clrMapOvr>
     <a:masterClrMapping/>
   </p:clrMapOvr>
-  <mc:AlternateContent xmlns:mc="http://schemas.openxmlformats.org/markup-compatibility/2006">
-    <mc:Choice xmlns:p14="http://schemas.microsoft.com/office/powerpoint/2010/main" Requires="p14">
-      <p:transition p14:dur="9"/>
-    </mc:Choice>
-    <mc:Fallback>
-      <p:transition/>
-    </mc:Fallback>
-  </mc:AlternateContent>
+  <p:transition/>
   <p:timing>
     <p:tnLst>
       <p:par>
@@ -24735,7 +23028,7 @@
 </p:sld>
 </file>
 
-<file path=ppt/slides/slide19.xml><?xml version="1.0" encoding="utf-8"?>
+<file path=ppt/slides/slide18.xml><?xml version="1.0" encoding="utf-8"?>
 <p:sld xmlns:a="http://schemas.openxmlformats.org/drawingml/2006/main" xmlns:r="http://schemas.openxmlformats.org/officeDocument/2006/relationships" xmlns:p="http://schemas.openxmlformats.org/presentationml/2006/main">
   <p:cSld>
     <p:spTree>
@@ -26207,14 +24500,1600 @@
   <p:clrMapOvr>
     <a:masterClrMapping/>
   </p:clrMapOvr>
-  <mc:AlternateContent xmlns:mc="http://schemas.openxmlformats.org/markup-compatibility/2006">
-    <mc:Choice xmlns:p14="http://schemas.microsoft.com/office/powerpoint/2010/main" Requires="p14">
-      <p:transition p14:dur="9"/>
-    </mc:Choice>
-    <mc:Fallback>
-      <p:transition/>
-    </mc:Fallback>
-  </mc:AlternateContent>
+  <p:transition/>
+  <p:timing>
+    <p:tnLst>
+      <p:par>
+        <p:cTn id="1" dur="indefinite" restart="never" nodeType="tmRoot"/>
+      </p:par>
+    </p:tnLst>
+  </p:timing>
+</p:sld>
+</file>
+
+<file path=ppt/slides/slide19.xml><?xml version="1.0" encoding="utf-8"?>
+<p:sld xmlns:a="http://schemas.openxmlformats.org/drawingml/2006/main" xmlns:r="http://schemas.openxmlformats.org/officeDocument/2006/relationships" xmlns:p="http://schemas.openxmlformats.org/presentationml/2006/main">
+  <p:cSld>
+    <p:spTree>
+      <p:nvGrpSpPr>
+        <p:cNvPr id="1" name=""/>
+        <p:cNvGrpSpPr/>
+        <p:nvPr/>
+      </p:nvGrpSpPr>
+      <p:grpSpPr>
+        <a:xfrm>
+          <a:off x="0" y="0"/>
+          <a:ext cx="0" cy="0"/>
+          <a:chOff x="0" y="0"/>
+          <a:chExt cx="0" cy="0"/>
+        </a:xfrm>
+      </p:grpSpPr>
+      <p:sp>
+        <p:nvSpPr>
+          <p:cNvPr id="3" name="文本占位符 2"/>
+          <p:cNvSpPr>
+            <a:spLocks noGrp="1"/>
+          </p:cNvSpPr>
+          <p:nvPr>
+            <p:ph type="body" idx="1"/>
+          </p:nvPr>
+        </p:nvSpPr>
+        <p:spPr>
+          <a:xfrm>
+            <a:off x="622800" y="1332000"/>
+            <a:ext cx="7886700" cy="4946400"/>
+          </a:xfrm>
+        </p:spPr>
+        <p:txBody>
+          <a:bodyPr/>
+          <a:lstStyle/>
+          <a:p>
+            <a:r>
+              <a:rPr lang="en-US" altLang="zh-CN">
+                <a:solidFill>
+                  <a:schemeClr val="tx1"/>
+                </a:solidFill>
+                <a:sym typeface="+mn-ea"/>
+              </a:rPr>
+              <a:t>4.Cohen-Sutherland</a:t>
+            </a:r>
+            <a:r>
+              <a:rPr lang="zh-CN" altLang="zh-CN">
+                <a:solidFill>
+                  <a:schemeClr val="tx1"/>
+                </a:solidFill>
+                <a:sym typeface="+mn-ea"/>
+              </a:rPr>
+              <a:t>直线裁剪</a:t>
+            </a:r>
+            <a:endParaRPr lang="zh-CN" altLang="zh-CN">
+              <a:solidFill>
+                <a:schemeClr val="tx1"/>
+              </a:solidFill>
+              <a:sym typeface="+mn-ea"/>
+            </a:endParaRPr>
+          </a:p>
+          <a:p>
+            <a:r>
+              <a:rPr lang="zh-CN" altLang="zh-CN">
+                <a:solidFill>
+                  <a:schemeClr val="tx1"/>
+                </a:solidFill>
+                <a:sym typeface="+mn-ea"/>
+              </a:rPr>
+              <a:t>两端点逻辑或为</a:t>
+            </a:r>
+            <a:r>
+              <a:rPr lang="en-US" altLang="zh-CN">
+                <a:solidFill>
+                  <a:schemeClr val="tx1"/>
+                </a:solidFill>
+                <a:sym typeface="+mn-ea"/>
+              </a:rPr>
+              <a:t>0</a:t>
+            </a:r>
+            <a:r>
+              <a:rPr lang="zh-CN" altLang="en-US">
+                <a:solidFill>
+                  <a:schemeClr val="tx1"/>
+                </a:solidFill>
+                <a:sym typeface="+mn-ea"/>
+              </a:rPr>
+              <a:t>，完全接受</a:t>
+            </a:r>
+            <a:endParaRPr lang="zh-CN" altLang="en-US">
+              <a:solidFill>
+                <a:schemeClr val="tx1"/>
+              </a:solidFill>
+              <a:sym typeface="+mn-ea"/>
+            </a:endParaRPr>
+          </a:p>
+          <a:p>
+            <a:r>
+              <a:rPr lang="zh-CN" altLang="en-US">
+                <a:solidFill>
+                  <a:schemeClr val="tx1"/>
+                </a:solidFill>
+                <a:sym typeface="+mn-ea"/>
+              </a:rPr>
+              <a:t>两端点逻辑与非</a:t>
+            </a:r>
+            <a:r>
+              <a:rPr lang="en-US" altLang="zh-CN">
+                <a:solidFill>
+                  <a:schemeClr val="tx1"/>
+                </a:solidFill>
+                <a:sym typeface="+mn-ea"/>
+              </a:rPr>
+              <a:t>0</a:t>
+            </a:r>
+            <a:r>
+              <a:rPr lang="zh-CN" altLang="en-US">
+                <a:solidFill>
+                  <a:schemeClr val="tx1"/>
+                </a:solidFill>
+                <a:sym typeface="+mn-ea"/>
+              </a:rPr>
+              <a:t>，完全拒绝</a:t>
+            </a:r>
+            <a:endParaRPr lang="zh-CN" altLang="en-US">
+              <a:solidFill>
+                <a:schemeClr val="tx1"/>
+              </a:solidFill>
+              <a:sym typeface="+mn-ea"/>
+            </a:endParaRPr>
+          </a:p>
+          <a:p>
+            <a:r>
+              <a:rPr lang="zh-CN" altLang="zh-CN">
+                <a:solidFill>
+                  <a:schemeClr val="tx1"/>
+                </a:solidFill>
+                <a:sym typeface="+mn-ea"/>
+              </a:rPr>
+              <a:t>其他情况确定方程求解，</a:t>
+            </a:r>
+            <a:r>
+              <a:rPr lang="zh-CN" altLang="en-US">
+                <a:solidFill>
+                  <a:schemeClr val="tx1"/>
+                </a:solidFill>
+                <a:sym typeface="+mn-ea"/>
+              </a:rPr>
+              <a:t>区域码</a:t>
+            </a:r>
+            <a:r>
+              <a:rPr lang="zh-CN" altLang="zh-CN">
+                <a:solidFill>
+                  <a:schemeClr val="tx1"/>
+                </a:solidFill>
+                <a:sym typeface="+mn-ea"/>
+              </a:rPr>
+              <a:t>一个</a:t>
+            </a:r>
+            <a:r>
+              <a:rPr lang="en-US" altLang="zh-CN">
+                <a:solidFill>
+                  <a:schemeClr val="tx1"/>
+                </a:solidFill>
+                <a:sym typeface="+mn-ea"/>
+              </a:rPr>
+              <a:t>0</a:t>
+            </a:r>
+            <a:r>
+              <a:rPr lang="zh-CN" altLang="en-US">
+                <a:solidFill>
+                  <a:schemeClr val="tx1"/>
+                </a:solidFill>
+                <a:sym typeface="+mn-ea"/>
+              </a:rPr>
+              <a:t>另一个</a:t>
+            </a:r>
+            <a:r>
+              <a:rPr lang="en-US" altLang="zh-CN">
+                <a:solidFill>
+                  <a:schemeClr val="tx1"/>
+                </a:solidFill>
+                <a:sym typeface="+mn-ea"/>
+              </a:rPr>
+              <a:t>1</a:t>
+            </a:r>
+            <a:r>
+              <a:rPr lang="zh-CN" altLang="en-US">
+                <a:solidFill>
+                  <a:schemeClr val="tx1"/>
+                </a:solidFill>
+                <a:sym typeface="+mn-ea"/>
+              </a:rPr>
+              <a:t>说明穿越边界</a:t>
+            </a:r>
+            <a:endParaRPr lang="zh-CN" altLang="zh-CN">
+              <a:solidFill>
+                <a:schemeClr val="tx1"/>
+              </a:solidFill>
+              <a:sym typeface="+mn-ea"/>
+            </a:endParaRPr>
+          </a:p>
+          <a:p>
+            <a:endParaRPr lang="en-US" altLang="zh-CN">
+              <a:solidFill>
+                <a:schemeClr val="tx1"/>
+              </a:solidFill>
+              <a:sym typeface="+mn-ea"/>
+            </a:endParaRPr>
+          </a:p>
+          <a:p>
+            <a:endParaRPr lang="zh-CN" altLang="en-US">
+              <a:solidFill>
+                <a:schemeClr val="tx1"/>
+              </a:solidFill>
+              <a:sym typeface="+mn-ea"/>
+            </a:endParaRPr>
+          </a:p>
+          <a:p>
+            <a:endParaRPr lang="zh-CN" altLang="zh-CN">
+              <a:solidFill>
+                <a:schemeClr val="tx1"/>
+              </a:solidFill>
+              <a:sym typeface="+mn-ea"/>
+            </a:endParaRPr>
+          </a:p>
+          <a:p>
+            <a:endParaRPr lang="zh-CN" altLang="en-US">
+              <a:solidFill>
+                <a:schemeClr val="tx1"/>
+              </a:solidFill>
+              <a:sym typeface="+mn-ea"/>
+            </a:endParaRPr>
+          </a:p>
+          <a:p>
+            <a:endParaRPr lang="zh-CN" altLang="en-US">
+              <a:solidFill>
+                <a:schemeClr val="tx1"/>
+              </a:solidFill>
+              <a:sym typeface="+mn-ea"/>
+            </a:endParaRPr>
+          </a:p>
+          <a:p>
+            <a:endParaRPr lang="zh-CN" altLang="en-US">
+              <a:solidFill>
+                <a:schemeClr val="tx1"/>
+              </a:solidFill>
+              <a:sym typeface="+mn-ea"/>
+            </a:endParaRPr>
+          </a:p>
+          <a:p>
+            <a:endParaRPr lang="en-US" altLang="zh-CN">
+              <a:solidFill>
+                <a:schemeClr val="tx1"/>
+              </a:solidFill>
+              <a:sym typeface="+mn-ea"/>
+            </a:endParaRPr>
+          </a:p>
+          <a:p>
+            <a:endParaRPr lang="zh-CN" altLang="en-US">
+              <a:solidFill>
+                <a:schemeClr val="tx1"/>
+              </a:solidFill>
+              <a:sym typeface="+mn-ea"/>
+            </a:endParaRPr>
+          </a:p>
+          <a:p>
+            <a:endParaRPr lang="zh-CN" altLang="en-US">
+              <a:solidFill>
+                <a:schemeClr val="tx1"/>
+              </a:solidFill>
+              <a:sym typeface="+mn-ea"/>
+            </a:endParaRPr>
+          </a:p>
+        </p:txBody>
+      </p:sp>
+      <p:pic>
+        <p:nvPicPr>
+          <p:cNvPr id="4" name="图片 3"/>
+          <p:cNvPicPr>
+            <a:picLocks noChangeAspect="1"/>
+          </p:cNvPicPr>
+          <p:nvPr/>
+        </p:nvPicPr>
+        <p:blipFill>
+          <a:blip r:embed="rId1"/>
+          <a:stretch>
+            <a:fillRect/>
+          </a:stretch>
+        </p:blipFill>
+        <p:spPr>
+          <a:xfrm>
+            <a:off x="1469390" y="3109595"/>
+            <a:ext cx="5271770" cy="3419475"/>
+          </a:xfrm>
+          <a:prstGeom prst="rect">
+            <a:avLst/>
+          </a:prstGeom>
+        </p:spPr>
+      </p:pic>
+      <p:sp>
+        <p:nvSpPr>
+          <p:cNvPr id="35" name="矩形 34"/>
+          <p:cNvSpPr/>
+          <p:nvPr/>
+        </p:nvSpPr>
+        <p:spPr>
+          <a:xfrm>
+            <a:off x="111760" y="508000"/>
+            <a:ext cx="182563" cy="508000"/>
+          </a:xfrm>
+          <a:prstGeom prst="rect">
+            <a:avLst/>
+          </a:prstGeom>
+          <a:solidFill>
+            <a:srgbClr val="6CAE43"/>
+          </a:solidFill>
+          <a:ln>
+            <a:noFill/>
+          </a:ln>
+        </p:spPr>
+        <p:style>
+          <a:lnRef idx="2">
+            <a:schemeClr val="accent1">
+              <a:shade val="50000"/>
+            </a:schemeClr>
+          </a:lnRef>
+          <a:fillRef idx="1">
+            <a:schemeClr val="accent1"/>
+          </a:fillRef>
+          <a:effectRef idx="0">
+            <a:schemeClr val="accent1"/>
+          </a:effectRef>
+          <a:fontRef idx="minor">
+            <a:schemeClr val="lt1"/>
+          </a:fontRef>
+        </p:style>
+        <p:txBody>
+          <a:bodyPr anchor="ctr"/>
+          <a:lstStyle/>
+          <a:p>
+            <a:pPr algn="ctr" eaLnBrk="1" fontAlgn="auto" hangingPunct="1">
+              <a:spcBef>
+                <a:spcPts val="0"/>
+              </a:spcBef>
+              <a:spcAft>
+                <a:spcPts val="0"/>
+              </a:spcAft>
+              <a:defRPr/>
+            </a:pPr>
+            <a:r>
+              <a:rPr lang="en-US" altLang="zh-CN" dirty="0">
+                <a:ea typeface="微软雅黑" panose="020B0503020204020204" pitchFamily="34" charset="-122"/>
+              </a:rPr>
+              <a:t>5</a:t>
+            </a:r>
+            <a:endParaRPr lang="en-US" altLang="zh-CN" dirty="0">
+              <a:ea typeface="微软雅黑" panose="020B0503020204020204" pitchFamily="34" charset="-122"/>
+            </a:endParaRPr>
+          </a:p>
+        </p:txBody>
+      </p:sp>
+      <p:sp>
+        <p:nvSpPr>
+          <p:cNvPr id="36" name="文本框 4"/>
+          <p:cNvSpPr txBox="1">
+            <a:spLocks noChangeArrowheads="1"/>
+          </p:cNvSpPr>
+          <p:nvPr/>
+        </p:nvSpPr>
+        <p:spPr bwMode="auto">
+          <a:xfrm>
+            <a:off x="407035" y="561975"/>
+            <a:ext cx="2681288" cy="417830"/>
+          </a:xfrm>
+          <a:prstGeom prst="rect">
+            <a:avLst/>
+          </a:prstGeom>
+          <a:noFill/>
+          <a:ln>
+            <a:noFill/>
+          </a:ln>
+          <a:extLst>
+            <a:ext uri="{909E8E84-426E-40DD-AFC4-6F175D3DCCD1}">
+              <a14:hiddenFill xmlns:a14="http://schemas.microsoft.com/office/drawing/2010/main">
+                <a:solidFill>
+                  <a:srgbClr val="FFFFFF"/>
+                </a:solidFill>
+              </a14:hiddenFill>
+            </a:ext>
+            <a:ext uri="{91240B29-F687-4F45-9708-019B960494DF}">
+              <a14:hiddenLine xmlns:a14="http://schemas.microsoft.com/office/drawing/2010/main" w="9525">
+                <a:solidFill>
+                  <a:srgbClr val="000000"/>
+                </a:solidFill>
+                <a:miter lim="800000"/>
+                <a:headEnd/>
+                <a:tailEnd/>
+              </a14:hiddenLine>
+            </a:ext>
+          </a:extLst>
+        </p:spPr>
+        <p:txBody>
+          <a:bodyPr>
+            <a:spAutoFit/>
+          </a:bodyPr>
+          <a:lstStyle>
+            <a:lvl1pPr>
+              <a:lnSpc>
+                <a:spcPct val="90000"/>
+              </a:lnSpc>
+              <a:spcBef>
+                <a:spcPts val="1000"/>
+              </a:spcBef>
+              <a:buFont typeface="Arial" panose="020B0604020202020204" pitchFamily="34" charset="0"/>
+              <a:buChar char="•"/>
+              <a:defRPr sz="2800">
+                <a:solidFill>
+                  <a:schemeClr val="tx1"/>
+                </a:solidFill>
+                <a:latin typeface="Calibri" panose="020F0502020204030204" pitchFamily="34" charset="0"/>
+                <a:ea typeface="宋体" panose="02010600030101010101" pitchFamily="2" charset="-122"/>
+              </a:defRPr>
+            </a:lvl1pPr>
+            <a:lvl2pPr marL="742950" indent="-285750">
+              <a:lnSpc>
+                <a:spcPct val="90000"/>
+              </a:lnSpc>
+              <a:spcBef>
+                <a:spcPts val="500"/>
+              </a:spcBef>
+              <a:buFont typeface="Arial" panose="020B0604020202020204" pitchFamily="34" charset="0"/>
+              <a:buChar char="•"/>
+              <a:defRPr sz="2400">
+                <a:solidFill>
+                  <a:schemeClr val="tx1"/>
+                </a:solidFill>
+                <a:latin typeface="Calibri" panose="020F0502020204030204" pitchFamily="34" charset="0"/>
+                <a:ea typeface="宋体" panose="02010600030101010101" pitchFamily="2" charset="-122"/>
+              </a:defRPr>
+            </a:lvl2pPr>
+            <a:lvl3pPr marL="1143000" indent="-228600">
+              <a:lnSpc>
+                <a:spcPct val="90000"/>
+              </a:lnSpc>
+              <a:spcBef>
+                <a:spcPts val="500"/>
+              </a:spcBef>
+              <a:buFont typeface="Arial" panose="020B0604020202020204" pitchFamily="34" charset="0"/>
+              <a:buChar char="•"/>
+              <a:defRPr sz="2000">
+                <a:solidFill>
+                  <a:schemeClr val="tx1"/>
+                </a:solidFill>
+                <a:latin typeface="Calibri" panose="020F0502020204030204" pitchFamily="34" charset="0"/>
+                <a:ea typeface="宋体" panose="02010600030101010101" pitchFamily="2" charset="-122"/>
+              </a:defRPr>
+            </a:lvl3pPr>
+            <a:lvl4pPr marL="1600200" indent="-228600">
+              <a:lnSpc>
+                <a:spcPct val="90000"/>
+              </a:lnSpc>
+              <a:spcBef>
+                <a:spcPts val="500"/>
+              </a:spcBef>
+              <a:buFont typeface="Arial" panose="020B0604020202020204" pitchFamily="34" charset="0"/>
+              <a:buChar char="•"/>
+              <a:defRPr>
+                <a:solidFill>
+                  <a:schemeClr val="tx1"/>
+                </a:solidFill>
+                <a:latin typeface="Calibri" panose="020F0502020204030204" pitchFamily="34" charset="0"/>
+                <a:ea typeface="宋体" panose="02010600030101010101" pitchFamily="2" charset="-122"/>
+              </a:defRPr>
+            </a:lvl4pPr>
+            <a:lvl5pPr marL="2057400" indent="-228600">
+              <a:lnSpc>
+                <a:spcPct val="90000"/>
+              </a:lnSpc>
+              <a:spcBef>
+                <a:spcPts val="500"/>
+              </a:spcBef>
+              <a:buFont typeface="Arial" panose="020B0604020202020204" pitchFamily="34" charset="0"/>
+              <a:buChar char="•"/>
+              <a:defRPr>
+                <a:solidFill>
+                  <a:schemeClr val="tx1"/>
+                </a:solidFill>
+                <a:latin typeface="Calibri" panose="020F0502020204030204" pitchFamily="34" charset="0"/>
+                <a:ea typeface="宋体" panose="02010600030101010101" pitchFamily="2" charset="-122"/>
+              </a:defRPr>
+            </a:lvl5pPr>
+            <a:lvl6pPr marL="2514600" indent="-228600" eaLnBrk="0" fontAlgn="base" hangingPunct="0">
+              <a:lnSpc>
+                <a:spcPct val="90000"/>
+              </a:lnSpc>
+              <a:spcBef>
+                <a:spcPts val="500"/>
+              </a:spcBef>
+              <a:spcAft>
+                <a:spcPct val="0"/>
+              </a:spcAft>
+              <a:buFont typeface="Arial" panose="020B0604020202020204" pitchFamily="34" charset="0"/>
+              <a:buChar char="•"/>
+              <a:defRPr>
+                <a:solidFill>
+                  <a:schemeClr val="tx1"/>
+                </a:solidFill>
+                <a:latin typeface="Calibri" panose="020F0502020204030204" pitchFamily="34" charset="0"/>
+                <a:ea typeface="宋体" panose="02010600030101010101" pitchFamily="2" charset="-122"/>
+              </a:defRPr>
+            </a:lvl6pPr>
+            <a:lvl7pPr marL="2971800" indent="-228600" eaLnBrk="0" fontAlgn="base" hangingPunct="0">
+              <a:lnSpc>
+                <a:spcPct val="90000"/>
+              </a:lnSpc>
+              <a:spcBef>
+                <a:spcPts val="500"/>
+              </a:spcBef>
+              <a:spcAft>
+                <a:spcPct val="0"/>
+              </a:spcAft>
+              <a:buFont typeface="Arial" panose="020B0604020202020204" pitchFamily="34" charset="0"/>
+              <a:buChar char="•"/>
+              <a:defRPr>
+                <a:solidFill>
+                  <a:schemeClr val="tx1"/>
+                </a:solidFill>
+                <a:latin typeface="Calibri" panose="020F0502020204030204" pitchFamily="34" charset="0"/>
+                <a:ea typeface="宋体" panose="02010600030101010101" pitchFamily="2" charset="-122"/>
+              </a:defRPr>
+            </a:lvl7pPr>
+            <a:lvl8pPr marL="3429000" indent="-228600" eaLnBrk="0" fontAlgn="base" hangingPunct="0">
+              <a:lnSpc>
+                <a:spcPct val="90000"/>
+              </a:lnSpc>
+              <a:spcBef>
+                <a:spcPts val="500"/>
+              </a:spcBef>
+              <a:spcAft>
+                <a:spcPct val="0"/>
+              </a:spcAft>
+              <a:buFont typeface="Arial" panose="020B0604020202020204" pitchFamily="34" charset="0"/>
+              <a:buChar char="•"/>
+              <a:defRPr>
+                <a:solidFill>
+                  <a:schemeClr val="tx1"/>
+                </a:solidFill>
+                <a:latin typeface="Calibri" panose="020F0502020204030204" pitchFamily="34" charset="0"/>
+                <a:ea typeface="宋体" panose="02010600030101010101" pitchFamily="2" charset="-122"/>
+              </a:defRPr>
+            </a:lvl8pPr>
+            <a:lvl9pPr marL="3886200" indent="-228600" eaLnBrk="0" fontAlgn="base" hangingPunct="0">
+              <a:lnSpc>
+                <a:spcPct val="90000"/>
+              </a:lnSpc>
+              <a:spcBef>
+                <a:spcPts val="500"/>
+              </a:spcBef>
+              <a:spcAft>
+                <a:spcPct val="0"/>
+              </a:spcAft>
+              <a:buFont typeface="Arial" panose="020B0604020202020204" pitchFamily="34" charset="0"/>
+              <a:buChar char="•"/>
+              <a:defRPr>
+                <a:solidFill>
+                  <a:schemeClr val="tx1"/>
+                </a:solidFill>
+                <a:latin typeface="Calibri" panose="020F0502020204030204" pitchFamily="34" charset="0"/>
+                <a:ea typeface="宋体" panose="02010600030101010101" pitchFamily="2" charset="-122"/>
+              </a:defRPr>
+            </a:lvl9pPr>
+          </a:lstStyle>
+          <a:p>
+            <a:pPr eaLnBrk="1" hangingPunct="1">
+              <a:lnSpc>
+                <a:spcPct val="100000"/>
+              </a:lnSpc>
+              <a:spcBef>
+                <a:spcPct val="0"/>
+              </a:spcBef>
+              <a:buFontTx/>
+              <a:buNone/>
+            </a:pPr>
+            <a:r>
+              <a:rPr lang="zh-CN" altLang="zh-CN" sz="2000" b="1">
+                <a:latin typeface="微软雅黑" panose="020B0503020204020204" pitchFamily="34" charset="-122"/>
+                <a:ea typeface="微软雅黑" panose="020B0503020204020204" pitchFamily="34" charset="-122"/>
+              </a:rPr>
+              <a:t>裁剪</a:t>
+            </a:r>
+            <a:endParaRPr lang="zh-CN" altLang="zh-CN" sz="2000" b="1">
+              <a:latin typeface="微软雅黑" panose="020B0503020204020204" pitchFamily="34" charset="-122"/>
+              <a:ea typeface="微软雅黑" panose="020B0503020204020204" pitchFamily="34" charset="-122"/>
+            </a:endParaRPr>
+          </a:p>
+        </p:txBody>
+      </p:sp>
+      <p:sp>
+        <p:nvSpPr>
+          <p:cNvPr id="13" name="Freeform 2"/>
+          <p:cNvSpPr>
+            <a:spLocks noChangeArrowheads="1"/>
+          </p:cNvSpPr>
+          <p:nvPr/>
+        </p:nvSpPr>
+        <p:spPr bwMode="auto">
+          <a:xfrm>
+            <a:off x="7313930" y="23495"/>
+            <a:ext cx="1786255" cy="443230"/>
+          </a:xfrm>
+          <a:custGeom>
+            <a:avLst/>
+            <a:gdLst>
+              <a:gd name="T0" fmla="*/ 5668 w 7144"/>
+              <a:gd name="T1" fmla="*/ 0 h 3558"/>
+              <a:gd name="T2" fmla="*/ 0 w 7144"/>
+              <a:gd name="T3" fmla="*/ 0 h 3558"/>
+              <a:gd name="T4" fmla="*/ 1475 w 7144"/>
+              <a:gd name="T5" fmla="*/ 1792 h 3558"/>
+              <a:gd name="T6" fmla="*/ 0 w 7144"/>
+              <a:gd name="T7" fmla="*/ 3557 h 3558"/>
+              <a:gd name="T8" fmla="*/ 5668 w 7144"/>
+              <a:gd name="T9" fmla="*/ 3557 h 3558"/>
+              <a:gd name="T10" fmla="*/ 7143 w 7144"/>
+              <a:gd name="T11" fmla="*/ 1792 h 3558"/>
+              <a:gd name="T12" fmla="*/ 5668 w 7144"/>
+              <a:gd name="T13" fmla="*/ 0 h 3558"/>
+            </a:gdLst>
+            <a:ahLst/>
+            <a:cxnLst>
+              <a:cxn ang="0">
+                <a:pos x="T0" y="T1"/>
+              </a:cxn>
+              <a:cxn ang="0">
+                <a:pos x="T2" y="T3"/>
+              </a:cxn>
+              <a:cxn ang="0">
+                <a:pos x="T4" y="T5"/>
+              </a:cxn>
+              <a:cxn ang="0">
+                <a:pos x="T6" y="T7"/>
+              </a:cxn>
+              <a:cxn ang="0">
+                <a:pos x="T8" y="T9"/>
+              </a:cxn>
+              <a:cxn ang="0">
+                <a:pos x="T10" y="T11"/>
+              </a:cxn>
+              <a:cxn ang="0">
+                <a:pos x="T12" y="T13"/>
+              </a:cxn>
+            </a:cxnLst>
+            <a:rect l="0" t="0" r="r" b="b"/>
+            <a:pathLst>
+              <a:path w="7144" h="3558">
+                <a:moveTo>
+                  <a:pt x="5668" y="0"/>
+                </a:moveTo>
+                <a:lnTo>
+                  <a:pt x="0" y="0"/>
+                </a:lnTo>
+                <a:lnTo>
+                  <a:pt x="1475" y="1792"/>
+                </a:lnTo>
+                <a:lnTo>
+                  <a:pt x="0" y="3557"/>
+                </a:lnTo>
+                <a:lnTo>
+                  <a:pt x="5668" y="3557"/>
+                </a:lnTo>
+                <a:lnTo>
+                  <a:pt x="7143" y="1792"/>
+                </a:lnTo>
+                <a:lnTo>
+                  <a:pt x="5668" y="0"/>
+                </a:lnTo>
+              </a:path>
+            </a:pathLst>
+          </a:custGeom>
+          <a:solidFill>
+            <a:srgbClr val="6CAE43"/>
+          </a:solidFill>
+          <a:ln w="28575">
+            <a:solidFill>
+              <a:schemeClr val="bg1"/>
+            </a:solidFill>
+          </a:ln>
+          <a:effectLst>
+            <a:outerShdw blurRad="152400" dist="63500" dir="8100000" algn="tr" rotWithShape="0">
+              <a:prstClr val="black">
+                <a:alpha val="26000"/>
+              </a:prstClr>
+            </a:outerShdw>
+          </a:effectLst>
+        </p:spPr>
+        <p:style>
+          <a:lnRef idx="2">
+            <a:schemeClr val="accent1">
+              <a:shade val="50000"/>
+            </a:schemeClr>
+          </a:lnRef>
+          <a:fillRef idx="1">
+            <a:schemeClr val="accent1"/>
+          </a:fillRef>
+          <a:effectRef idx="0">
+            <a:schemeClr val="accent1"/>
+          </a:effectRef>
+          <a:fontRef idx="minor">
+            <a:schemeClr val="lt1"/>
+          </a:fontRef>
+        </p:style>
+        <p:txBody>
+          <a:bodyPr anchor="ctr"/>
+          <a:lstStyle/>
+          <a:p>
+            <a:pPr algn="ctr" eaLnBrk="1" fontAlgn="auto" hangingPunct="1">
+              <a:spcBef>
+                <a:spcPts val="0"/>
+              </a:spcBef>
+              <a:spcAft>
+                <a:spcPts val="0"/>
+              </a:spcAft>
+              <a:defRPr/>
+            </a:pPr>
+            <a:r>
+              <a:rPr lang="zh-CN" altLang="en-US" sz="2400">
+                <a:solidFill>
+                  <a:schemeClr val="tx1"/>
+                </a:solidFill>
+                <a:effectLst>
+                  <a:outerShdw blurRad="38100" dist="19050" dir="2700000" algn="tl" rotWithShape="0">
+                    <a:schemeClr val="dk1">
+                      <a:alpha val="40000"/>
+                    </a:schemeClr>
+                  </a:outerShdw>
+                </a:effectLst>
+                <a:sym typeface="Arial" panose="020B0604020202020204" pitchFamily="34" charset="0"/>
+              </a:rPr>
+              <a:t>光栅化</a:t>
+            </a:r>
+            <a:endParaRPr lang="zh-CN" altLang="en-US" sz="2400">
+              <a:solidFill>
+                <a:schemeClr val="tx1"/>
+              </a:solidFill>
+              <a:effectLst>
+                <a:outerShdw blurRad="38100" dist="19050" dir="2700000" algn="tl" rotWithShape="0">
+                  <a:schemeClr val="dk1">
+                    <a:alpha val="40000"/>
+                  </a:schemeClr>
+                </a:outerShdw>
+              </a:effectLst>
+              <a:sym typeface="Arial" panose="020B0604020202020204" pitchFamily="34" charset="0"/>
+            </a:endParaRPr>
+          </a:p>
+        </p:txBody>
+      </p:sp>
+      <p:sp>
+        <p:nvSpPr>
+          <p:cNvPr id="23" name="Freeform 1"/>
+          <p:cNvSpPr>
+            <a:spLocks noChangeArrowheads="1"/>
+          </p:cNvSpPr>
+          <p:nvPr/>
+        </p:nvSpPr>
+        <p:spPr bwMode="auto">
+          <a:xfrm>
+            <a:off x="5852160" y="23495"/>
+            <a:ext cx="1786255" cy="443230"/>
+          </a:xfrm>
+          <a:custGeom>
+            <a:avLst/>
+            <a:gdLst>
+              <a:gd name="T0" fmla="*/ 5639 w 7144"/>
+              <a:gd name="T1" fmla="*/ 0 h 3558"/>
+              <a:gd name="T2" fmla="*/ 0 w 7144"/>
+              <a:gd name="T3" fmla="*/ 0 h 3558"/>
+              <a:gd name="T4" fmla="*/ 1475 w 7144"/>
+              <a:gd name="T5" fmla="*/ 1792 h 3558"/>
+              <a:gd name="T6" fmla="*/ 0 w 7144"/>
+              <a:gd name="T7" fmla="*/ 3557 h 3558"/>
+              <a:gd name="T8" fmla="*/ 5669 w 7144"/>
+              <a:gd name="T9" fmla="*/ 3557 h 3558"/>
+              <a:gd name="T10" fmla="*/ 7143 w 7144"/>
+              <a:gd name="T11" fmla="*/ 1792 h 3558"/>
+              <a:gd name="T12" fmla="*/ 5639 w 7144"/>
+              <a:gd name="T13" fmla="*/ 0 h 3558"/>
+            </a:gdLst>
+            <a:ahLst/>
+            <a:cxnLst>
+              <a:cxn ang="0">
+                <a:pos x="T0" y="T1"/>
+              </a:cxn>
+              <a:cxn ang="0">
+                <a:pos x="T2" y="T3"/>
+              </a:cxn>
+              <a:cxn ang="0">
+                <a:pos x="T4" y="T5"/>
+              </a:cxn>
+              <a:cxn ang="0">
+                <a:pos x="T6" y="T7"/>
+              </a:cxn>
+              <a:cxn ang="0">
+                <a:pos x="T8" y="T9"/>
+              </a:cxn>
+              <a:cxn ang="0">
+                <a:pos x="T10" y="T11"/>
+              </a:cxn>
+              <a:cxn ang="0">
+                <a:pos x="T12" y="T13"/>
+              </a:cxn>
+            </a:cxnLst>
+            <a:rect l="0" t="0" r="r" b="b"/>
+            <a:pathLst>
+              <a:path w="7144" h="3558">
+                <a:moveTo>
+                  <a:pt x="5639" y="0"/>
+                </a:moveTo>
+                <a:lnTo>
+                  <a:pt x="0" y="0"/>
+                </a:lnTo>
+                <a:lnTo>
+                  <a:pt x="1475" y="1792"/>
+                </a:lnTo>
+                <a:lnTo>
+                  <a:pt x="0" y="3557"/>
+                </a:lnTo>
+                <a:lnTo>
+                  <a:pt x="5669" y="3557"/>
+                </a:lnTo>
+                <a:lnTo>
+                  <a:pt x="7143" y="1792"/>
+                </a:lnTo>
+                <a:lnTo>
+                  <a:pt x="5639" y="0"/>
+                </a:lnTo>
+              </a:path>
+            </a:pathLst>
+          </a:custGeom>
+          <a:solidFill>
+            <a:schemeClr val="accent2"/>
+          </a:solidFill>
+          <a:ln w="28575">
+            <a:solidFill>
+              <a:schemeClr val="bg1"/>
+            </a:solidFill>
+          </a:ln>
+          <a:effectLst>
+            <a:outerShdw blurRad="152400" dist="63500" dir="8100000" algn="tr" rotWithShape="0">
+              <a:prstClr val="black">
+                <a:alpha val="26000"/>
+              </a:prstClr>
+            </a:outerShdw>
+          </a:effectLst>
+        </p:spPr>
+        <p:style>
+          <a:lnRef idx="2">
+            <a:schemeClr val="accent1">
+              <a:shade val="50000"/>
+            </a:schemeClr>
+          </a:lnRef>
+          <a:fillRef idx="1">
+            <a:schemeClr val="accent1"/>
+          </a:fillRef>
+          <a:effectRef idx="0">
+            <a:schemeClr val="accent1"/>
+          </a:effectRef>
+          <a:fontRef idx="minor">
+            <a:schemeClr val="lt1"/>
+          </a:fontRef>
+        </p:style>
+        <p:txBody>
+          <a:bodyPr anchor="ctr"/>
+          <a:lstStyle/>
+          <a:p>
+            <a:pPr algn="ctr" eaLnBrk="1" fontAlgn="auto" hangingPunct="1">
+              <a:spcBef>
+                <a:spcPts val="0"/>
+              </a:spcBef>
+              <a:spcAft>
+                <a:spcPts val="0"/>
+              </a:spcAft>
+              <a:defRPr/>
+            </a:pPr>
+            <a:r>
+              <a:rPr lang="zh-CN" altLang="en-US" sz="2400">
+                <a:solidFill>
+                  <a:schemeClr val="tx1"/>
+                </a:solidFill>
+                <a:effectLst>
+                  <a:outerShdw blurRad="38100" dist="19050" dir="2700000" algn="tl" rotWithShape="0">
+                    <a:schemeClr val="dk1">
+                      <a:alpha val="40000"/>
+                    </a:schemeClr>
+                  </a:outerShdw>
+                </a:effectLst>
+                <a:sym typeface="Arial" panose="020B0604020202020204" pitchFamily="34" charset="0"/>
+              </a:rPr>
+              <a:t>裁剪</a:t>
+            </a:r>
+            <a:endParaRPr lang="zh-CN" altLang="en-US" sz="2400">
+              <a:solidFill>
+                <a:schemeClr val="tx1"/>
+              </a:solidFill>
+              <a:effectLst>
+                <a:outerShdw blurRad="38100" dist="19050" dir="2700000" algn="tl" rotWithShape="0">
+                  <a:schemeClr val="dk1">
+                    <a:alpha val="40000"/>
+                  </a:schemeClr>
+                </a:outerShdw>
+              </a:effectLst>
+              <a:sym typeface="Arial" panose="020B0604020202020204" pitchFamily="34" charset="0"/>
+            </a:endParaRPr>
+          </a:p>
+        </p:txBody>
+      </p:sp>
+      <p:sp>
+        <p:nvSpPr>
+          <p:cNvPr id="39" name="Freeform 1"/>
+          <p:cNvSpPr>
+            <a:spLocks noChangeArrowheads="1"/>
+          </p:cNvSpPr>
+          <p:nvPr/>
+        </p:nvSpPr>
+        <p:spPr bwMode="auto">
+          <a:xfrm>
+            <a:off x="2929890" y="19685"/>
+            <a:ext cx="1784985" cy="443230"/>
+          </a:xfrm>
+          <a:custGeom>
+            <a:avLst/>
+            <a:gdLst>
+              <a:gd name="T0" fmla="*/ 5639 w 7144"/>
+              <a:gd name="T1" fmla="*/ 0 h 3558"/>
+              <a:gd name="T2" fmla="*/ 0 w 7144"/>
+              <a:gd name="T3" fmla="*/ 0 h 3558"/>
+              <a:gd name="T4" fmla="*/ 1475 w 7144"/>
+              <a:gd name="T5" fmla="*/ 1792 h 3558"/>
+              <a:gd name="T6" fmla="*/ 0 w 7144"/>
+              <a:gd name="T7" fmla="*/ 3557 h 3558"/>
+              <a:gd name="T8" fmla="*/ 5669 w 7144"/>
+              <a:gd name="T9" fmla="*/ 3557 h 3558"/>
+              <a:gd name="T10" fmla="*/ 7143 w 7144"/>
+              <a:gd name="T11" fmla="*/ 1792 h 3558"/>
+              <a:gd name="T12" fmla="*/ 5639 w 7144"/>
+              <a:gd name="T13" fmla="*/ 0 h 3558"/>
+            </a:gdLst>
+            <a:ahLst/>
+            <a:cxnLst>
+              <a:cxn ang="0">
+                <a:pos x="T0" y="T1"/>
+              </a:cxn>
+              <a:cxn ang="0">
+                <a:pos x="T2" y="T3"/>
+              </a:cxn>
+              <a:cxn ang="0">
+                <a:pos x="T4" y="T5"/>
+              </a:cxn>
+              <a:cxn ang="0">
+                <a:pos x="T6" y="T7"/>
+              </a:cxn>
+              <a:cxn ang="0">
+                <a:pos x="T8" y="T9"/>
+              </a:cxn>
+              <a:cxn ang="0">
+                <a:pos x="T10" y="T11"/>
+              </a:cxn>
+              <a:cxn ang="0">
+                <a:pos x="T12" y="T13"/>
+              </a:cxn>
+            </a:cxnLst>
+            <a:rect l="0" t="0" r="r" b="b"/>
+            <a:pathLst>
+              <a:path w="7144" h="3558">
+                <a:moveTo>
+                  <a:pt x="5639" y="0"/>
+                </a:moveTo>
+                <a:lnTo>
+                  <a:pt x="0" y="0"/>
+                </a:lnTo>
+                <a:lnTo>
+                  <a:pt x="1475" y="1792"/>
+                </a:lnTo>
+                <a:lnTo>
+                  <a:pt x="0" y="3557"/>
+                </a:lnTo>
+                <a:lnTo>
+                  <a:pt x="5669" y="3557"/>
+                </a:lnTo>
+                <a:lnTo>
+                  <a:pt x="7143" y="1792"/>
+                </a:lnTo>
+                <a:lnTo>
+                  <a:pt x="5639" y="0"/>
+                </a:lnTo>
+              </a:path>
+            </a:pathLst>
+          </a:custGeom>
+          <a:solidFill>
+            <a:srgbClr val="6CAE43"/>
+          </a:solidFill>
+          <a:ln w="28575">
+            <a:solidFill>
+              <a:schemeClr val="bg1"/>
+            </a:solidFill>
+          </a:ln>
+          <a:effectLst>
+            <a:outerShdw blurRad="152400" dist="63500" dir="8100000" algn="tr" rotWithShape="0">
+              <a:prstClr val="black">
+                <a:alpha val="26000"/>
+              </a:prstClr>
+            </a:outerShdw>
+          </a:effectLst>
+        </p:spPr>
+        <p:style>
+          <a:lnRef idx="2">
+            <a:schemeClr val="accent1">
+              <a:shade val="50000"/>
+            </a:schemeClr>
+          </a:lnRef>
+          <a:fillRef idx="1">
+            <a:schemeClr val="accent1"/>
+          </a:fillRef>
+          <a:effectRef idx="0">
+            <a:schemeClr val="accent1"/>
+          </a:effectRef>
+          <a:fontRef idx="minor">
+            <a:schemeClr val="lt1"/>
+          </a:fontRef>
+        </p:style>
+        <p:txBody>
+          <a:bodyPr anchor="ctr"/>
+          <a:lstStyle/>
+          <a:p>
+            <a:pPr algn="ctr" eaLnBrk="1" fontAlgn="auto" hangingPunct="1">
+              <a:spcBef>
+                <a:spcPts val="0"/>
+              </a:spcBef>
+              <a:spcAft>
+                <a:spcPts val="0"/>
+              </a:spcAft>
+              <a:defRPr/>
+            </a:pPr>
+            <a:r>
+              <a:rPr lang="zh-CN" altLang="en-US" sz="2400">
+                <a:solidFill>
+                  <a:schemeClr val="tx1"/>
+                </a:solidFill>
+                <a:effectLst>
+                  <a:outerShdw blurRad="38100" dist="19050" dir="2700000" algn="tl" rotWithShape="0">
+                    <a:schemeClr val="dk1">
+                      <a:alpha val="40000"/>
+                    </a:schemeClr>
+                  </a:outerShdw>
+                </a:effectLst>
+                <a:sym typeface="Arial" panose="020B0604020202020204" pitchFamily="34" charset="0"/>
+              </a:rPr>
+              <a:t>光照</a:t>
+            </a:r>
+            <a:endParaRPr lang="zh-CN" altLang="en-US" sz="2400">
+              <a:solidFill>
+                <a:schemeClr val="tx1"/>
+              </a:solidFill>
+              <a:effectLst>
+                <a:outerShdw blurRad="38100" dist="19050" dir="2700000" algn="tl" rotWithShape="0">
+                  <a:schemeClr val="dk1">
+                    <a:alpha val="40000"/>
+                  </a:schemeClr>
+                </a:outerShdw>
+              </a:effectLst>
+              <a:sym typeface="Arial" panose="020B0604020202020204" pitchFamily="34" charset="0"/>
+            </a:endParaRPr>
+          </a:p>
+        </p:txBody>
+      </p:sp>
+      <p:sp>
+        <p:nvSpPr>
+          <p:cNvPr id="40" name="Freeform 2"/>
+          <p:cNvSpPr>
+            <a:spLocks noChangeArrowheads="1"/>
+          </p:cNvSpPr>
+          <p:nvPr/>
+        </p:nvSpPr>
+        <p:spPr bwMode="auto">
+          <a:xfrm>
+            <a:off x="4390390" y="19685"/>
+            <a:ext cx="1786255" cy="443230"/>
+          </a:xfrm>
+          <a:custGeom>
+            <a:avLst/>
+            <a:gdLst>
+              <a:gd name="T0" fmla="*/ 5668 w 7144"/>
+              <a:gd name="T1" fmla="*/ 0 h 3558"/>
+              <a:gd name="T2" fmla="*/ 0 w 7144"/>
+              <a:gd name="T3" fmla="*/ 0 h 3558"/>
+              <a:gd name="T4" fmla="*/ 1475 w 7144"/>
+              <a:gd name="T5" fmla="*/ 1792 h 3558"/>
+              <a:gd name="T6" fmla="*/ 0 w 7144"/>
+              <a:gd name="T7" fmla="*/ 3557 h 3558"/>
+              <a:gd name="T8" fmla="*/ 5668 w 7144"/>
+              <a:gd name="T9" fmla="*/ 3557 h 3558"/>
+              <a:gd name="T10" fmla="*/ 7143 w 7144"/>
+              <a:gd name="T11" fmla="*/ 1792 h 3558"/>
+              <a:gd name="T12" fmla="*/ 5668 w 7144"/>
+              <a:gd name="T13" fmla="*/ 0 h 3558"/>
+            </a:gdLst>
+            <a:ahLst/>
+            <a:cxnLst>
+              <a:cxn ang="0">
+                <a:pos x="T0" y="T1"/>
+              </a:cxn>
+              <a:cxn ang="0">
+                <a:pos x="T2" y="T3"/>
+              </a:cxn>
+              <a:cxn ang="0">
+                <a:pos x="T4" y="T5"/>
+              </a:cxn>
+              <a:cxn ang="0">
+                <a:pos x="T6" y="T7"/>
+              </a:cxn>
+              <a:cxn ang="0">
+                <a:pos x="T8" y="T9"/>
+              </a:cxn>
+              <a:cxn ang="0">
+                <a:pos x="T10" y="T11"/>
+              </a:cxn>
+              <a:cxn ang="0">
+                <a:pos x="T12" y="T13"/>
+              </a:cxn>
+            </a:cxnLst>
+            <a:rect l="0" t="0" r="r" b="b"/>
+            <a:pathLst>
+              <a:path w="7144" h="3558">
+                <a:moveTo>
+                  <a:pt x="5668" y="0"/>
+                </a:moveTo>
+                <a:lnTo>
+                  <a:pt x="0" y="0"/>
+                </a:lnTo>
+                <a:lnTo>
+                  <a:pt x="1475" y="1792"/>
+                </a:lnTo>
+                <a:lnTo>
+                  <a:pt x="0" y="3557"/>
+                </a:lnTo>
+                <a:lnTo>
+                  <a:pt x="5668" y="3557"/>
+                </a:lnTo>
+                <a:lnTo>
+                  <a:pt x="7143" y="1792"/>
+                </a:lnTo>
+                <a:lnTo>
+                  <a:pt x="5668" y="0"/>
+                </a:lnTo>
+              </a:path>
+            </a:pathLst>
+          </a:custGeom>
+          <a:solidFill>
+            <a:schemeClr val="accent6"/>
+          </a:solidFill>
+          <a:ln w="28575">
+            <a:solidFill>
+              <a:schemeClr val="bg1"/>
+            </a:solidFill>
+          </a:ln>
+          <a:effectLst>
+            <a:outerShdw blurRad="152400" dist="63500" dir="8100000" algn="tr" rotWithShape="0">
+              <a:prstClr val="black">
+                <a:alpha val="26000"/>
+              </a:prstClr>
+            </a:outerShdw>
+          </a:effectLst>
+        </p:spPr>
+        <p:style>
+          <a:lnRef idx="2">
+            <a:schemeClr val="accent1">
+              <a:shade val="50000"/>
+            </a:schemeClr>
+          </a:lnRef>
+          <a:fillRef idx="1">
+            <a:schemeClr val="accent1"/>
+          </a:fillRef>
+          <a:effectRef idx="0">
+            <a:schemeClr val="accent1"/>
+          </a:effectRef>
+          <a:fontRef idx="minor">
+            <a:schemeClr val="lt1"/>
+          </a:fontRef>
+        </p:style>
+        <p:txBody>
+          <a:bodyPr anchor="ctr"/>
+          <a:lstStyle/>
+          <a:p>
+            <a:pPr algn="ctr" eaLnBrk="1" fontAlgn="auto" hangingPunct="1">
+              <a:spcBef>
+                <a:spcPts val="0"/>
+              </a:spcBef>
+              <a:spcAft>
+                <a:spcPts val="0"/>
+              </a:spcAft>
+              <a:defRPr/>
+            </a:pPr>
+            <a:r>
+              <a:rPr lang="zh-CN" altLang="en-US" sz="2400">
+                <a:solidFill>
+                  <a:schemeClr val="tx1"/>
+                </a:solidFill>
+                <a:effectLst>
+                  <a:outerShdw blurRad="38100" dist="19050" dir="2700000" algn="tl" rotWithShape="0">
+                    <a:schemeClr val="dk1">
+                      <a:alpha val="40000"/>
+                    </a:schemeClr>
+                  </a:outerShdw>
+                </a:effectLst>
+                <a:sym typeface="Arial" panose="020B0604020202020204" pitchFamily="34" charset="0"/>
+              </a:rPr>
+              <a:t>投影变换</a:t>
+            </a:r>
+            <a:endParaRPr lang="zh-CN" altLang="en-US" sz="2400">
+              <a:solidFill>
+                <a:schemeClr val="tx1"/>
+              </a:solidFill>
+              <a:effectLst>
+                <a:outerShdw blurRad="38100" dist="19050" dir="2700000" algn="tl" rotWithShape="0">
+                  <a:schemeClr val="dk1">
+                    <a:alpha val="40000"/>
+                  </a:schemeClr>
+                </a:outerShdw>
+              </a:effectLst>
+              <a:sym typeface="Arial" panose="020B0604020202020204" pitchFamily="34" charset="0"/>
+            </a:endParaRPr>
+          </a:p>
+        </p:txBody>
+      </p:sp>
+      <p:sp>
+        <p:nvSpPr>
+          <p:cNvPr id="41" name="Freeform 1"/>
+          <p:cNvSpPr>
+            <a:spLocks noChangeArrowheads="1"/>
+          </p:cNvSpPr>
+          <p:nvPr/>
+        </p:nvSpPr>
+        <p:spPr bwMode="auto">
+          <a:xfrm>
+            <a:off x="1469390" y="19685"/>
+            <a:ext cx="1784985" cy="443230"/>
+          </a:xfrm>
+          <a:custGeom>
+            <a:avLst/>
+            <a:gdLst>
+              <a:gd name="T0" fmla="*/ 5639 w 7144"/>
+              <a:gd name="T1" fmla="*/ 0 h 3558"/>
+              <a:gd name="T2" fmla="*/ 0 w 7144"/>
+              <a:gd name="T3" fmla="*/ 0 h 3558"/>
+              <a:gd name="T4" fmla="*/ 1475 w 7144"/>
+              <a:gd name="T5" fmla="*/ 1792 h 3558"/>
+              <a:gd name="T6" fmla="*/ 0 w 7144"/>
+              <a:gd name="T7" fmla="*/ 3557 h 3558"/>
+              <a:gd name="T8" fmla="*/ 5669 w 7144"/>
+              <a:gd name="T9" fmla="*/ 3557 h 3558"/>
+              <a:gd name="T10" fmla="*/ 7143 w 7144"/>
+              <a:gd name="T11" fmla="*/ 1792 h 3558"/>
+              <a:gd name="T12" fmla="*/ 5639 w 7144"/>
+              <a:gd name="T13" fmla="*/ 0 h 3558"/>
+            </a:gdLst>
+            <a:ahLst/>
+            <a:cxnLst>
+              <a:cxn ang="0">
+                <a:pos x="T0" y="T1"/>
+              </a:cxn>
+              <a:cxn ang="0">
+                <a:pos x="T2" y="T3"/>
+              </a:cxn>
+              <a:cxn ang="0">
+                <a:pos x="T4" y="T5"/>
+              </a:cxn>
+              <a:cxn ang="0">
+                <a:pos x="T6" y="T7"/>
+              </a:cxn>
+              <a:cxn ang="0">
+                <a:pos x="T8" y="T9"/>
+              </a:cxn>
+              <a:cxn ang="0">
+                <a:pos x="T10" y="T11"/>
+              </a:cxn>
+              <a:cxn ang="0">
+                <a:pos x="T12" y="T13"/>
+              </a:cxn>
+            </a:cxnLst>
+            <a:rect l="0" t="0" r="r" b="b"/>
+            <a:pathLst>
+              <a:path w="7144" h="3558">
+                <a:moveTo>
+                  <a:pt x="5639" y="0"/>
+                </a:moveTo>
+                <a:lnTo>
+                  <a:pt x="0" y="0"/>
+                </a:lnTo>
+                <a:lnTo>
+                  <a:pt x="1475" y="1792"/>
+                </a:lnTo>
+                <a:lnTo>
+                  <a:pt x="0" y="3557"/>
+                </a:lnTo>
+                <a:lnTo>
+                  <a:pt x="5669" y="3557"/>
+                </a:lnTo>
+                <a:lnTo>
+                  <a:pt x="7143" y="1792"/>
+                </a:lnTo>
+                <a:lnTo>
+                  <a:pt x="5639" y="0"/>
+                </a:lnTo>
+              </a:path>
+            </a:pathLst>
+          </a:custGeom>
+          <a:solidFill>
+            <a:srgbClr val="6CAE43"/>
+          </a:solidFill>
+          <a:ln w="28575">
+            <a:solidFill>
+              <a:schemeClr val="bg1"/>
+            </a:solidFill>
+          </a:ln>
+          <a:effectLst>
+            <a:outerShdw blurRad="152400" dist="63500" dir="8100000" algn="tr" rotWithShape="0">
+              <a:prstClr val="black">
+                <a:alpha val="26000"/>
+              </a:prstClr>
+            </a:outerShdw>
+          </a:effectLst>
+        </p:spPr>
+        <p:style>
+          <a:lnRef idx="2">
+            <a:schemeClr val="accent1">
+              <a:shade val="50000"/>
+            </a:schemeClr>
+          </a:lnRef>
+          <a:fillRef idx="1">
+            <a:schemeClr val="accent1"/>
+          </a:fillRef>
+          <a:effectRef idx="0">
+            <a:schemeClr val="accent1"/>
+          </a:effectRef>
+          <a:fontRef idx="minor">
+            <a:schemeClr val="lt1"/>
+          </a:fontRef>
+        </p:style>
+        <p:txBody>
+          <a:bodyPr anchor="ctr"/>
+          <a:lstStyle/>
+          <a:p>
+            <a:pPr algn="ctr" eaLnBrk="1" fontAlgn="auto" hangingPunct="1">
+              <a:spcBef>
+                <a:spcPts val="0"/>
+              </a:spcBef>
+              <a:spcAft>
+                <a:spcPts val="0"/>
+              </a:spcAft>
+              <a:defRPr/>
+            </a:pPr>
+            <a:r>
+              <a:rPr lang="zh-CN" altLang="en-US" sz="2400">
+                <a:solidFill>
+                  <a:schemeClr val="tx1"/>
+                </a:solidFill>
+                <a:effectLst>
+                  <a:outerShdw blurRad="38100" dist="19050" dir="2700000" algn="tl" rotWithShape="0">
+                    <a:schemeClr val="dk1">
+                      <a:alpha val="40000"/>
+                    </a:schemeClr>
+                  </a:outerShdw>
+                </a:effectLst>
+                <a:sym typeface="Arial" panose="020B0604020202020204" pitchFamily="34" charset="0"/>
+              </a:rPr>
+              <a:t>相机变换</a:t>
+            </a:r>
+            <a:endParaRPr lang="zh-CN" altLang="en-US" sz="2400">
+              <a:solidFill>
+                <a:schemeClr val="tx1"/>
+              </a:solidFill>
+              <a:effectLst>
+                <a:outerShdw blurRad="38100" dist="19050" dir="2700000" algn="tl" rotWithShape="0">
+                  <a:schemeClr val="dk1">
+                    <a:alpha val="40000"/>
+                  </a:schemeClr>
+                </a:outerShdw>
+              </a:effectLst>
+              <a:sym typeface="Arial" panose="020B0604020202020204" pitchFamily="34" charset="0"/>
+            </a:endParaRPr>
+          </a:p>
+        </p:txBody>
+      </p:sp>
+      <p:sp>
+        <p:nvSpPr>
+          <p:cNvPr id="42" name="Freeform 1"/>
+          <p:cNvSpPr>
+            <a:spLocks noChangeArrowheads="1"/>
+          </p:cNvSpPr>
+          <p:nvPr/>
+        </p:nvSpPr>
+        <p:spPr bwMode="auto">
+          <a:xfrm>
+            <a:off x="-2540" y="19685"/>
+            <a:ext cx="1796415" cy="445770"/>
+          </a:xfrm>
+          <a:custGeom>
+            <a:avLst/>
+            <a:gdLst>
+              <a:gd name="T0" fmla="*/ 5639 w 7144"/>
+              <a:gd name="T1" fmla="*/ 0 h 3558"/>
+              <a:gd name="T2" fmla="*/ 0 w 7144"/>
+              <a:gd name="T3" fmla="*/ 0 h 3558"/>
+              <a:gd name="T4" fmla="*/ 1475 w 7144"/>
+              <a:gd name="T5" fmla="*/ 1792 h 3558"/>
+              <a:gd name="T6" fmla="*/ 0 w 7144"/>
+              <a:gd name="T7" fmla="*/ 3557 h 3558"/>
+              <a:gd name="T8" fmla="*/ 5669 w 7144"/>
+              <a:gd name="T9" fmla="*/ 3557 h 3558"/>
+              <a:gd name="T10" fmla="*/ 7143 w 7144"/>
+              <a:gd name="T11" fmla="*/ 1792 h 3558"/>
+              <a:gd name="T12" fmla="*/ 5639 w 7144"/>
+              <a:gd name="T13" fmla="*/ 0 h 3558"/>
+            </a:gdLst>
+            <a:ahLst/>
+            <a:cxnLst>
+              <a:cxn ang="0">
+                <a:pos x="T0" y="T1"/>
+              </a:cxn>
+              <a:cxn ang="0">
+                <a:pos x="T2" y="T3"/>
+              </a:cxn>
+              <a:cxn ang="0">
+                <a:pos x="T4" y="T5"/>
+              </a:cxn>
+              <a:cxn ang="0">
+                <a:pos x="T6" y="T7"/>
+              </a:cxn>
+              <a:cxn ang="0">
+                <a:pos x="T8" y="T9"/>
+              </a:cxn>
+              <a:cxn ang="0">
+                <a:pos x="T10" y="T11"/>
+              </a:cxn>
+              <a:cxn ang="0">
+                <a:pos x="T12" y="T13"/>
+              </a:cxn>
+            </a:cxnLst>
+            <a:rect l="0" t="0" r="r" b="b"/>
+            <a:pathLst>
+              <a:path w="7144" h="3558">
+                <a:moveTo>
+                  <a:pt x="5639" y="0"/>
+                </a:moveTo>
+                <a:lnTo>
+                  <a:pt x="0" y="0"/>
+                </a:lnTo>
+                <a:lnTo>
+                  <a:pt x="1475" y="1792"/>
+                </a:lnTo>
+                <a:lnTo>
+                  <a:pt x="0" y="3557"/>
+                </a:lnTo>
+                <a:lnTo>
+                  <a:pt x="5669" y="3557"/>
+                </a:lnTo>
+                <a:lnTo>
+                  <a:pt x="7143" y="1792"/>
+                </a:lnTo>
+                <a:lnTo>
+                  <a:pt x="5639" y="0"/>
+                </a:lnTo>
+              </a:path>
+            </a:pathLst>
+          </a:custGeom>
+          <a:solidFill>
+            <a:srgbClr val="6CAE43"/>
+          </a:solidFill>
+          <a:ln w="28575">
+            <a:solidFill>
+              <a:schemeClr val="bg1"/>
+            </a:solidFill>
+          </a:ln>
+          <a:effectLst>
+            <a:outerShdw blurRad="152400" dist="63500" dir="8100000" algn="tr" rotWithShape="0">
+              <a:prstClr val="black">
+                <a:alpha val="26000"/>
+              </a:prstClr>
+            </a:outerShdw>
+          </a:effectLst>
+        </p:spPr>
+        <p:style>
+          <a:lnRef idx="2">
+            <a:schemeClr val="accent1">
+              <a:shade val="50000"/>
+            </a:schemeClr>
+          </a:lnRef>
+          <a:fillRef idx="1">
+            <a:schemeClr val="accent1"/>
+          </a:fillRef>
+          <a:effectRef idx="0">
+            <a:schemeClr val="accent1"/>
+          </a:effectRef>
+          <a:fontRef idx="minor">
+            <a:schemeClr val="lt1"/>
+          </a:fontRef>
+        </p:style>
+        <p:txBody>
+          <a:bodyPr anchor="ctr"/>
+          <a:lstStyle/>
+          <a:p>
+            <a:pPr algn="ctr" eaLnBrk="1" fontAlgn="auto" hangingPunct="1">
+              <a:spcBef>
+                <a:spcPts val="0"/>
+              </a:spcBef>
+              <a:spcAft>
+                <a:spcPts val="0"/>
+              </a:spcAft>
+              <a:defRPr/>
+            </a:pPr>
+            <a:r>
+              <a:rPr lang="zh-CN" sz="2400">
+                <a:solidFill>
+                  <a:schemeClr val="tx1"/>
+                </a:solidFill>
+                <a:effectLst>
+                  <a:outerShdw blurRad="38100" dist="19050" dir="2700000" algn="tl" rotWithShape="0">
+                    <a:schemeClr val="dk1">
+                      <a:alpha val="40000"/>
+                    </a:schemeClr>
+                  </a:outerShdw>
+                </a:effectLst>
+                <a:sym typeface="Arial" panose="020B0604020202020204" pitchFamily="34" charset="0"/>
+              </a:rPr>
+              <a:t>模型变换</a:t>
+            </a:r>
+            <a:endParaRPr lang="zh-CN" sz="2400">
+              <a:solidFill>
+                <a:schemeClr val="tx1"/>
+              </a:solidFill>
+              <a:effectLst>
+                <a:outerShdw blurRad="38100" dist="19050" dir="2700000" algn="tl" rotWithShape="0">
+                  <a:schemeClr val="dk1">
+                    <a:alpha val="40000"/>
+                  </a:schemeClr>
+                </a:outerShdw>
+              </a:effectLst>
+              <a:sym typeface="Arial" panose="020B0604020202020204" pitchFamily="34" charset="0"/>
+            </a:endParaRPr>
+          </a:p>
+        </p:txBody>
+      </p:sp>
+      <p:pic>
+        <p:nvPicPr>
+          <p:cNvPr id="2" name="图片 1"/>
+          <p:cNvPicPr>
+            <a:picLocks noChangeAspect="1"/>
+          </p:cNvPicPr>
+          <p:nvPr/>
+        </p:nvPicPr>
+        <p:blipFill>
+          <a:blip r:embed="rId2"/>
+          <a:stretch>
+            <a:fillRect/>
+          </a:stretch>
+        </p:blipFill>
+        <p:spPr>
+          <a:xfrm>
+            <a:off x="6176645" y="561975"/>
+            <a:ext cx="2790825" cy="1680210"/>
+          </a:xfrm>
+          <a:prstGeom prst="rect">
+            <a:avLst/>
+          </a:prstGeom>
+        </p:spPr>
+      </p:pic>
+    </p:spTree>
+  </p:cSld>
+  <p:clrMapOvr>
+    <a:masterClrMapping/>
+  </p:clrMapOvr>
+  <p:transition/>
   <p:timing>
     <p:tnLst>
       <p:par>
@@ -29056,14 +28935,7 @@
   <p:clrMapOvr>
     <a:masterClrMapping/>
   </p:clrMapOvr>
-  <mc:AlternateContent xmlns:mc="http://schemas.openxmlformats.org/markup-compatibility/2006">
-    <mc:Choice xmlns:p14="http://schemas.microsoft.com/office/powerpoint/2010/main" Requires="p14">
-      <p:transition p14:dur="9"/>
-    </mc:Choice>
-    <mc:Fallback>
-      <p:transition/>
-    </mc:Fallback>
-  </mc:AlternateContent>
+  <p:transition/>
   <p:timing>
     <p:tnLst>
       <p:par>
@@ -29103,7 +28975,7 @@
         </p:nvSpPr>
         <p:spPr>
           <a:xfrm>
-            <a:off x="622800" y="1332000"/>
+            <a:off x="623888" y="1332000"/>
             <a:ext cx="7886700" cy="4946400"/>
           </a:xfrm>
         </p:spPr>
@@ -29112,269 +28984,106 @@
           <a:lstStyle/>
           <a:p>
             <a:r>
-              <a:rPr lang="en-US" altLang="zh-CN">
-                <a:solidFill>
-                  <a:schemeClr val="tx1"/>
-                </a:solidFill>
-                <a:sym typeface="+mn-ea"/>
-              </a:rPr>
-              <a:t>4.Cohen-Sutherland</a:t>
-            </a:r>
-            <a:r>
-              <a:rPr lang="zh-CN" altLang="zh-CN">
-                <a:solidFill>
-                  <a:schemeClr val="tx1"/>
-                </a:solidFill>
-                <a:sym typeface="+mn-ea"/>
-              </a:rPr>
-              <a:t>直线裁剪</a:t>
-            </a:r>
-            <a:endParaRPr lang="zh-CN" altLang="zh-CN">
+              <a:rPr lang="en-US" altLang="zh-CN" dirty="0" smtClean="0">
+                <a:solidFill>
+                  <a:schemeClr val="tx1"/>
+                </a:solidFill>
+              </a:rPr>
+              <a:t>1. </a:t>
+            </a:r>
+            <a:r>
+              <a:rPr lang="zh-CN" altLang="en-US" dirty="0" smtClean="0">
+                <a:solidFill>
+                  <a:schemeClr val="tx1"/>
+                </a:solidFill>
+              </a:rPr>
+              <a:t>光栅化</a:t>
+            </a:r>
+            <a:endParaRPr lang="en-US" altLang="zh-CN" dirty="0" smtClean="0">
               <a:solidFill>
                 <a:schemeClr val="tx1"/>
               </a:solidFill>
-              <a:sym typeface="+mn-ea"/>
             </a:endParaRPr>
           </a:p>
           <a:p>
             <a:r>
-              <a:rPr lang="zh-CN" altLang="zh-CN">
-                <a:solidFill>
-                  <a:schemeClr val="tx1"/>
-                </a:solidFill>
-                <a:sym typeface="+mn-ea"/>
-              </a:rPr>
-              <a:t>两端点逻辑或为</a:t>
-            </a:r>
-            <a:r>
-              <a:rPr lang="en-US" altLang="zh-CN">
-                <a:solidFill>
-                  <a:schemeClr val="tx1"/>
-                </a:solidFill>
-                <a:sym typeface="+mn-ea"/>
-              </a:rPr>
-              <a:t>0</a:t>
-            </a:r>
-            <a:r>
-              <a:rPr lang="zh-CN" altLang="en-US">
-                <a:solidFill>
-                  <a:schemeClr val="tx1"/>
-                </a:solidFill>
-                <a:sym typeface="+mn-ea"/>
-              </a:rPr>
-              <a:t>，完全接受</a:t>
-            </a:r>
-            <a:endParaRPr lang="zh-CN" altLang="en-US">
+              <a:rPr lang="zh-CN" altLang="en-US" dirty="0" smtClean="0">
+                <a:solidFill>
+                  <a:schemeClr val="tx1"/>
+                </a:solidFill>
+              </a:rPr>
+              <a:t>从一个投影场景生成网格颜色样本。</a:t>
+            </a:r>
+            <a:r>
+              <a:rPr lang="en-US" altLang="zh-CN" dirty="0" smtClean="0">
+                <a:solidFill>
+                  <a:schemeClr val="tx1"/>
+                </a:solidFill>
+              </a:rPr>
+              <a:t>1600</a:t>
+            </a:r>
+            <a:r>
+              <a:rPr lang="zh-CN" altLang="en-US" dirty="0" smtClean="0">
+                <a:solidFill>
+                  <a:schemeClr val="tx1"/>
+                </a:solidFill>
+              </a:rPr>
+              <a:t>宽，</a:t>
+            </a:r>
+            <a:r>
+              <a:rPr lang="en-US" altLang="zh-CN" dirty="0" smtClean="0">
+                <a:solidFill>
+                  <a:schemeClr val="tx1"/>
+                </a:solidFill>
+              </a:rPr>
+              <a:t>1200</a:t>
+            </a:r>
+            <a:r>
+              <a:rPr lang="zh-CN" altLang="en-US" dirty="0" smtClean="0">
+                <a:solidFill>
+                  <a:schemeClr val="tx1"/>
+                </a:solidFill>
+              </a:rPr>
+              <a:t>高的显示器有</a:t>
+            </a:r>
+            <a:r>
+              <a:rPr lang="en-US" altLang="zh-CN" dirty="0" smtClean="0">
+                <a:solidFill>
+                  <a:schemeClr val="tx1"/>
+                </a:solidFill>
+              </a:rPr>
+              <a:t>1 920 000</a:t>
+            </a:r>
+            <a:r>
+              <a:rPr lang="zh-CN" altLang="en-US" dirty="0" smtClean="0">
+                <a:solidFill>
+                  <a:schemeClr val="tx1"/>
+                </a:solidFill>
+              </a:rPr>
+              <a:t>个像素点。</a:t>
+            </a:r>
+            <a:endParaRPr lang="en-US" altLang="zh-CN" dirty="0" smtClean="0">
               <a:solidFill>
                 <a:schemeClr val="tx1"/>
               </a:solidFill>
-              <a:sym typeface="+mn-ea"/>
             </a:endParaRPr>
           </a:p>
           <a:p>
-            <a:r>
-              <a:rPr lang="zh-CN" altLang="en-US">
-                <a:solidFill>
-                  <a:schemeClr val="tx1"/>
-                </a:solidFill>
-                <a:sym typeface="+mn-ea"/>
-              </a:rPr>
-              <a:t>两端点逻辑与非</a:t>
-            </a:r>
-            <a:r>
-              <a:rPr lang="en-US" altLang="zh-CN">
-                <a:solidFill>
-                  <a:schemeClr val="tx1"/>
-                </a:solidFill>
-                <a:sym typeface="+mn-ea"/>
-              </a:rPr>
-              <a:t>0</a:t>
-            </a:r>
-            <a:r>
-              <a:rPr lang="zh-CN" altLang="en-US">
-                <a:solidFill>
-                  <a:schemeClr val="tx1"/>
-                </a:solidFill>
-                <a:sym typeface="+mn-ea"/>
-              </a:rPr>
-              <a:t>，完全拒绝</a:t>
-            </a:r>
-            <a:endParaRPr lang="zh-CN" altLang="en-US">
+            <a:endParaRPr lang="en-US" altLang="zh-CN" dirty="0">
               <a:solidFill>
                 <a:schemeClr val="tx1"/>
               </a:solidFill>
-              <a:sym typeface="+mn-ea"/>
             </a:endParaRPr>
           </a:p>
           <a:p>
-            <a:r>
-              <a:rPr lang="zh-CN" altLang="zh-CN">
-                <a:solidFill>
-                  <a:schemeClr val="tx1"/>
-                </a:solidFill>
-                <a:sym typeface="+mn-ea"/>
-              </a:rPr>
-              <a:t>其他情况确定方程求解，</a:t>
-            </a:r>
-            <a:r>
-              <a:rPr lang="zh-CN" altLang="en-US">
-                <a:solidFill>
-                  <a:schemeClr val="tx1"/>
-                </a:solidFill>
-                <a:sym typeface="+mn-ea"/>
-              </a:rPr>
-              <a:t>区域码</a:t>
-            </a:r>
-            <a:r>
-              <a:rPr lang="zh-CN" altLang="zh-CN">
-                <a:solidFill>
-                  <a:schemeClr val="tx1"/>
-                </a:solidFill>
-                <a:sym typeface="+mn-ea"/>
-              </a:rPr>
-              <a:t>一个</a:t>
-            </a:r>
-            <a:r>
-              <a:rPr lang="en-US" altLang="zh-CN">
-                <a:solidFill>
-                  <a:schemeClr val="tx1"/>
-                </a:solidFill>
-                <a:sym typeface="+mn-ea"/>
-              </a:rPr>
-              <a:t>0</a:t>
-            </a:r>
-            <a:r>
-              <a:rPr lang="zh-CN" altLang="en-US">
-                <a:solidFill>
-                  <a:schemeClr val="tx1"/>
-                </a:solidFill>
-                <a:sym typeface="+mn-ea"/>
-              </a:rPr>
-              <a:t>另一个</a:t>
-            </a:r>
-            <a:r>
-              <a:rPr lang="en-US" altLang="zh-CN">
-                <a:solidFill>
-                  <a:schemeClr val="tx1"/>
-                </a:solidFill>
-                <a:sym typeface="+mn-ea"/>
-              </a:rPr>
-              <a:t>1</a:t>
-            </a:r>
-            <a:r>
-              <a:rPr lang="zh-CN" altLang="en-US">
-                <a:solidFill>
-                  <a:schemeClr val="tx1"/>
-                </a:solidFill>
-                <a:sym typeface="+mn-ea"/>
-              </a:rPr>
-              <a:t>说明穿越边界</a:t>
-            </a:r>
-            <a:endParaRPr lang="zh-CN" altLang="zh-CN">
+            <a:endParaRPr lang="en-US" altLang="zh-CN" dirty="0">
               <a:solidFill>
                 <a:schemeClr val="tx1"/>
               </a:solidFill>
-              <a:sym typeface="+mn-ea"/>
-            </a:endParaRPr>
-          </a:p>
-          <a:p>
-            <a:endParaRPr lang="en-US" altLang="zh-CN">
-              <a:solidFill>
-                <a:schemeClr val="tx1"/>
-              </a:solidFill>
-              <a:sym typeface="+mn-ea"/>
-            </a:endParaRPr>
-          </a:p>
-          <a:p>
-            <a:endParaRPr lang="zh-CN" altLang="en-US">
-              <a:solidFill>
-                <a:schemeClr val="tx1"/>
-              </a:solidFill>
-              <a:sym typeface="+mn-ea"/>
-            </a:endParaRPr>
-          </a:p>
-          <a:p>
-            <a:endParaRPr lang="zh-CN" altLang="zh-CN">
-              <a:solidFill>
-                <a:schemeClr val="tx1"/>
-              </a:solidFill>
-              <a:sym typeface="+mn-ea"/>
-            </a:endParaRPr>
-          </a:p>
-          <a:p>
-            <a:endParaRPr lang="zh-CN" altLang="en-US">
-              <a:solidFill>
-                <a:schemeClr val="tx1"/>
-              </a:solidFill>
-              <a:sym typeface="+mn-ea"/>
-            </a:endParaRPr>
-          </a:p>
-          <a:p>
-            <a:endParaRPr lang="zh-CN" altLang="en-US">
-              <a:solidFill>
-                <a:schemeClr val="tx1"/>
-              </a:solidFill>
-              <a:sym typeface="+mn-ea"/>
-            </a:endParaRPr>
-          </a:p>
-          <a:p>
-            <a:endParaRPr lang="zh-CN" altLang="en-US">
-              <a:solidFill>
-                <a:schemeClr val="tx1"/>
-              </a:solidFill>
-              <a:sym typeface="+mn-ea"/>
-            </a:endParaRPr>
-          </a:p>
-          <a:p>
-            <a:endParaRPr lang="en-US" altLang="zh-CN">
-              <a:solidFill>
-                <a:schemeClr val="tx1"/>
-              </a:solidFill>
-              <a:sym typeface="+mn-ea"/>
-            </a:endParaRPr>
-          </a:p>
-          <a:p>
-            <a:endParaRPr lang="zh-CN" altLang="en-US">
-              <a:solidFill>
-                <a:schemeClr val="tx1"/>
-              </a:solidFill>
-              <a:sym typeface="+mn-ea"/>
-            </a:endParaRPr>
-          </a:p>
-          <a:p>
-            <a:endParaRPr lang="zh-CN" altLang="en-US">
-              <a:solidFill>
-                <a:schemeClr val="tx1"/>
-              </a:solidFill>
-              <a:sym typeface="+mn-ea"/>
             </a:endParaRPr>
           </a:p>
         </p:txBody>
       </p:sp>
-      <p:pic>
-        <p:nvPicPr>
-          <p:cNvPr id="4" name="图片 3"/>
-          <p:cNvPicPr>
-            <a:picLocks noChangeAspect="1"/>
-          </p:cNvPicPr>
-          <p:nvPr/>
-        </p:nvPicPr>
-        <p:blipFill>
-          <a:blip r:embed="rId1"/>
-          <a:stretch>
-            <a:fillRect/>
-          </a:stretch>
-        </p:blipFill>
-        <p:spPr>
-          <a:xfrm>
-            <a:off x="1469390" y="3109595"/>
-            <a:ext cx="5271770" cy="3419475"/>
-          </a:xfrm>
-          <a:prstGeom prst="rect">
-            <a:avLst/>
-          </a:prstGeom>
-        </p:spPr>
-      </p:pic>
       <p:sp>
         <p:nvSpPr>
           <p:cNvPr id="35" name="矩形 34"/>
@@ -29429,7 +29138,7 @@
               <a:rPr lang="en-US" altLang="zh-CN" dirty="0">
                 <a:ea typeface="微软雅黑" panose="020B0503020204020204" pitchFamily="34" charset="-122"/>
               </a:rPr>
-              <a:t>5</a:t>
+              <a:t>6</a:t>
             </a:r>
             <a:endParaRPr lang="en-US" altLang="zh-CN" dirty="0">
               <a:ea typeface="微软雅黑" panose="020B0503020204020204" pitchFamily="34" charset="-122"/>
@@ -29660,13 +29369,13 @@
               <a:buNone/>
             </a:pPr>
             <a:r>
-              <a:rPr lang="zh-CN" altLang="zh-CN" sz="2000" b="1">
+              <a:rPr lang="en-US" altLang="zh-CN" sz="2000" b="1">
                 <a:latin typeface="微软雅黑" panose="020B0503020204020204" pitchFamily="34" charset="-122"/>
                 <a:ea typeface="微软雅黑" panose="020B0503020204020204" pitchFamily="34" charset="-122"/>
               </a:rPr>
-              <a:t>裁剪</a:t>
-            </a:r>
-            <a:endParaRPr lang="zh-CN" altLang="zh-CN" sz="2000" b="1">
+              <a:t>光栅化</a:t>
+            </a:r>
+            <a:endParaRPr lang="en-US" altLang="zh-CN" sz="2000" b="1">
               <a:latin typeface="微软雅黑" panose="020B0503020204020204" pitchFamily="34" charset="-122"/>
               <a:ea typeface="微软雅黑" panose="020B0503020204020204" pitchFamily="34" charset="-122"/>
             </a:endParaRPr>
@@ -29751,6 +29460,165 @@
                 </a:lnTo>
                 <a:lnTo>
                   <a:pt x="5668" y="0"/>
+                </a:lnTo>
+              </a:path>
+            </a:pathLst>
+          </a:custGeom>
+          <a:solidFill>
+            <a:schemeClr val="accent2"/>
+          </a:solidFill>
+          <a:ln w="28575">
+            <a:solidFill>
+              <a:schemeClr val="bg1"/>
+            </a:solidFill>
+          </a:ln>
+          <a:effectLst>
+            <a:outerShdw blurRad="152400" dist="63500" dir="8100000" algn="tr" rotWithShape="0">
+              <a:prstClr val="black">
+                <a:alpha val="26000"/>
+              </a:prstClr>
+            </a:outerShdw>
+          </a:effectLst>
+        </p:spPr>
+        <p:style>
+          <a:lnRef idx="2">
+            <a:schemeClr val="accent1">
+              <a:shade val="50000"/>
+            </a:schemeClr>
+          </a:lnRef>
+          <a:fillRef idx="1">
+            <a:schemeClr val="accent1"/>
+          </a:fillRef>
+          <a:effectRef idx="0">
+            <a:schemeClr val="accent1"/>
+          </a:effectRef>
+          <a:fontRef idx="minor">
+            <a:schemeClr val="lt1"/>
+          </a:fontRef>
+        </p:style>
+        <p:txBody>
+          <a:bodyPr anchor="ctr"/>
+          <a:lstStyle/>
+          <a:p>
+            <a:pPr algn="ctr" eaLnBrk="1" fontAlgn="auto" hangingPunct="1">
+              <a:spcBef>
+                <a:spcPts val="0"/>
+              </a:spcBef>
+              <a:spcAft>
+                <a:spcPts val="0"/>
+              </a:spcAft>
+              <a:defRPr/>
+            </a:pPr>
+            <a:r>
+              <a:rPr lang="zh-CN" altLang="en-US" sz="2400" dirty="0">
+                <a:solidFill>
+                  <a:schemeClr val="tx1"/>
+                </a:solidFill>
+                <a:effectLst>
+                  <a:outerShdw blurRad="38100" dist="19050" dir="2700000" algn="tl" rotWithShape="0">
+                    <a:schemeClr val="dk1">
+                      <a:alpha val="40000"/>
+                    </a:schemeClr>
+                  </a:outerShdw>
+                </a:effectLst>
+                <a:sym typeface="Arial" panose="020B0604020202020204" pitchFamily="34" charset="0"/>
+              </a:rPr>
+              <a:t>光栅化</a:t>
+            </a:r>
+            <a:endParaRPr lang="zh-CN" altLang="en-US" sz="2400" dirty="0">
+              <a:solidFill>
+                <a:schemeClr val="tx1"/>
+              </a:solidFill>
+              <a:effectLst>
+                <a:outerShdw blurRad="38100" dist="19050" dir="2700000" algn="tl" rotWithShape="0">
+                  <a:schemeClr val="dk1">
+                    <a:alpha val="40000"/>
+                  </a:schemeClr>
+                </a:outerShdw>
+              </a:effectLst>
+              <a:sym typeface="Arial" panose="020B0604020202020204" pitchFamily="34" charset="0"/>
+            </a:endParaRPr>
+          </a:p>
+        </p:txBody>
+      </p:sp>
+      <p:sp>
+        <p:nvSpPr>
+          <p:cNvPr id="23" name="Freeform 1"/>
+          <p:cNvSpPr>
+            <a:spLocks noChangeArrowheads="1"/>
+          </p:cNvSpPr>
+          <p:nvPr/>
+        </p:nvSpPr>
+        <p:spPr bwMode="auto">
+          <a:xfrm>
+            <a:off x="5852160" y="23495"/>
+            <a:ext cx="1786255" cy="443230"/>
+          </a:xfrm>
+          <a:custGeom>
+            <a:avLst/>
+            <a:gdLst>
+              <a:gd name="T0" fmla="*/ 5639 w 7144"/>
+              <a:gd name="T1" fmla="*/ 0 h 3558"/>
+              <a:gd name="T2" fmla="*/ 0 w 7144"/>
+              <a:gd name="T3" fmla="*/ 0 h 3558"/>
+              <a:gd name="T4" fmla="*/ 1475 w 7144"/>
+              <a:gd name="T5" fmla="*/ 1792 h 3558"/>
+              <a:gd name="T6" fmla="*/ 0 w 7144"/>
+              <a:gd name="T7" fmla="*/ 3557 h 3558"/>
+              <a:gd name="T8" fmla="*/ 5669 w 7144"/>
+              <a:gd name="T9" fmla="*/ 3557 h 3558"/>
+              <a:gd name="T10" fmla="*/ 7143 w 7144"/>
+              <a:gd name="T11" fmla="*/ 1792 h 3558"/>
+              <a:gd name="T12" fmla="*/ 5639 w 7144"/>
+              <a:gd name="T13" fmla="*/ 0 h 3558"/>
+            </a:gdLst>
+            <a:ahLst/>
+            <a:cxnLst>
+              <a:cxn ang="0">
+                <a:pos x="T0" y="T1"/>
+              </a:cxn>
+              <a:cxn ang="0">
+                <a:pos x="T2" y="T3"/>
+              </a:cxn>
+              <a:cxn ang="0">
+                <a:pos x="T4" y="T5"/>
+              </a:cxn>
+              <a:cxn ang="0">
+                <a:pos x="T6" y="T7"/>
+              </a:cxn>
+              <a:cxn ang="0">
+                <a:pos x="T8" y="T9"/>
+              </a:cxn>
+              <a:cxn ang="0">
+                <a:pos x="T10" y="T11"/>
+              </a:cxn>
+              <a:cxn ang="0">
+                <a:pos x="T12" y="T13"/>
+              </a:cxn>
+            </a:cxnLst>
+            <a:rect l="0" t="0" r="r" b="b"/>
+            <a:pathLst>
+              <a:path w="7144" h="3558">
+                <a:moveTo>
+                  <a:pt x="5639" y="0"/>
+                </a:moveTo>
+                <a:lnTo>
+                  <a:pt x="0" y="0"/>
+                </a:lnTo>
+                <a:lnTo>
+                  <a:pt x="1475" y="1792"/>
+                </a:lnTo>
+                <a:lnTo>
+                  <a:pt x="0" y="3557"/>
+                </a:lnTo>
+                <a:lnTo>
+                  <a:pt x="5669" y="3557"/>
+                </a:lnTo>
+                <a:lnTo>
+                  <a:pt x="7143" y="1792"/>
+                </a:lnTo>
+                <a:lnTo>
+                  <a:pt x="5639" y="0"/>
                 </a:lnTo>
               </a:path>
             </a:pathLst>
@@ -29814,165 +29682,6 @@
                 </a:effectLst>
                 <a:sym typeface="Arial" panose="020B0604020202020204" pitchFamily="34" charset="0"/>
               </a:rPr>
-              <a:t>光栅化</a:t>
-            </a:r>
-            <a:endParaRPr lang="zh-CN" altLang="en-US" sz="2400">
-              <a:solidFill>
-                <a:schemeClr val="tx1"/>
-              </a:solidFill>
-              <a:effectLst>
-                <a:outerShdw blurRad="38100" dist="19050" dir="2700000" algn="tl" rotWithShape="0">
-                  <a:schemeClr val="dk1">
-                    <a:alpha val="40000"/>
-                  </a:schemeClr>
-                </a:outerShdw>
-              </a:effectLst>
-              <a:sym typeface="Arial" panose="020B0604020202020204" pitchFamily="34" charset="0"/>
-            </a:endParaRPr>
-          </a:p>
-        </p:txBody>
-      </p:sp>
-      <p:sp>
-        <p:nvSpPr>
-          <p:cNvPr id="23" name="Freeform 1"/>
-          <p:cNvSpPr>
-            <a:spLocks noChangeArrowheads="1"/>
-          </p:cNvSpPr>
-          <p:nvPr/>
-        </p:nvSpPr>
-        <p:spPr bwMode="auto">
-          <a:xfrm>
-            <a:off x="5852160" y="23495"/>
-            <a:ext cx="1786255" cy="443230"/>
-          </a:xfrm>
-          <a:custGeom>
-            <a:avLst/>
-            <a:gdLst>
-              <a:gd name="T0" fmla="*/ 5639 w 7144"/>
-              <a:gd name="T1" fmla="*/ 0 h 3558"/>
-              <a:gd name="T2" fmla="*/ 0 w 7144"/>
-              <a:gd name="T3" fmla="*/ 0 h 3558"/>
-              <a:gd name="T4" fmla="*/ 1475 w 7144"/>
-              <a:gd name="T5" fmla="*/ 1792 h 3558"/>
-              <a:gd name="T6" fmla="*/ 0 w 7144"/>
-              <a:gd name="T7" fmla="*/ 3557 h 3558"/>
-              <a:gd name="T8" fmla="*/ 5669 w 7144"/>
-              <a:gd name="T9" fmla="*/ 3557 h 3558"/>
-              <a:gd name="T10" fmla="*/ 7143 w 7144"/>
-              <a:gd name="T11" fmla="*/ 1792 h 3558"/>
-              <a:gd name="T12" fmla="*/ 5639 w 7144"/>
-              <a:gd name="T13" fmla="*/ 0 h 3558"/>
-            </a:gdLst>
-            <a:ahLst/>
-            <a:cxnLst>
-              <a:cxn ang="0">
-                <a:pos x="T0" y="T1"/>
-              </a:cxn>
-              <a:cxn ang="0">
-                <a:pos x="T2" y="T3"/>
-              </a:cxn>
-              <a:cxn ang="0">
-                <a:pos x="T4" y="T5"/>
-              </a:cxn>
-              <a:cxn ang="0">
-                <a:pos x="T6" y="T7"/>
-              </a:cxn>
-              <a:cxn ang="0">
-                <a:pos x="T8" y="T9"/>
-              </a:cxn>
-              <a:cxn ang="0">
-                <a:pos x="T10" y="T11"/>
-              </a:cxn>
-              <a:cxn ang="0">
-                <a:pos x="T12" y="T13"/>
-              </a:cxn>
-            </a:cxnLst>
-            <a:rect l="0" t="0" r="r" b="b"/>
-            <a:pathLst>
-              <a:path w="7144" h="3558">
-                <a:moveTo>
-                  <a:pt x="5639" y="0"/>
-                </a:moveTo>
-                <a:lnTo>
-                  <a:pt x="0" y="0"/>
-                </a:lnTo>
-                <a:lnTo>
-                  <a:pt x="1475" y="1792"/>
-                </a:lnTo>
-                <a:lnTo>
-                  <a:pt x="0" y="3557"/>
-                </a:lnTo>
-                <a:lnTo>
-                  <a:pt x="5669" y="3557"/>
-                </a:lnTo>
-                <a:lnTo>
-                  <a:pt x="7143" y="1792"/>
-                </a:lnTo>
-                <a:lnTo>
-                  <a:pt x="5639" y="0"/>
-                </a:lnTo>
-              </a:path>
-            </a:pathLst>
-          </a:custGeom>
-          <a:solidFill>
-            <a:schemeClr val="accent2"/>
-          </a:solidFill>
-          <a:ln w="28575">
-            <a:solidFill>
-              <a:schemeClr val="bg1"/>
-            </a:solidFill>
-          </a:ln>
-          <a:effectLst>
-            <a:outerShdw blurRad="152400" dist="63500" dir="8100000" algn="tr" rotWithShape="0">
-              <a:prstClr val="black">
-                <a:alpha val="26000"/>
-              </a:prstClr>
-            </a:outerShdw>
-          </a:effectLst>
-        </p:spPr>
-        <p:style>
-          <a:lnRef idx="2">
-            <a:schemeClr val="accent1">
-              <a:shade val="50000"/>
-            </a:schemeClr>
-          </a:lnRef>
-          <a:fillRef idx="1">
-            <a:schemeClr val="accent1"/>
-          </a:fillRef>
-          <a:effectRef idx="0">
-            <a:schemeClr val="accent1"/>
-          </a:effectRef>
-          <a:fontRef idx="minor">
-            <a:schemeClr val="lt1"/>
-          </a:fontRef>
-        </p:style>
-        <p:txBody>
-          <a:bodyPr anchor="ctr"/>
-          <a:lstStyle/>
-          <a:p>
-            <a:pPr algn="ctr" eaLnBrk="1" fontAlgn="auto" hangingPunct="1">
-              <a:spcBef>
-                <a:spcPts val="0"/>
-              </a:spcBef>
-              <a:spcAft>
-                <a:spcPts val="0"/>
-              </a:spcAft>
-              <a:defRPr/>
-            </a:pPr>
-            <a:r>
-              <a:rPr lang="zh-CN" altLang="en-US" sz="2400">
-                <a:solidFill>
-                  <a:schemeClr val="tx1"/>
-                </a:solidFill>
-                <a:effectLst>
-                  <a:outerShdw blurRad="38100" dist="19050" dir="2700000" algn="tl" rotWithShape="0">
-                    <a:schemeClr val="dk1">
-                      <a:alpha val="40000"/>
-                    </a:schemeClr>
-                  </a:outerShdw>
-                </a:effectLst>
-                <a:sym typeface="Arial" panose="020B0604020202020204" pitchFamily="34" charset="0"/>
-              </a:rPr>
               <a:t>裁剪</a:t>
             </a:r>
             <a:endParaRPr lang="zh-CN" altLang="en-US" sz="2400">
@@ -30233,7 +29942,7 @@
             </a:pathLst>
           </a:custGeom>
           <a:solidFill>
-            <a:schemeClr val="accent6"/>
+            <a:srgbClr val="6CAE43"/>
           </a:solidFill>
           <a:ln w="28575">
             <a:solidFill>
@@ -30627,43 +30336,12 @@
           </a:p>
         </p:txBody>
       </p:sp>
-      <p:pic>
-        <p:nvPicPr>
-          <p:cNvPr id="2" name="图片 1"/>
-          <p:cNvPicPr>
-            <a:picLocks noChangeAspect="1"/>
-          </p:cNvPicPr>
-          <p:nvPr/>
-        </p:nvPicPr>
-        <p:blipFill>
-          <a:blip r:embed="rId2"/>
-          <a:stretch>
-            <a:fillRect/>
-          </a:stretch>
-        </p:blipFill>
-        <p:spPr>
-          <a:xfrm>
-            <a:off x="6176645" y="561975"/>
-            <a:ext cx="2790825" cy="1680210"/>
-          </a:xfrm>
-          <a:prstGeom prst="rect">
-            <a:avLst/>
-          </a:prstGeom>
-        </p:spPr>
-      </p:pic>
     </p:spTree>
   </p:cSld>
   <p:clrMapOvr>
     <a:masterClrMapping/>
   </p:clrMapOvr>
-  <mc:AlternateContent xmlns:mc="http://schemas.openxmlformats.org/markup-compatibility/2006">
-    <mc:Choice xmlns:p14="http://schemas.microsoft.com/office/powerpoint/2010/main" Requires="p14">
-      <p:transition p14:dur="9"/>
-    </mc:Choice>
-    <mc:Fallback>
-      <p:transition/>
-    </mc:Fallback>
-  </mc:AlternateContent>
+  <p:transition/>
   <p:timing>
     <p:tnLst>
       <p:par>
@@ -30717,15 +30395,7 @@
                   <a:schemeClr val="tx1"/>
                 </a:solidFill>
               </a:rPr>
-              <a:t>1. </a:t>
-            </a:r>
-            <a:r>
-              <a:rPr lang="zh-CN" altLang="en-US" dirty="0" smtClean="0">
-                <a:solidFill>
-                  <a:schemeClr val="tx1"/>
-                </a:solidFill>
-              </a:rPr>
-              <a:t>光栅化</a:t>
+              <a:t>2.FrameBuffer</a:t>
             </a:r>
             <a:endParaRPr lang="en-US" altLang="zh-CN" dirty="0" smtClean="0">
               <a:solidFill>
@@ -30735,75 +30405,29 @@
           </a:p>
           <a:p>
             <a:r>
+              <a:rPr lang="en-US" altLang="zh-CN" dirty="0">
+                <a:solidFill>
+                  <a:schemeClr val="tx1"/>
+                </a:solidFill>
+              </a:rPr>
+              <a:t> </a:t>
+            </a:r>
+            <a:r>
+              <a:rPr lang="en-US" altLang="zh-CN" dirty="0" smtClean="0">
+                <a:solidFill>
+                  <a:schemeClr val="tx1"/>
+                </a:solidFill>
+              </a:rPr>
+              <a:t> </a:t>
+            </a:r>
+            <a:r>
               <a:rPr lang="zh-CN" altLang="en-US" dirty="0" smtClean="0">
                 <a:solidFill>
                   <a:schemeClr val="tx1"/>
                 </a:solidFill>
               </a:rPr>
-              <a:t>从一个投影场景生成网格颜色样本。</a:t>
-            </a:r>
-            <a:r>
-              <a:rPr lang="en-US" altLang="zh-CN" dirty="0" smtClean="0">
-                <a:solidFill>
-                  <a:schemeClr val="tx1"/>
-                </a:solidFill>
-              </a:rPr>
-              <a:t>1600</a:t>
-            </a:r>
-            <a:r>
-              <a:rPr lang="zh-CN" altLang="en-US" dirty="0" smtClean="0">
-                <a:solidFill>
-                  <a:schemeClr val="tx1"/>
-                </a:solidFill>
-              </a:rPr>
-              <a:t>宽，</a:t>
-            </a:r>
-            <a:r>
-              <a:rPr lang="en-US" altLang="zh-CN" dirty="0" smtClean="0">
-                <a:solidFill>
-                  <a:schemeClr val="tx1"/>
-                </a:solidFill>
-              </a:rPr>
-              <a:t>1200</a:t>
-            </a:r>
-            <a:r>
-              <a:rPr lang="zh-CN" altLang="en-US" dirty="0" smtClean="0">
-                <a:solidFill>
-                  <a:schemeClr val="tx1"/>
-                </a:solidFill>
-              </a:rPr>
-              <a:t>高的显示器有</a:t>
-            </a:r>
-            <a:r>
-              <a:rPr lang="en-US" altLang="zh-CN" dirty="0" smtClean="0">
-                <a:solidFill>
-                  <a:schemeClr val="tx1"/>
-                </a:solidFill>
-              </a:rPr>
-              <a:t>1 920 000</a:t>
-            </a:r>
-            <a:r>
-              <a:rPr lang="zh-CN" altLang="en-US" dirty="0" smtClean="0">
-                <a:solidFill>
-                  <a:schemeClr val="tx1"/>
-                </a:solidFill>
-              </a:rPr>
-              <a:t>个像素点。</a:t>
-            </a:r>
-            <a:endParaRPr lang="en-US" altLang="zh-CN" dirty="0" smtClean="0">
-              <a:solidFill>
-                <a:schemeClr val="tx1"/>
-              </a:solidFill>
-            </a:endParaRPr>
-          </a:p>
-          <a:p>
-            <a:endParaRPr lang="en-US" altLang="zh-CN" dirty="0">
-              <a:solidFill>
-                <a:schemeClr val="tx1"/>
-              </a:solidFill>
-            </a:endParaRPr>
-          </a:p>
-          <a:p>
+              <a:t>用于显示在屏幕的图像数据。</a:t>
+            </a:r>
             <a:endParaRPr lang="en-US" altLang="zh-CN" dirty="0">
               <a:solidFill>
                 <a:schemeClr val="tx1"/>
@@ -30885,1365 +30509,6 @@
         <p:spPr bwMode="auto">
           <a:xfrm>
             <a:off x="407035" y="561975"/>
-            <a:ext cx="2681288" cy="417830"/>
-          </a:xfrm>
-          <a:prstGeom prst="rect">
-            <a:avLst/>
-          </a:prstGeom>
-          <a:noFill/>
-          <a:ln>
-            <a:noFill/>
-          </a:ln>
-          <a:extLst>
-            <a:ext uri="{909E8E84-426E-40DD-AFC4-6F175D3DCCD1}">
-              <a14:hiddenFill xmlns:a14="http://schemas.microsoft.com/office/drawing/2010/main">
-                <a:solidFill>
-                  <a:srgbClr val="FFFFFF"/>
-                </a:solidFill>
-              </a14:hiddenFill>
-            </a:ext>
-            <a:ext uri="{91240B29-F687-4F45-9708-019B960494DF}">
-              <a14:hiddenLine xmlns:a14="http://schemas.microsoft.com/office/drawing/2010/main" w="9525">
-                <a:solidFill>
-                  <a:srgbClr val="000000"/>
-                </a:solidFill>
-                <a:miter lim="800000"/>
-                <a:headEnd/>
-                <a:tailEnd/>
-              </a14:hiddenLine>
-            </a:ext>
-          </a:extLst>
-        </p:spPr>
-        <p:txBody>
-          <a:bodyPr>
-            <a:spAutoFit/>
-          </a:bodyPr>
-          <a:lstStyle>
-            <a:lvl1pPr>
-              <a:lnSpc>
-                <a:spcPct val="90000"/>
-              </a:lnSpc>
-              <a:spcBef>
-                <a:spcPts val="1000"/>
-              </a:spcBef>
-              <a:buFont typeface="Arial" panose="020B0604020202020204" pitchFamily="34" charset="0"/>
-              <a:buChar char="•"/>
-              <a:defRPr sz="2800">
-                <a:solidFill>
-                  <a:schemeClr val="tx1"/>
-                </a:solidFill>
-                <a:latin typeface="Calibri" panose="020F0502020204030204" pitchFamily="34" charset="0"/>
-                <a:ea typeface="宋体" panose="02010600030101010101" pitchFamily="2" charset="-122"/>
-              </a:defRPr>
-            </a:lvl1pPr>
-            <a:lvl2pPr marL="742950" indent="-285750">
-              <a:lnSpc>
-                <a:spcPct val="90000"/>
-              </a:lnSpc>
-              <a:spcBef>
-                <a:spcPts val="500"/>
-              </a:spcBef>
-              <a:buFont typeface="Arial" panose="020B0604020202020204" pitchFamily="34" charset="0"/>
-              <a:buChar char="•"/>
-              <a:defRPr sz="2400">
-                <a:solidFill>
-                  <a:schemeClr val="tx1"/>
-                </a:solidFill>
-                <a:latin typeface="Calibri" panose="020F0502020204030204" pitchFamily="34" charset="0"/>
-                <a:ea typeface="宋体" panose="02010600030101010101" pitchFamily="2" charset="-122"/>
-              </a:defRPr>
-            </a:lvl2pPr>
-            <a:lvl3pPr marL="1143000" indent="-228600">
-              <a:lnSpc>
-                <a:spcPct val="90000"/>
-              </a:lnSpc>
-              <a:spcBef>
-                <a:spcPts val="500"/>
-              </a:spcBef>
-              <a:buFont typeface="Arial" panose="020B0604020202020204" pitchFamily="34" charset="0"/>
-              <a:buChar char="•"/>
-              <a:defRPr sz="2000">
-                <a:solidFill>
-                  <a:schemeClr val="tx1"/>
-                </a:solidFill>
-                <a:latin typeface="Calibri" panose="020F0502020204030204" pitchFamily="34" charset="0"/>
-                <a:ea typeface="宋体" panose="02010600030101010101" pitchFamily="2" charset="-122"/>
-              </a:defRPr>
-            </a:lvl3pPr>
-            <a:lvl4pPr marL="1600200" indent="-228600">
-              <a:lnSpc>
-                <a:spcPct val="90000"/>
-              </a:lnSpc>
-              <a:spcBef>
-                <a:spcPts val="500"/>
-              </a:spcBef>
-              <a:buFont typeface="Arial" panose="020B0604020202020204" pitchFamily="34" charset="0"/>
-              <a:buChar char="•"/>
-              <a:defRPr>
-                <a:solidFill>
-                  <a:schemeClr val="tx1"/>
-                </a:solidFill>
-                <a:latin typeface="Calibri" panose="020F0502020204030204" pitchFamily="34" charset="0"/>
-                <a:ea typeface="宋体" panose="02010600030101010101" pitchFamily="2" charset="-122"/>
-              </a:defRPr>
-            </a:lvl4pPr>
-            <a:lvl5pPr marL="2057400" indent="-228600">
-              <a:lnSpc>
-                <a:spcPct val="90000"/>
-              </a:lnSpc>
-              <a:spcBef>
-                <a:spcPts val="500"/>
-              </a:spcBef>
-              <a:buFont typeface="Arial" panose="020B0604020202020204" pitchFamily="34" charset="0"/>
-              <a:buChar char="•"/>
-              <a:defRPr>
-                <a:solidFill>
-                  <a:schemeClr val="tx1"/>
-                </a:solidFill>
-                <a:latin typeface="Calibri" panose="020F0502020204030204" pitchFamily="34" charset="0"/>
-                <a:ea typeface="宋体" panose="02010600030101010101" pitchFamily="2" charset="-122"/>
-              </a:defRPr>
-            </a:lvl5pPr>
-            <a:lvl6pPr marL="2514600" indent="-228600" eaLnBrk="0" fontAlgn="base" hangingPunct="0">
-              <a:lnSpc>
-                <a:spcPct val="90000"/>
-              </a:lnSpc>
-              <a:spcBef>
-                <a:spcPts val="500"/>
-              </a:spcBef>
-              <a:spcAft>
-                <a:spcPct val="0"/>
-              </a:spcAft>
-              <a:buFont typeface="Arial" panose="020B0604020202020204" pitchFamily="34" charset="0"/>
-              <a:buChar char="•"/>
-              <a:defRPr>
-                <a:solidFill>
-                  <a:schemeClr val="tx1"/>
-                </a:solidFill>
-                <a:latin typeface="Calibri" panose="020F0502020204030204" pitchFamily="34" charset="0"/>
-                <a:ea typeface="宋体" panose="02010600030101010101" pitchFamily="2" charset="-122"/>
-              </a:defRPr>
-            </a:lvl6pPr>
-            <a:lvl7pPr marL="2971800" indent="-228600" eaLnBrk="0" fontAlgn="base" hangingPunct="0">
-              <a:lnSpc>
-                <a:spcPct val="90000"/>
-              </a:lnSpc>
-              <a:spcBef>
-                <a:spcPts val="500"/>
-              </a:spcBef>
-              <a:spcAft>
-                <a:spcPct val="0"/>
-              </a:spcAft>
-              <a:buFont typeface="Arial" panose="020B0604020202020204" pitchFamily="34" charset="0"/>
-              <a:buChar char="•"/>
-              <a:defRPr>
-                <a:solidFill>
-                  <a:schemeClr val="tx1"/>
-                </a:solidFill>
-                <a:latin typeface="Calibri" panose="020F0502020204030204" pitchFamily="34" charset="0"/>
-                <a:ea typeface="宋体" panose="02010600030101010101" pitchFamily="2" charset="-122"/>
-              </a:defRPr>
-            </a:lvl7pPr>
-            <a:lvl8pPr marL="3429000" indent="-228600" eaLnBrk="0" fontAlgn="base" hangingPunct="0">
-              <a:lnSpc>
-                <a:spcPct val="90000"/>
-              </a:lnSpc>
-              <a:spcBef>
-                <a:spcPts val="500"/>
-              </a:spcBef>
-              <a:spcAft>
-                <a:spcPct val="0"/>
-              </a:spcAft>
-              <a:buFont typeface="Arial" panose="020B0604020202020204" pitchFamily="34" charset="0"/>
-              <a:buChar char="•"/>
-              <a:defRPr>
-                <a:solidFill>
-                  <a:schemeClr val="tx1"/>
-                </a:solidFill>
-                <a:latin typeface="Calibri" panose="020F0502020204030204" pitchFamily="34" charset="0"/>
-                <a:ea typeface="宋体" panose="02010600030101010101" pitchFamily="2" charset="-122"/>
-              </a:defRPr>
-            </a:lvl8pPr>
-            <a:lvl9pPr marL="3886200" indent="-228600" eaLnBrk="0" fontAlgn="base" hangingPunct="0">
-              <a:lnSpc>
-                <a:spcPct val="90000"/>
-              </a:lnSpc>
-              <a:spcBef>
-                <a:spcPts val="500"/>
-              </a:spcBef>
-              <a:spcAft>
-                <a:spcPct val="0"/>
-              </a:spcAft>
-              <a:buFont typeface="Arial" panose="020B0604020202020204" pitchFamily="34" charset="0"/>
-              <a:buChar char="•"/>
-              <a:defRPr>
-                <a:solidFill>
-                  <a:schemeClr val="tx1"/>
-                </a:solidFill>
-                <a:latin typeface="Calibri" panose="020F0502020204030204" pitchFamily="34" charset="0"/>
-                <a:ea typeface="宋体" panose="02010600030101010101" pitchFamily="2" charset="-122"/>
-              </a:defRPr>
-            </a:lvl9pPr>
-          </a:lstStyle>
-          <a:p>
-            <a:pPr eaLnBrk="1" hangingPunct="1">
-              <a:lnSpc>
-                <a:spcPct val="100000"/>
-              </a:lnSpc>
-              <a:spcBef>
-                <a:spcPct val="0"/>
-              </a:spcBef>
-              <a:buFontTx/>
-              <a:buNone/>
-            </a:pPr>
-            <a:r>
-              <a:rPr lang="en-US" altLang="zh-CN" sz="2000" b="1">
-                <a:latin typeface="微软雅黑" panose="020B0503020204020204" pitchFamily="34" charset="-122"/>
-                <a:ea typeface="微软雅黑" panose="020B0503020204020204" pitchFamily="34" charset="-122"/>
-              </a:rPr>
-              <a:t>光栅化</a:t>
-            </a:r>
-            <a:endParaRPr lang="en-US" altLang="zh-CN" sz="2000" b="1">
-              <a:latin typeface="微软雅黑" panose="020B0503020204020204" pitchFamily="34" charset="-122"/>
-              <a:ea typeface="微软雅黑" panose="020B0503020204020204" pitchFamily="34" charset="-122"/>
-            </a:endParaRPr>
-          </a:p>
-        </p:txBody>
-      </p:sp>
-      <p:sp>
-        <p:nvSpPr>
-          <p:cNvPr id="13" name="Freeform 2"/>
-          <p:cNvSpPr>
-            <a:spLocks noChangeArrowheads="1"/>
-          </p:cNvSpPr>
-          <p:nvPr/>
-        </p:nvSpPr>
-        <p:spPr bwMode="auto">
-          <a:xfrm>
-            <a:off x="7313930" y="23495"/>
-            <a:ext cx="1786255" cy="443230"/>
-          </a:xfrm>
-          <a:custGeom>
-            <a:avLst/>
-            <a:gdLst>
-              <a:gd name="T0" fmla="*/ 5668 w 7144"/>
-              <a:gd name="T1" fmla="*/ 0 h 3558"/>
-              <a:gd name="T2" fmla="*/ 0 w 7144"/>
-              <a:gd name="T3" fmla="*/ 0 h 3558"/>
-              <a:gd name="T4" fmla="*/ 1475 w 7144"/>
-              <a:gd name="T5" fmla="*/ 1792 h 3558"/>
-              <a:gd name="T6" fmla="*/ 0 w 7144"/>
-              <a:gd name="T7" fmla="*/ 3557 h 3558"/>
-              <a:gd name="T8" fmla="*/ 5668 w 7144"/>
-              <a:gd name="T9" fmla="*/ 3557 h 3558"/>
-              <a:gd name="T10" fmla="*/ 7143 w 7144"/>
-              <a:gd name="T11" fmla="*/ 1792 h 3558"/>
-              <a:gd name="T12" fmla="*/ 5668 w 7144"/>
-              <a:gd name="T13" fmla="*/ 0 h 3558"/>
-            </a:gdLst>
-            <a:ahLst/>
-            <a:cxnLst>
-              <a:cxn ang="0">
-                <a:pos x="T0" y="T1"/>
-              </a:cxn>
-              <a:cxn ang="0">
-                <a:pos x="T2" y="T3"/>
-              </a:cxn>
-              <a:cxn ang="0">
-                <a:pos x="T4" y="T5"/>
-              </a:cxn>
-              <a:cxn ang="0">
-                <a:pos x="T6" y="T7"/>
-              </a:cxn>
-              <a:cxn ang="0">
-                <a:pos x="T8" y="T9"/>
-              </a:cxn>
-              <a:cxn ang="0">
-                <a:pos x="T10" y="T11"/>
-              </a:cxn>
-              <a:cxn ang="0">
-                <a:pos x="T12" y="T13"/>
-              </a:cxn>
-            </a:cxnLst>
-            <a:rect l="0" t="0" r="r" b="b"/>
-            <a:pathLst>
-              <a:path w="7144" h="3558">
-                <a:moveTo>
-                  <a:pt x="5668" y="0"/>
-                </a:moveTo>
-                <a:lnTo>
-                  <a:pt x="0" y="0"/>
-                </a:lnTo>
-                <a:lnTo>
-                  <a:pt x="1475" y="1792"/>
-                </a:lnTo>
-                <a:lnTo>
-                  <a:pt x="0" y="3557"/>
-                </a:lnTo>
-                <a:lnTo>
-                  <a:pt x="5668" y="3557"/>
-                </a:lnTo>
-                <a:lnTo>
-                  <a:pt x="7143" y="1792"/>
-                </a:lnTo>
-                <a:lnTo>
-                  <a:pt x="5668" y="0"/>
-                </a:lnTo>
-              </a:path>
-            </a:pathLst>
-          </a:custGeom>
-          <a:solidFill>
-            <a:schemeClr val="accent2"/>
-          </a:solidFill>
-          <a:ln w="28575">
-            <a:solidFill>
-              <a:schemeClr val="bg1"/>
-            </a:solidFill>
-          </a:ln>
-          <a:effectLst>
-            <a:outerShdw blurRad="152400" dist="63500" dir="8100000" algn="tr" rotWithShape="0">
-              <a:prstClr val="black">
-                <a:alpha val="26000"/>
-              </a:prstClr>
-            </a:outerShdw>
-          </a:effectLst>
-        </p:spPr>
-        <p:style>
-          <a:lnRef idx="2">
-            <a:schemeClr val="accent1">
-              <a:shade val="50000"/>
-            </a:schemeClr>
-          </a:lnRef>
-          <a:fillRef idx="1">
-            <a:schemeClr val="accent1"/>
-          </a:fillRef>
-          <a:effectRef idx="0">
-            <a:schemeClr val="accent1"/>
-          </a:effectRef>
-          <a:fontRef idx="minor">
-            <a:schemeClr val="lt1"/>
-          </a:fontRef>
-        </p:style>
-        <p:txBody>
-          <a:bodyPr anchor="ctr"/>
-          <a:lstStyle/>
-          <a:p>
-            <a:pPr algn="ctr" eaLnBrk="1" fontAlgn="auto" hangingPunct="1">
-              <a:spcBef>
-                <a:spcPts val="0"/>
-              </a:spcBef>
-              <a:spcAft>
-                <a:spcPts val="0"/>
-              </a:spcAft>
-              <a:defRPr/>
-            </a:pPr>
-            <a:r>
-              <a:rPr lang="zh-CN" altLang="en-US" sz="2400" dirty="0">
-                <a:solidFill>
-                  <a:schemeClr val="tx1"/>
-                </a:solidFill>
-                <a:effectLst>
-                  <a:outerShdw blurRad="38100" dist="19050" dir="2700000" algn="tl" rotWithShape="0">
-                    <a:schemeClr val="dk1">
-                      <a:alpha val="40000"/>
-                    </a:schemeClr>
-                  </a:outerShdw>
-                </a:effectLst>
-                <a:sym typeface="Arial" panose="020B0604020202020204" pitchFamily="34" charset="0"/>
-              </a:rPr>
-              <a:t>光栅化</a:t>
-            </a:r>
-            <a:endParaRPr lang="zh-CN" altLang="en-US" sz="2400" dirty="0">
-              <a:solidFill>
-                <a:schemeClr val="tx1"/>
-              </a:solidFill>
-              <a:effectLst>
-                <a:outerShdw blurRad="38100" dist="19050" dir="2700000" algn="tl" rotWithShape="0">
-                  <a:schemeClr val="dk1">
-                    <a:alpha val="40000"/>
-                  </a:schemeClr>
-                </a:outerShdw>
-              </a:effectLst>
-              <a:sym typeface="Arial" panose="020B0604020202020204" pitchFamily="34" charset="0"/>
-            </a:endParaRPr>
-          </a:p>
-        </p:txBody>
-      </p:sp>
-      <p:sp>
-        <p:nvSpPr>
-          <p:cNvPr id="23" name="Freeform 1"/>
-          <p:cNvSpPr>
-            <a:spLocks noChangeArrowheads="1"/>
-          </p:cNvSpPr>
-          <p:nvPr/>
-        </p:nvSpPr>
-        <p:spPr bwMode="auto">
-          <a:xfrm>
-            <a:off x="5852160" y="23495"/>
-            <a:ext cx="1786255" cy="443230"/>
-          </a:xfrm>
-          <a:custGeom>
-            <a:avLst/>
-            <a:gdLst>
-              <a:gd name="T0" fmla="*/ 5639 w 7144"/>
-              <a:gd name="T1" fmla="*/ 0 h 3558"/>
-              <a:gd name="T2" fmla="*/ 0 w 7144"/>
-              <a:gd name="T3" fmla="*/ 0 h 3558"/>
-              <a:gd name="T4" fmla="*/ 1475 w 7144"/>
-              <a:gd name="T5" fmla="*/ 1792 h 3558"/>
-              <a:gd name="T6" fmla="*/ 0 w 7144"/>
-              <a:gd name="T7" fmla="*/ 3557 h 3558"/>
-              <a:gd name="T8" fmla="*/ 5669 w 7144"/>
-              <a:gd name="T9" fmla="*/ 3557 h 3558"/>
-              <a:gd name="T10" fmla="*/ 7143 w 7144"/>
-              <a:gd name="T11" fmla="*/ 1792 h 3558"/>
-              <a:gd name="T12" fmla="*/ 5639 w 7144"/>
-              <a:gd name="T13" fmla="*/ 0 h 3558"/>
-            </a:gdLst>
-            <a:ahLst/>
-            <a:cxnLst>
-              <a:cxn ang="0">
-                <a:pos x="T0" y="T1"/>
-              </a:cxn>
-              <a:cxn ang="0">
-                <a:pos x="T2" y="T3"/>
-              </a:cxn>
-              <a:cxn ang="0">
-                <a:pos x="T4" y="T5"/>
-              </a:cxn>
-              <a:cxn ang="0">
-                <a:pos x="T6" y="T7"/>
-              </a:cxn>
-              <a:cxn ang="0">
-                <a:pos x="T8" y="T9"/>
-              </a:cxn>
-              <a:cxn ang="0">
-                <a:pos x="T10" y="T11"/>
-              </a:cxn>
-              <a:cxn ang="0">
-                <a:pos x="T12" y="T13"/>
-              </a:cxn>
-            </a:cxnLst>
-            <a:rect l="0" t="0" r="r" b="b"/>
-            <a:pathLst>
-              <a:path w="7144" h="3558">
-                <a:moveTo>
-                  <a:pt x="5639" y="0"/>
-                </a:moveTo>
-                <a:lnTo>
-                  <a:pt x="0" y="0"/>
-                </a:lnTo>
-                <a:lnTo>
-                  <a:pt x="1475" y="1792"/>
-                </a:lnTo>
-                <a:lnTo>
-                  <a:pt x="0" y="3557"/>
-                </a:lnTo>
-                <a:lnTo>
-                  <a:pt x="5669" y="3557"/>
-                </a:lnTo>
-                <a:lnTo>
-                  <a:pt x="7143" y="1792"/>
-                </a:lnTo>
-                <a:lnTo>
-                  <a:pt x="5639" y="0"/>
-                </a:lnTo>
-              </a:path>
-            </a:pathLst>
-          </a:custGeom>
-          <a:solidFill>
-            <a:srgbClr val="6CAE43"/>
-          </a:solidFill>
-          <a:ln w="28575">
-            <a:solidFill>
-              <a:schemeClr val="bg1"/>
-            </a:solidFill>
-          </a:ln>
-          <a:effectLst>
-            <a:outerShdw blurRad="152400" dist="63500" dir="8100000" algn="tr" rotWithShape="0">
-              <a:prstClr val="black">
-                <a:alpha val="26000"/>
-              </a:prstClr>
-            </a:outerShdw>
-          </a:effectLst>
-        </p:spPr>
-        <p:style>
-          <a:lnRef idx="2">
-            <a:schemeClr val="accent1">
-              <a:shade val="50000"/>
-            </a:schemeClr>
-          </a:lnRef>
-          <a:fillRef idx="1">
-            <a:schemeClr val="accent1"/>
-          </a:fillRef>
-          <a:effectRef idx="0">
-            <a:schemeClr val="accent1"/>
-          </a:effectRef>
-          <a:fontRef idx="minor">
-            <a:schemeClr val="lt1"/>
-          </a:fontRef>
-        </p:style>
-        <p:txBody>
-          <a:bodyPr anchor="ctr"/>
-          <a:lstStyle/>
-          <a:p>
-            <a:pPr algn="ctr" eaLnBrk="1" fontAlgn="auto" hangingPunct="1">
-              <a:spcBef>
-                <a:spcPts val="0"/>
-              </a:spcBef>
-              <a:spcAft>
-                <a:spcPts val="0"/>
-              </a:spcAft>
-              <a:defRPr/>
-            </a:pPr>
-            <a:r>
-              <a:rPr lang="zh-CN" altLang="en-US" sz="2400">
-                <a:solidFill>
-                  <a:schemeClr val="tx1"/>
-                </a:solidFill>
-                <a:effectLst>
-                  <a:outerShdw blurRad="38100" dist="19050" dir="2700000" algn="tl" rotWithShape="0">
-                    <a:schemeClr val="dk1">
-                      <a:alpha val="40000"/>
-                    </a:schemeClr>
-                  </a:outerShdw>
-                </a:effectLst>
-                <a:sym typeface="Arial" panose="020B0604020202020204" pitchFamily="34" charset="0"/>
-              </a:rPr>
-              <a:t>裁剪</a:t>
-            </a:r>
-            <a:endParaRPr lang="zh-CN" altLang="en-US" sz="2400">
-              <a:solidFill>
-                <a:schemeClr val="tx1"/>
-              </a:solidFill>
-              <a:effectLst>
-                <a:outerShdw blurRad="38100" dist="19050" dir="2700000" algn="tl" rotWithShape="0">
-                  <a:schemeClr val="dk1">
-                    <a:alpha val="40000"/>
-                  </a:schemeClr>
-                </a:outerShdw>
-              </a:effectLst>
-              <a:sym typeface="Arial" panose="020B0604020202020204" pitchFamily="34" charset="0"/>
-            </a:endParaRPr>
-          </a:p>
-        </p:txBody>
-      </p:sp>
-      <p:sp>
-        <p:nvSpPr>
-          <p:cNvPr id="39" name="Freeform 1"/>
-          <p:cNvSpPr>
-            <a:spLocks noChangeArrowheads="1"/>
-          </p:cNvSpPr>
-          <p:nvPr/>
-        </p:nvSpPr>
-        <p:spPr bwMode="auto">
-          <a:xfrm>
-            <a:off x="2929890" y="19685"/>
-            <a:ext cx="1784985" cy="443230"/>
-          </a:xfrm>
-          <a:custGeom>
-            <a:avLst/>
-            <a:gdLst>
-              <a:gd name="T0" fmla="*/ 5639 w 7144"/>
-              <a:gd name="T1" fmla="*/ 0 h 3558"/>
-              <a:gd name="T2" fmla="*/ 0 w 7144"/>
-              <a:gd name="T3" fmla="*/ 0 h 3558"/>
-              <a:gd name="T4" fmla="*/ 1475 w 7144"/>
-              <a:gd name="T5" fmla="*/ 1792 h 3558"/>
-              <a:gd name="T6" fmla="*/ 0 w 7144"/>
-              <a:gd name="T7" fmla="*/ 3557 h 3558"/>
-              <a:gd name="T8" fmla="*/ 5669 w 7144"/>
-              <a:gd name="T9" fmla="*/ 3557 h 3558"/>
-              <a:gd name="T10" fmla="*/ 7143 w 7144"/>
-              <a:gd name="T11" fmla="*/ 1792 h 3558"/>
-              <a:gd name="T12" fmla="*/ 5639 w 7144"/>
-              <a:gd name="T13" fmla="*/ 0 h 3558"/>
-            </a:gdLst>
-            <a:ahLst/>
-            <a:cxnLst>
-              <a:cxn ang="0">
-                <a:pos x="T0" y="T1"/>
-              </a:cxn>
-              <a:cxn ang="0">
-                <a:pos x="T2" y="T3"/>
-              </a:cxn>
-              <a:cxn ang="0">
-                <a:pos x="T4" y="T5"/>
-              </a:cxn>
-              <a:cxn ang="0">
-                <a:pos x="T6" y="T7"/>
-              </a:cxn>
-              <a:cxn ang="0">
-                <a:pos x="T8" y="T9"/>
-              </a:cxn>
-              <a:cxn ang="0">
-                <a:pos x="T10" y="T11"/>
-              </a:cxn>
-              <a:cxn ang="0">
-                <a:pos x="T12" y="T13"/>
-              </a:cxn>
-            </a:cxnLst>
-            <a:rect l="0" t="0" r="r" b="b"/>
-            <a:pathLst>
-              <a:path w="7144" h="3558">
-                <a:moveTo>
-                  <a:pt x="5639" y="0"/>
-                </a:moveTo>
-                <a:lnTo>
-                  <a:pt x="0" y="0"/>
-                </a:lnTo>
-                <a:lnTo>
-                  <a:pt x="1475" y="1792"/>
-                </a:lnTo>
-                <a:lnTo>
-                  <a:pt x="0" y="3557"/>
-                </a:lnTo>
-                <a:lnTo>
-                  <a:pt x="5669" y="3557"/>
-                </a:lnTo>
-                <a:lnTo>
-                  <a:pt x="7143" y="1792"/>
-                </a:lnTo>
-                <a:lnTo>
-                  <a:pt x="5639" y="0"/>
-                </a:lnTo>
-              </a:path>
-            </a:pathLst>
-          </a:custGeom>
-          <a:solidFill>
-            <a:srgbClr val="6CAE43"/>
-          </a:solidFill>
-          <a:ln w="28575">
-            <a:solidFill>
-              <a:schemeClr val="bg1"/>
-            </a:solidFill>
-          </a:ln>
-          <a:effectLst>
-            <a:outerShdw blurRad="152400" dist="63500" dir="8100000" algn="tr" rotWithShape="0">
-              <a:prstClr val="black">
-                <a:alpha val="26000"/>
-              </a:prstClr>
-            </a:outerShdw>
-          </a:effectLst>
-        </p:spPr>
-        <p:style>
-          <a:lnRef idx="2">
-            <a:schemeClr val="accent1">
-              <a:shade val="50000"/>
-            </a:schemeClr>
-          </a:lnRef>
-          <a:fillRef idx="1">
-            <a:schemeClr val="accent1"/>
-          </a:fillRef>
-          <a:effectRef idx="0">
-            <a:schemeClr val="accent1"/>
-          </a:effectRef>
-          <a:fontRef idx="minor">
-            <a:schemeClr val="lt1"/>
-          </a:fontRef>
-        </p:style>
-        <p:txBody>
-          <a:bodyPr anchor="ctr"/>
-          <a:lstStyle/>
-          <a:p>
-            <a:pPr algn="ctr" eaLnBrk="1" fontAlgn="auto" hangingPunct="1">
-              <a:spcBef>
-                <a:spcPts val="0"/>
-              </a:spcBef>
-              <a:spcAft>
-                <a:spcPts val="0"/>
-              </a:spcAft>
-              <a:defRPr/>
-            </a:pPr>
-            <a:r>
-              <a:rPr lang="zh-CN" altLang="en-US" sz="2400">
-                <a:solidFill>
-                  <a:schemeClr val="tx1"/>
-                </a:solidFill>
-                <a:effectLst>
-                  <a:outerShdw blurRad="38100" dist="19050" dir="2700000" algn="tl" rotWithShape="0">
-                    <a:schemeClr val="dk1">
-                      <a:alpha val="40000"/>
-                    </a:schemeClr>
-                  </a:outerShdw>
-                </a:effectLst>
-                <a:sym typeface="Arial" panose="020B0604020202020204" pitchFamily="34" charset="0"/>
-              </a:rPr>
-              <a:t>光照</a:t>
-            </a:r>
-            <a:endParaRPr lang="zh-CN" altLang="en-US" sz="2400">
-              <a:solidFill>
-                <a:schemeClr val="tx1"/>
-              </a:solidFill>
-              <a:effectLst>
-                <a:outerShdw blurRad="38100" dist="19050" dir="2700000" algn="tl" rotWithShape="0">
-                  <a:schemeClr val="dk1">
-                    <a:alpha val="40000"/>
-                  </a:schemeClr>
-                </a:outerShdw>
-              </a:effectLst>
-              <a:sym typeface="Arial" panose="020B0604020202020204" pitchFamily="34" charset="0"/>
-            </a:endParaRPr>
-          </a:p>
-        </p:txBody>
-      </p:sp>
-      <p:sp>
-        <p:nvSpPr>
-          <p:cNvPr id="40" name="Freeform 2"/>
-          <p:cNvSpPr>
-            <a:spLocks noChangeArrowheads="1"/>
-          </p:cNvSpPr>
-          <p:nvPr/>
-        </p:nvSpPr>
-        <p:spPr bwMode="auto">
-          <a:xfrm>
-            <a:off x="4390390" y="19685"/>
-            <a:ext cx="1786255" cy="443230"/>
-          </a:xfrm>
-          <a:custGeom>
-            <a:avLst/>
-            <a:gdLst>
-              <a:gd name="T0" fmla="*/ 5668 w 7144"/>
-              <a:gd name="T1" fmla="*/ 0 h 3558"/>
-              <a:gd name="T2" fmla="*/ 0 w 7144"/>
-              <a:gd name="T3" fmla="*/ 0 h 3558"/>
-              <a:gd name="T4" fmla="*/ 1475 w 7144"/>
-              <a:gd name="T5" fmla="*/ 1792 h 3558"/>
-              <a:gd name="T6" fmla="*/ 0 w 7144"/>
-              <a:gd name="T7" fmla="*/ 3557 h 3558"/>
-              <a:gd name="T8" fmla="*/ 5668 w 7144"/>
-              <a:gd name="T9" fmla="*/ 3557 h 3558"/>
-              <a:gd name="T10" fmla="*/ 7143 w 7144"/>
-              <a:gd name="T11" fmla="*/ 1792 h 3558"/>
-              <a:gd name="T12" fmla="*/ 5668 w 7144"/>
-              <a:gd name="T13" fmla="*/ 0 h 3558"/>
-            </a:gdLst>
-            <a:ahLst/>
-            <a:cxnLst>
-              <a:cxn ang="0">
-                <a:pos x="T0" y="T1"/>
-              </a:cxn>
-              <a:cxn ang="0">
-                <a:pos x="T2" y="T3"/>
-              </a:cxn>
-              <a:cxn ang="0">
-                <a:pos x="T4" y="T5"/>
-              </a:cxn>
-              <a:cxn ang="0">
-                <a:pos x="T6" y="T7"/>
-              </a:cxn>
-              <a:cxn ang="0">
-                <a:pos x="T8" y="T9"/>
-              </a:cxn>
-              <a:cxn ang="0">
-                <a:pos x="T10" y="T11"/>
-              </a:cxn>
-              <a:cxn ang="0">
-                <a:pos x="T12" y="T13"/>
-              </a:cxn>
-            </a:cxnLst>
-            <a:rect l="0" t="0" r="r" b="b"/>
-            <a:pathLst>
-              <a:path w="7144" h="3558">
-                <a:moveTo>
-                  <a:pt x="5668" y="0"/>
-                </a:moveTo>
-                <a:lnTo>
-                  <a:pt x="0" y="0"/>
-                </a:lnTo>
-                <a:lnTo>
-                  <a:pt x="1475" y="1792"/>
-                </a:lnTo>
-                <a:lnTo>
-                  <a:pt x="0" y="3557"/>
-                </a:lnTo>
-                <a:lnTo>
-                  <a:pt x="5668" y="3557"/>
-                </a:lnTo>
-                <a:lnTo>
-                  <a:pt x="7143" y="1792"/>
-                </a:lnTo>
-                <a:lnTo>
-                  <a:pt x="5668" y="0"/>
-                </a:lnTo>
-              </a:path>
-            </a:pathLst>
-          </a:custGeom>
-          <a:solidFill>
-            <a:srgbClr val="6CAE43"/>
-          </a:solidFill>
-          <a:ln w="28575">
-            <a:solidFill>
-              <a:schemeClr val="bg1"/>
-            </a:solidFill>
-          </a:ln>
-          <a:effectLst>
-            <a:outerShdw blurRad="152400" dist="63500" dir="8100000" algn="tr" rotWithShape="0">
-              <a:prstClr val="black">
-                <a:alpha val="26000"/>
-              </a:prstClr>
-            </a:outerShdw>
-          </a:effectLst>
-        </p:spPr>
-        <p:style>
-          <a:lnRef idx="2">
-            <a:schemeClr val="accent1">
-              <a:shade val="50000"/>
-            </a:schemeClr>
-          </a:lnRef>
-          <a:fillRef idx="1">
-            <a:schemeClr val="accent1"/>
-          </a:fillRef>
-          <a:effectRef idx="0">
-            <a:schemeClr val="accent1"/>
-          </a:effectRef>
-          <a:fontRef idx="minor">
-            <a:schemeClr val="lt1"/>
-          </a:fontRef>
-        </p:style>
-        <p:txBody>
-          <a:bodyPr anchor="ctr"/>
-          <a:lstStyle/>
-          <a:p>
-            <a:pPr algn="ctr" eaLnBrk="1" fontAlgn="auto" hangingPunct="1">
-              <a:spcBef>
-                <a:spcPts val="0"/>
-              </a:spcBef>
-              <a:spcAft>
-                <a:spcPts val="0"/>
-              </a:spcAft>
-              <a:defRPr/>
-            </a:pPr>
-            <a:r>
-              <a:rPr lang="zh-CN" altLang="en-US" sz="2400">
-                <a:solidFill>
-                  <a:schemeClr val="tx1"/>
-                </a:solidFill>
-                <a:effectLst>
-                  <a:outerShdw blurRad="38100" dist="19050" dir="2700000" algn="tl" rotWithShape="0">
-                    <a:schemeClr val="dk1">
-                      <a:alpha val="40000"/>
-                    </a:schemeClr>
-                  </a:outerShdw>
-                </a:effectLst>
-                <a:sym typeface="Arial" panose="020B0604020202020204" pitchFamily="34" charset="0"/>
-              </a:rPr>
-              <a:t>投影变换</a:t>
-            </a:r>
-            <a:endParaRPr lang="zh-CN" altLang="en-US" sz="2400">
-              <a:solidFill>
-                <a:schemeClr val="tx1"/>
-              </a:solidFill>
-              <a:effectLst>
-                <a:outerShdw blurRad="38100" dist="19050" dir="2700000" algn="tl" rotWithShape="0">
-                  <a:schemeClr val="dk1">
-                    <a:alpha val="40000"/>
-                  </a:schemeClr>
-                </a:outerShdw>
-              </a:effectLst>
-              <a:sym typeface="Arial" panose="020B0604020202020204" pitchFamily="34" charset="0"/>
-            </a:endParaRPr>
-          </a:p>
-        </p:txBody>
-      </p:sp>
-      <p:sp>
-        <p:nvSpPr>
-          <p:cNvPr id="41" name="Freeform 1"/>
-          <p:cNvSpPr>
-            <a:spLocks noChangeArrowheads="1"/>
-          </p:cNvSpPr>
-          <p:nvPr/>
-        </p:nvSpPr>
-        <p:spPr bwMode="auto">
-          <a:xfrm>
-            <a:off x="1469390" y="19685"/>
-            <a:ext cx="1784985" cy="443230"/>
-          </a:xfrm>
-          <a:custGeom>
-            <a:avLst/>
-            <a:gdLst>
-              <a:gd name="T0" fmla="*/ 5639 w 7144"/>
-              <a:gd name="T1" fmla="*/ 0 h 3558"/>
-              <a:gd name="T2" fmla="*/ 0 w 7144"/>
-              <a:gd name="T3" fmla="*/ 0 h 3558"/>
-              <a:gd name="T4" fmla="*/ 1475 w 7144"/>
-              <a:gd name="T5" fmla="*/ 1792 h 3558"/>
-              <a:gd name="T6" fmla="*/ 0 w 7144"/>
-              <a:gd name="T7" fmla="*/ 3557 h 3558"/>
-              <a:gd name="T8" fmla="*/ 5669 w 7144"/>
-              <a:gd name="T9" fmla="*/ 3557 h 3558"/>
-              <a:gd name="T10" fmla="*/ 7143 w 7144"/>
-              <a:gd name="T11" fmla="*/ 1792 h 3558"/>
-              <a:gd name="T12" fmla="*/ 5639 w 7144"/>
-              <a:gd name="T13" fmla="*/ 0 h 3558"/>
-            </a:gdLst>
-            <a:ahLst/>
-            <a:cxnLst>
-              <a:cxn ang="0">
-                <a:pos x="T0" y="T1"/>
-              </a:cxn>
-              <a:cxn ang="0">
-                <a:pos x="T2" y="T3"/>
-              </a:cxn>
-              <a:cxn ang="0">
-                <a:pos x="T4" y="T5"/>
-              </a:cxn>
-              <a:cxn ang="0">
-                <a:pos x="T6" y="T7"/>
-              </a:cxn>
-              <a:cxn ang="0">
-                <a:pos x="T8" y="T9"/>
-              </a:cxn>
-              <a:cxn ang="0">
-                <a:pos x="T10" y="T11"/>
-              </a:cxn>
-              <a:cxn ang="0">
-                <a:pos x="T12" y="T13"/>
-              </a:cxn>
-            </a:cxnLst>
-            <a:rect l="0" t="0" r="r" b="b"/>
-            <a:pathLst>
-              <a:path w="7144" h="3558">
-                <a:moveTo>
-                  <a:pt x="5639" y="0"/>
-                </a:moveTo>
-                <a:lnTo>
-                  <a:pt x="0" y="0"/>
-                </a:lnTo>
-                <a:lnTo>
-                  <a:pt x="1475" y="1792"/>
-                </a:lnTo>
-                <a:lnTo>
-                  <a:pt x="0" y="3557"/>
-                </a:lnTo>
-                <a:lnTo>
-                  <a:pt x="5669" y="3557"/>
-                </a:lnTo>
-                <a:lnTo>
-                  <a:pt x="7143" y="1792"/>
-                </a:lnTo>
-                <a:lnTo>
-                  <a:pt x="5639" y="0"/>
-                </a:lnTo>
-              </a:path>
-            </a:pathLst>
-          </a:custGeom>
-          <a:solidFill>
-            <a:srgbClr val="6CAE43"/>
-          </a:solidFill>
-          <a:ln w="28575">
-            <a:solidFill>
-              <a:schemeClr val="bg1"/>
-            </a:solidFill>
-          </a:ln>
-          <a:effectLst>
-            <a:outerShdw blurRad="152400" dist="63500" dir="8100000" algn="tr" rotWithShape="0">
-              <a:prstClr val="black">
-                <a:alpha val="26000"/>
-              </a:prstClr>
-            </a:outerShdw>
-          </a:effectLst>
-        </p:spPr>
-        <p:style>
-          <a:lnRef idx="2">
-            <a:schemeClr val="accent1">
-              <a:shade val="50000"/>
-            </a:schemeClr>
-          </a:lnRef>
-          <a:fillRef idx="1">
-            <a:schemeClr val="accent1"/>
-          </a:fillRef>
-          <a:effectRef idx="0">
-            <a:schemeClr val="accent1"/>
-          </a:effectRef>
-          <a:fontRef idx="minor">
-            <a:schemeClr val="lt1"/>
-          </a:fontRef>
-        </p:style>
-        <p:txBody>
-          <a:bodyPr anchor="ctr"/>
-          <a:lstStyle/>
-          <a:p>
-            <a:pPr algn="ctr" eaLnBrk="1" fontAlgn="auto" hangingPunct="1">
-              <a:spcBef>
-                <a:spcPts val="0"/>
-              </a:spcBef>
-              <a:spcAft>
-                <a:spcPts val="0"/>
-              </a:spcAft>
-              <a:defRPr/>
-            </a:pPr>
-            <a:r>
-              <a:rPr lang="zh-CN" altLang="en-US" sz="2400">
-                <a:solidFill>
-                  <a:schemeClr val="tx1"/>
-                </a:solidFill>
-                <a:effectLst>
-                  <a:outerShdw blurRad="38100" dist="19050" dir="2700000" algn="tl" rotWithShape="0">
-                    <a:schemeClr val="dk1">
-                      <a:alpha val="40000"/>
-                    </a:schemeClr>
-                  </a:outerShdw>
-                </a:effectLst>
-                <a:sym typeface="Arial" panose="020B0604020202020204" pitchFamily="34" charset="0"/>
-              </a:rPr>
-              <a:t>相机变换</a:t>
-            </a:r>
-            <a:endParaRPr lang="zh-CN" altLang="en-US" sz="2400">
-              <a:solidFill>
-                <a:schemeClr val="tx1"/>
-              </a:solidFill>
-              <a:effectLst>
-                <a:outerShdw blurRad="38100" dist="19050" dir="2700000" algn="tl" rotWithShape="0">
-                  <a:schemeClr val="dk1">
-                    <a:alpha val="40000"/>
-                  </a:schemeClr>
-                </a:outerShdw>
-              </a:effectLst>
-              <a:sym typeface="Arial" panose="020B0604020202020204" pitchFamily="34" charset="0"/>
-            </a:endParaRPr>
-          </a:p>
-        </p:txBody>
-      </p:sp>
-      <p:sp>
-        <p:nvSpPr>
-          <p:cNvPr id="42" name="Freeform 1"/>
-          <p:cNvSpPr>
-            <a:spLocks noChangeArrowheads="1"/>
-          </p:cNvSpPr>
-          <p:nvPr/>
-        </p:nvSpPr>
-        <p:spPr bwMode="auto">
-          <a:xfrm>
-            <a:off x="-2540" y="19685"/>
-            <a:ext cx="1796415" cy="445770"/>
-          </a:xfrm>
-          <a:custGeom>
-            <a:avLst/>
-            <a:gdLst>
-              <a:gd name="T0" fmla="*/ 5639 w 7144"/>
-              <a:gd name="T1" fmla="*/ 0 h 3558"/>
-              <a:gd name="T2" fmla="*/ 0 w 7144"/>
-              <a:gd name="T3" fmla="*/ 0 h 3558"/>
-              <a:gd name="T4" fmla="*/ 1475 w 7144"/>
-              <a:gd name="T5" fmla="*/ 1792 h 3558"/>
-              <a:gd name="T6" fmla="*/ 0 w 7144"/>
-              <a:gd name="T7" fmla="*/ 3557 h 3558"/>
-              <a:gd name="T8" fmla="*/ 5669 w 7144"/>
-              <a:gd name="T9" fmla="*/ 3557 h 3558"/>
-              <a:gd name="T10" fmla="*/ 7143 w 7144"/>
-              <a:gd name="T11" fmla="*/ 1792 h 3558"/>
-              <a:gd name="T12" fmla="*/ 5639 w 7144"/>
-              <a:gd name="T13" fmla="*/ 0 h 3558"/>
-            </a:gdLst>
-            <a:ahLst/>
-            <a:cxnLst>
-              <a:cxn ang="0">
-                <a:pos x="T0" y="T1"/>
-              </a:cxn>
-              <a:cxn ang="0">
-                <a:pos x="T2" y="T3"/>
-              </a:cxn>
-              <a:cxn ang="0">
-                <a:pos x="T4" y="T5"/>
-              </a:cxn>
-              <a:cxn ang="0">
-                <a:pos x="T6" y="T7"/>
-              </a:cxn>
-              <a:cxn ang="0">
-                <a:pos x="T8" y="T9"/>
-              </a:cxn>
-              <a:cxn ang="0">
-                <a:pos x="T10" y="T11"/>
-              </a:cxn>
-              <a:cxn ang="0">
-                <a:pos x="T12" y="T13"/>
-              </a:cxn>
-            </a:cxnLst>
-            <a:rect l="0" t="0" r="r" b="b"/>
-            <a:pathLst>
-              <a:path w="7144" h="3558">
-                <a:moveTo>
-                  <a:pt x="5639" y="0"/>
-                </a:moveTo>
-                <a:lnTo>
-                  <a:pt x="0" y="0"/>
-                </a:lnTo>
-                <a:lnTo>
-                  <a:pt x="1475" y="1792"/>
-                </a:lnTo>
-                <a:lnTo>
-                  <a:pt x="0" y="3557"/>
-                </a:lnTo>
-                <a:lnTo>
-                  <a:pt x="5669" y="3557"/>
-                </a:lnTo>
-                <a:lnTo>
-                  <a:pt x="7143" y="1792"/>
-                </a:lnTo>
-                <a:lnTo>
-                  <a:pt x="5639" y="0"/>
-                </a:lnTo>
-              </a:path>
-            </a:pathLst>
-          </a:custGeom>
-          <a:solidFill>
-            <a:srgbClr val="6CAE43"/>
-          </a:solidFill>
-          <a:ln w="28575">
-            <a:solidFill>
-              <a:schemeClr val="bg1"/>
-            </a:solidFill>
-          </a:ln>
-          <a:effectLst>
-            <a:outerShdw blurRad="152400" dist="63500" dir="8100000" algn="tr" rotWithShape="0">
-              <a:prstClr val="black">
-                <a:alpha val="26000"/>
-              </a:prstClr>
-            </a:outerShdw>
-          </a:effectLst>
-        </p:spPr>
-        <p:style>
-          <a:lnRef idx="2">
-            <a:schemeClr val="accent1">
-              <a:shade val="50000"/>
-            </a:schemeClr>
-          </a:lnRef>
-          <a:fillRef idx="1">
-            <a:schemeClr val="accent1"/>
-          </a:fillRef>
-          <a:effectRef idx="0">
-            <a:schemeClr val="accent1"/>
-          </a:effectRef>
-          <a:fontRef idx="minor">
-            <a:schemeClr val="lt1"/>
-          </a:fontRef>
-        </p:style>
-        <p:txBody>
-          <a:bodyPr anchor="ctr"/>
-          <a:lstStyle/>
-          <a:p>
-            <a:pPr algn="ctr" eaLnBrk="1" fontAlgn="auto" hangingPunct="1">
-              <a:spcBef>
-                <a:spcPts val="0"/>
-              </a:spcBef>
-              <a:spcAft>
-                <a:spcPts val="0"/>
-              </a:spcAft>
-              <a:defRPr/>
-            </a:pPr>
-            <a:r>
-              <a:rPr lang="zh-CN" sz="2400">
-                <a:solidFill>
-                  <a:schemeClr val="tx1"/>
-                </a:solidFill>
-                <a:effectLst>
-                  <a:outerShdw blurRad="38100" dist="19050" dir="2700000" algn="tl" rotWithShape="0">
-                    <a:schemeClr val="dk1">
-                      <a:alpha val="40000"/>
-                    </a:schemeClr>
-                  </a:outerShdw>
-                </a:effectLst>
-                <a:sym typeface="Arial" panose="020B0604020202020204" pitchFamily="34" charset="0"/>
-              </a:rPr>
-              <a:t>模型变换</a:t>
-            </a:r>
-            <a:endParaRPr lang="zh-CN" sz="2400">
-              <a:solidFill>
-                <a:schemeClr val="tx1"/>
-              </a:solidFill>
-              <a:effectLst>
-                <a:outerShdw blurRad="38100" dist="19050" dir="2700000" algn="tl" rotWithShape="0">
-                  <a:schemeClr val="dk1">
-                    <a:alpha val="40000"/>
-                  </a:schemeClr>
-                </a:outerShdw>
-              </a:effectLst>
-              <a:sym typeface="Arial" panose="020B0604020202020204" pitchFamily="34" charset="0"/>
-            </a:endParaRPr>
-          </a:p>
-        </p:txBody>
-      </p:sp>
-    </p:spTree>
-  </p:cSld>
-  <p:clrMapOvr>
-    <a:masterClrMapping/>
-  </p:clrMapOvr>
-  <mc:AlternateContent xmlns:mc="http://schemas.openxmlformats.org/markup-compatibility/2006">
-    <mc:Choice xmlns:p14="http://schemas.microsoft.com/office/powerpoint/2010/main" Requires="p14">
-      <p:transition p14:dur="9"/>
-    </mc:Choice>
-    <mc:Fallback>
-      <p:transition/>
-    </mc:Fallback>
-  </mc:AlternateContent>
-  <p:timing>
-    <p:tnLst>
-      <p:par>
-        <p:cTn id="1" dur="indefinite" restart="never" nodeType="tmRoot"/>
-      </p:par>
-    </p:tnLst>
-  </p:timing>
-</p:sld>
-</file>
-
-<file path=ppt/slides/slide22.xml><?xml version="1.0" encoding="utf-8"?>
-<p:sld xmlns:a="http://schemas.openxmlformats.org/drawingml/2006/main" xmlns:r="http://schemas.openxmlformats.org/officeDocument/2006/relationships" xmlns:p="http://schemas.openxmlformats.org/presentationml/2006/main">
-  <p:cSld>
-    <p:spTree>
-      <p:nvGrpSpPr>
-        <p:cNvPr id="1" name=""/>
-        <p:cNvGrpSpPr/>
-        <p:nvPr/>
-      </p:nvGrpSpPr>
-      <p:grpSpPr>
-        <a:xfrm>
-          <a:off x="0" y="0"/>
-          <a:ext cx="0" cy="0"/>
-          <a:chOff x="0" y="0"/>
-          <a:chExt cx="0" cy="0"/>
-        </a:xfrm>
-      </p:grpSpPr>
-      <p:sp>
-        <p:nvSpPr>
-          <p:cNvPr id="3" name="文本占位符 2"/>
-          <p:cNvSpPr>
-            <a:spLocks noGrp="1"/>
-          </p:cNvSpPr>
-          <p:nvPr>
-            <p:ph type="body" idx="1"/>
-          </p:nvPr>
-        </p:nvSpPr>
-        <p:spPr>
-          <a:xfrm>
-            <a:off x="623888" y="1332000"/>
-            <a:ext cx="7886700" cy="4946400"/>
-          </a:xfrm>
-        </p:spPr>
-        <p:txBody>
-          <a:bodyPr/>
-          <a:lstStyle/>
-          <a:p>
-            <a:r>
-              <a:rPr lang="en-US" altLang="zh-CN" dirty="0" smtClean="0">
-                <a:solidFill>
-                  <a:schemeClr val="tx1"/>
-                </a:solidFill>
-              </a:rPr>
-              <a:t>2.FrameBuffer</a:t>
-            </a:r>
-            <a:endParaRPr lang="en-US" altLang="zh-CN" dirty="0" smtClean="0">
-              <a:solidFill>
-                <a:schemeClr val="tx1"/>
-              </a:solidFill>
-            </a:endParaRPr>
-          </a:p>
-          <a:p>
-            <a:r>
-              <a:rPr lang="en-US" altLang="zh-CN" dirty="0">
-                <a:solidFill>
-                  <a:schemeClr val="tx1"/>
-                </a:solidFill>
-              </a:rPr>
-              <a:t> </a:t>
-            </a:r>
-            <a:r>
-              <a:rPr lang="en-US" altLang="zh-CN" dirty="0" smtClean="0">
-                <a:solidFill>
-                  <a:schemeClr val="tx1"/>
-                </a:solidFill>
-              </a:rPr>
-              <a:t> </a:t>
-            </a:r>
-            <a:r>
-              <a:rPr lang="zh-CN" altLang="en-US" dirty="0" smtClean="0">
-                <a:solidFill>
-                  <a:schemeClr val="tx1"/>
-                </a:solidFill>
-              </a:rPr>
-              <a:t>用于显示在屏幕的图像数据。</a:t>
-            </a:r>
-            <a:endParaRPr lang="en-US" altLang="zh-CN" dirty="0">
-              <a:solidFill>
-                <a:schemeClr val="tx1"/>
-              </a:solidFill>
-            </a:endParaRPr>
-          </a:p>
-        </p:txBody>
-      </p:sp>
-      <p:sp>
-        <p:nvSpPr>
-          <p:cNvPr id="35" name="矩形 34"/>
-          <p:cNvSpPr/>
-          <p:nvPr/>
-        </p:nvSpPr>
-        <p:spPr>
-          <a:xfrm>
-            <a:off x="111760" y="508000"/>
-            <a:ext cx="182563" cy="508000"/>
-          </a:xfrm>
-          <a:prstGeom prst="rect">
-            <a:avLst/>
-          </a:prstGeom>
-          <a:solidFill>
-            <a:srgbClr val="6CAE43"/>
-          </a:solidFill>
-          <a:ln>
-            <a:noFill/>
-          </a:ln>
-        </p:spPr>
-        <p:style>
-          <a:lnRef idx="2">
-            <a:schemeClr val="accent1">
-              <a:shade val="50000"/>
-            </a:schemeClr>
-          </a:lnRef>
-          <a:fillRef idx="1">
-            <a:schemeClr val="accent1"/>
-          </a:fillRef>
-          <a:effectRef idx="0">
-            <a:schemeClr val="accent1"/>
-          </a:effectRef>
-          <a:fontRef idx="minor">
-            <a:schemeClr val="lt1"/>
-          </a:fontRef>
-        </p:style>
-        <p:txBody>
-          <a:bodyPr anchor="ctr"/>
-          <a:lstStyle/>
-          <a:p>
-            <a:pPr algn="ctr" eaLnBrk="1" fontAlgn="auto" hangingPunct="1">
-              <a:spcBef>
-                <a:spcPts val="0"/>
-              </a:spcBef>
-              <a:spcAft>
-                <a:spcPts val="0"/>
-              </a:spcAft>
-              <a:defRPr/>
-            </a:pPr>
-            <a:r>
-              <a:rPr lang="en-US" altLang="zh-CN" dirty="0">
-                <a:ea typeface="微软雅黑" panose="020B0503020204020204" pitchFamily="34" charset="-122"/>
-              </a:rPr>
-              <a:t>6</a:t>
-            </a:r>
-            <a:endParaRPr lang="en-US" altLang="zh-CN" dirty="0">
-              <a:ea typeface="微软雅黑" panose="020B0503020204020204" pitchFamily="34" charset="-122"/>
-            </a:endParaRPr>
-          </a:p>
-        </p:txBody>
-      </p:sp>
-      <p:sp>
-        <p:nvSpPr>
-          <p:cNvPr id="36" name="文本框 4"/>
-          <p:cNvSpPr txBox="1">
-            <a:spLocks noChangeArrowheads="1"/>
-          </p:cNvSpPr>
-          <p:nvPr/>
-        </p:nvSpPr>
-        <p:spPr bwMode="auto">
-          <a:xfrm>
-            <a:off x="407035" y="561975"/>
             <a:ext cx="2681288" cy="400110"/>
           </a:xfrm>
           <a:prstGeom prst="rect">
@@ -33509,7 +31774,7 @@
 </p:sld>
 </file>
 
-<file path=ppt/slides/slide23.xml><?xml version="1.0" encoding="utf-8"?>
+<file path=ppt/slides/slide22.xml><?xml version="1.0" encoding="utf-8"?>
 <p:sld xmlns:a="http://schemas.openxmlformats.org/drawingml/2006/main" xmlns:r="http://schemas.openxmlformats.org/officeDocument/2006/relationships" xmlns:p="http://schemas.openxmlformats.org/presentationml/2006/main">
   <p:cSld>
     <p:spTree>
@@ -35207,7 +33472,7 @@
 </p:sld>
 </file>
 
-<file path=ppt/slides/slide24.xml><?xml version="1.0" encoding="utf-8"?>
+<file path=ppt/slides/slide23.xml><?xml version="1.0" encoding="utf-8"?>
 <p:sld xmlns:a="http://schemas.openxmlformats.org/drawingml/2006/main" xmlns:r="http://schemas.openxmlformats.org/officeDocument/2006/relationships" xmlns:p="http://schemas.openxmlformats.org/presentationml/2006/main">
   <p:cSld>
     <p:spTree>
@@ -36567,7 +34832,7 @@
 </p:sld>
 </file>
 
-<file path=ppt/slides/slide25.xml><?xml version="1.0" encoding="utf-8"?>
+<file path=ppt/slides/slide24.xml><?xml version="1.0" encoding="utf-8"?>
 <p:sld xmlns:a="http://schemas.openxmlformats.org/drawingml/2006/main" xmlns:r="http://schemas.openxmlformats.org/officeDocument/2006/relationships" xmlns:p="http://schemas.openxmlformats.org/presentationml/2006/main">
   <p:cSld>
     <p:spTree>
@@ -38489,7 +36754,7 @@
 </p:sld>
 </file>
 
-<file path=ppt/slides/slide26.xml><?xml version="1.0" encoding="utf-8"?>
+<file path=ppt/slides/slide25.xml><?xml version="1.0" encoding="utf-8"?>
 <p:sld xmlns:a="http://schemas.openxmlformats.org/drawingml/2006/main" xmlns:r="http://schemas.openxmlformats.org/officeDocument/2006/relationships" xmlns:p="http://schemas.openxmlformats.org/presentationml/2006/main">
   <p:cSld>
     <p:spTree>
@@ -40457,7 +38722,7 @@
 </p:sld>
 </file>
 
-<file path=ppt/slides/slide27.xml><?xml version="1.0" encoding="utf-8"?>
+<file path=ppt/slides/slide26.xml><?xml version="1.0" encoding="utf-8"?>
 <p:sld xmlns:a="http://schemas.openxmlformats.org/drawingml/2006/main" xmlns:r="http://schemas.openxmlformats.org/officeDocument/2006/relationships" xmlns:p="http://schemas.openxmlformats.org/presentationml/2006/main">
   <p:cSld>
     <p:spTree>
@@ -41992,7 +40257,7 @@
 </p:sld>
 </file>
 
-<file path=ppt/slides/slide28.xml><?xml version="1.0" encoding="utf-8"?>
+<file path=ppt/slides/slide27.xml><?xml version="1.0" encoding="utf-8"?>
 <p:sld xmlns:a="http://schemas.openxmlformats.org/drawingml/2006/main" xmlns:r="http://schemas.openxmlformats.org/officeDocument/2006/relationships" xmlns:p="http://schemas.openxmlformats.org/presentationml/2006/main">
   <p:cSld>
     <p:spTree>
@@ -43586,7 +41851,7 @@
 </p:sld>
 </file>
 
-<file path=ppt/slides/slide29.xml><?xml version="1.0" encoding="utf-8"?>
+<file path=ppt/slides/slide28.xml><?xml version="1.0" encoding="utf-8"?>
 <p:sld xmlns:a="http://schemas.openxmlformats.org/drawingml/2006/main" xmlns:r="http://schemas.openxmlformats.org/officeDocument/2006/relationships" xmlns:p="http://schemas.openxmlformats.org/presentationml/2006/main">
   <p:cSld>
     <p:bg>
@@ -44254,14 +42519,7 @@
   <p:clrMapOvr>
     <a:masterClrMapping/>
   </p:clrMapOvr>
-  <mc:AlternateContent xmlns:mc="http://schemas.openxmlformats.org/markup-compatibility/2006">
-    <mc:Choice xmlns:p14="http://schemas.microsoft.com/office/powerpoint/2010/main" Requires="p14">
-      <p:transition p14:dur="9"/>
-    </mc:Choice>
-    <mc:Fallback>
-      <p:transition/>
-    </mc:Fallback>
-  </mc:AlternateContent>
+  <p:transition/>
   <p:timing>
     <p:tnLst>
       <p:par>
@@ -46127,14 +44385,7 @@
   <p:clrMapOvr>
     <a:masterClrMapping/>
   </p:clrMapOvr>
-  <mc:AlternateContent xmlns:mc="http://schemas.openxmlformats.org/markup-compatibility/2006">
-    <mc:Choice xmlns:p14="http://schemas.microsoft.com/office/powerpoint/2010/main" Requires="p14">
-      <p:transition p14:dur="9"/>
-    </mc:Choice>
-    <mc:Fallback>
-      <p:transition/>
-    </mc:Fallback>
-  </mc:AlternateContent>
+  <p:transition/>
   <p:timing>
     <p:tnLst>
       <p:par>
@@ -47716,14 +45967,7 @@
   <p:clrMapOvr>
     <a:masterClrMapping/>
   </p:clrMapOvr>
-  <mc:AlternateContent xmlns:mc="http://schemas.openxmlformats.org/markup-compatibility/2006">
-    <mc:Choice xmlns:p14="http://schemas.microsoft.com/office/powerpoint/2010/main" Requires="p14">
-      <p:transition p14:dur="9"/>
-    </mc:Choice>
-    <mc:Fallback>
-      <p:transition/>
-    </mc:Fallback>
-  </mc:AlternateContent>
+  <p:transition/>
   <p:timing>
     <p:tnLst>
       <p:par>
@@ -49536,14 +47780,7 @@
   <p:clrMapOvr>
     <a:masterClrMapping/>
   </p:clrMapOvr>
-  <mc:AlternateContent xmlns:mc="http://schemas.openxmlformats.org/markup-compatibility/2006">
-    <mc:Choice xmlns:p14="http://schemas.microsoft.com/office/powerpoint/2010/main" Requires="p14">
-      <p:transition p14:dur="9"/>
-    </mc:Choice>
-    <mc:Fallback>
-      <p:transition/>
-    </mc:Fallback>
-  </mc:AlternateContent>
+  <p:transition/>
   <p:timing>
     <p:tnLst>
       <p:par>
@@ -51319,14 +49556,7 @@
   <p:clrMapOvr>
     <a:masterClrMapping/>
   </p:clrMapOvr>
-  <mc:AlternateContent xmlns:mc="http://schemas.openxmlformats.org/markup-compatibility/2006">
-    <mc:Choice xmlns:p14="http://schemas.microsoft.com/office/powerpoint/2010/main" Requires="p14">
-      <p:transition p14:dur="9"/>
-    </mc:Choice>
-    <mc:Fallback>
-      <p:transition/>
-    </mc:Fallback>
-  </mc:AlternateContent>
+  <p:transition/>
   <p:timing>
     <p:tnLst>
       <p:par>
@@ -52871,14 +51101,7 @@
   <p:clrMapOvr>
     <a:masterClrMapping/>
   </p:clrMapOvr>
-  <mc:AlternateContent xmlns:mc="http://schemas.openxmlformats.org/markup-compatibility/2006">
-    <mc:Choice xmlns:p14="http://schemas.microsoft.com/office/powerpoint/2010/main" Requires="p14">
-      <p:transition p14:dur="9"/>
-    </mc:Choice>
-    <mc:Fallback>
-      <p:transition/>
-    </mc:Fallback>
-  </mc:AlternateContent>
+  <p:transition/>
   <p:timing>
     <p:tnLst>
       <p:par>
@@ -52906,30 +51129,6 @@
           <a:chExt cx="0" cy="0"/>
         </a:xfrm>
       </p:grpSpPr>
-      <p:pic>
-        <p:nvPicPr>
-          <p:cNvPr id="8" name="图片 7"/>
-          <p:cNvPicPr>
-            <a:picLocks noChangeAspect="1"/>
-          </p:cNvPicPr>
-          <p:nvPr/>
-        </p:nvPicPr>
-        <p:blipFill>
-          <a:blip r:embed="rId1"/>
-          <a:stretch>
-            <a:fillRect/>
-          </a:stretch>
-        </p:blipFill>
-        <p:spPr>
-          <a:xfrm>
-            <a:off x="3158490" y="1696720"/>
-            <a:ext cx="5352415" cy="3094990"/>
-          </a:xfrm>
-          <a:prstGeom prst="rect">
-            <a:avLst/>
-          </a:prstGeom>
-        </p:spPr>
-      </p:pic>
       <p:sp>
         <p:nvSpPr>
           <p:cNvPr id="3" name="文本占位符 2"/>
@@ -54289,19 +52488,312 @@
           </a:p>
         </p:txBody>
       </p:sp>
+      <p:pic>
+        <p:nvPicPr>
+          <p:cNvPr id="2" name="图片 1"/>
+          <p:cNvPicPr>
+            <a:picLocks noChangeAspect="1"/>
+          </p:cNvPicPr>
+          <p:nvPr/>
+        </p:nvPicPr>
+        <p:blipFill>
+          <a:blip r:embed="rId1"/>
+          <a:stretch>
+            <a:fillRect/>
+          </a:stretch>
+        </p:blipFill>
+        <p:spPr>
+          <a:xfrm>
+            <a:off x="1952943" y="2312035"/>
+            <a:ext cx="5238115" cy="4066540"/>
+          </a:xfrm>
+          <a:prstGeom prst="rect">
+            <a:avLst/>
+          </a:prstGeom>
+        </p:spPr>
+      </p:pic>
+      <p:sp>
+        <p:nvSpPr>
+          <p:cNvPr id="11" name="任意多边形 10"/>
+          <p:cNvSpPr/>
+          <p:nvPr/>
+        </p:nvSpPr>
+        <p:spPr>
+          <a:xfrm>
+            <a:off x="6421120" y="4132580"/>
+            <a:ext cx="647700" cy="1250950"/>
+          </a:xfrm>
+          <a:custGeom>
+            <a:avLst/>
+            <a:gdLst>
+              <a:gd name="connisteX0" fmla="*/ 0 w 647985"/>
+              <a:gd name="connsiteY0" fmla="*/ 0 h 1250950"/>
+              <a:gd name="connisteX1" fmla="*/ 647065 w 647985"/>
+              <a:gd name="connsiteY1" fmla="*/ 636270 h 1250950"/>
+              <a:gd name="connisteX2" fmla="*/ 118745 w 647985"/>
+              <a:gd name="connsiteY2" fmla="*/ 1250950 h 1250950"/>
+            </a:gdLst>
+            <a:ahLst/>
+            <a:cxnLst>
+              <a:cxn ang="0">
+                <a:pos x="connisteX0" y="connsiteY0"/>
+              </a:cxn>
+              <a:cxn ang="0">
+                <a:pos x="connisteX1" y="connsiteY1"/>
+              </a:cxn>
+              <a:cxn ang="0">
+                <a:pos x="connisteX2" y="connsiteY2"/>
+              </a:cxn>
+            </a:cxnLst>
+            <a:rect l="l" t="t" r="r" b="b"/>
+            <a:pathLst>
+              <a:path w="647985" h="1250950">
+                <a:moveTo>
+                  <a:pt x="0" y="0"/>
+                </a:moveTo>
+                <a:cubicBezTo>
+                  <a:pt x="139700" y="114935"/>
+                  <a:pt x="623570" y="386080"/>
+                  <a:pt x="647065" y="636270"/>
+                </a:cubicBezTo>
+                <a:cubicBezTo>
+                  <a:pt x="670560" y="886460"/>
+                  <a:pt x="237490" y="1140460"/>
+                  <a:pt x="118745" y="1250950"/>
+                </a:cubicBezTo>
+              </a:path>
+            </a:pathLst>
+          </a:custGeom>
+          <a:noFill/>
+          <a:ln>
+            <a:solidFill>
+              <a:schemeClr val="tx1"/>
+            </a:solidFill>
+          </a:ln>
+        </p:spPr>
+        <p:style>
+          <a:lnRef idx="2">
+            <a:schemeClr val="accent1">
+              <a:shade val="50000"/>
+            </a:schemeClr>
+          </a:lnRef>
+          <a:fillRef idx="1">
+            <a:schemeClr val="accent1"/>
+          </a:fillRef>
+          <a:effectRef idx="0">
+            <a:schemeClr val="accent1"/>
+          </a:effectRef>
+          <a:fontRef idx="minor">
+            <a:schemeClr val="lt1"/>
+          </a:fontRef>
+        </p:style>
+        <p:txBody>
+          <a:bodyPr rtlCol="0" anchor="ctr"/>
+          <a:p>
+            <a:pPr algn="ctr"/>
+            <a:endParaRPr lang="zh-CN" altLang="en-US"/>
+          </a:p>
+        </p:txBody>
+      </p:sp>
+      <p:sp>
+        <p:nvSpPr>
+          <p:cNvPr id="12" name="文本框 11"/>
+          <p:cNvSpPr txBox="1"/>
+          <p:nvPr/>
+        </p:nvSpPr>
+        <p:spPr>
+          <a:xfrm>
+            <a:off x="7084695" y="4520565"/>
+            <a:ext cx="1196975" cy="365760"/>
+          </a:xfrm>
+          <a:prstGeom prst="rect">
+            <a:avLst/>
+          </a:prstGeom>
+          <a:noFill/>
+        </p:spPr>
+        <p:txBody>
+          <a:bodyPr wrap="square" rtlCol="0">
+            <a:spAutoFit/>
+          </a:bodyPr>
+          <a:p>
+            <a:r>
+              <a:rPr lang="zh-CN" altLang="en-US"/>
+              <a:t>视角</a:t>
+            </a:r>
+            <a:endParaRPr lang="zh-CN" altLang="en-US"/>
+          </a:p>
+        </p:txBody>
+      </p:sp>
+      <p:sp>
+        <p:nvSpPr>
+          <p:cNvPr id="14" name="文本框 13"/>
+          <p:cNvSpPr txBox="1"/>
+          <p:nvPr/>
+        </p:nvSpPr>
+        <p:spPr>
+          <a:xfrm>
+            <a:off x="3680460" y="6378575"/>
+            <a:ext cx="883920" cy="368300"/>
+          </a:xfrm>
+          <a:prstGeom prst="rect">
+            <a:avLst/>
+          </a:prstGeom>
+          <a:noFill/>
+        </p:spPr>
+        <p:txBody>
+          <a:bodyPr wrap="square" rtlCol="0">
+            <a:spAutoFit/>
+          </a:bodyPr>
+          <a:p>
+            <a:r>
+              <a:rPr lang="en-US" altLang="zh-CN"/>
+              <a:t>x</a:t>
+            </a:r>
+            <a:r>
+              <a:rPr lang="zh-CN" altLang="en-US"/>
+              <a:t>轴</a:t>
+            </a:r>
+            <a:endParaRPr lang="zh-CN" altLang="en-US"/>
+          </a:p>
+        </p:txBody>
+      </p:sp>
+      <p:sp>
+        <p:nvSpPr>
+          <p:cNvPr id="15" name="文本框 14"/>
+          <p:cNvSpPr txBox="1"/>
+          <p:nvPr/>
+        </p:nvSpPr>
+        <p:spPr>
+          <a:xfrm>
+            <a:off x="2458085" y="4563745"/>
+            <a:ext cx="690245" cy="368300"/>
+          </a:xfrm>
+          <a:prstGeom prst="rect">
+            <a:avLst/>
+          </a:prstGeom>
+          <a:noFill/>
+        </p:spPr>
+        <p:txBody>
+          <a:bodyPr wrap="square" rtlCol="0">
+            <a:spAutoFit/>
+          </a:bodyPr>
+          <a:p>
+            <a:r>
+              <a:rPr lang="en-US" altLang="zh-CN"/>
+              <a:t>y</a:t>
+            </a:r>
+            <a:r>
+              <a:rPr lang="zh-CN" altLang="en-US"/>
+              <a:t>轴</a:t>
+            </a:r>
+            <a:endParaRPr lang="zh-CN" altLang="en-US"/>
+          </a:p>
+        </p:txBody>
+      </p:sp>
+      <p:sp>
+        <p:nvSpPr>
+          <p:cNvPr id="16" name="文本框 15"/>
+          <p:cNvSpPr txBox="1"/>
+          <p:nvPr/>
+        </p:nvSpPr>
+        <p:spPr>
+          <a:xfrm>
+            <a:off x="1558925" y="5984875"/>
+            <a:ext cx="646430" cy="368300"/>
+          </a:xfrm>
+          <a:prstGeom prst="rect">
+            <a:avLst/>
+          </a:prstGeom>
+          <a:noFill/>
+        </p:spPr>
+        <p:txBody>
+          <a:bodyPr wrap="square" rtlCol="0">
+            <a:spAutoFit/>
+          </a:bodyPr>
+          <a:p>
+            <a:r>
+              <a:rPr lang="en-US" altLang="zh-CN"/>
+              <a:t>z</a:t>
+            </a:r>
+            <a:r>
+              <a:rPr lang="zh-CN" altLang="en-US"/>
+              <a:t>轴</a:t>
+            </a:r>
+            <a:endParaRPr lang="zh-CN" altLang="en-US"/>
+          </a:p>
+        </p:txBody>
+      </p:sp>
+      <p:cxnSp>
+        <p:nvCxnSpPr>
+          <p:cNvPr id="17" name="直接连接符 16"/>
+          <p:cNvCxnSpPr/>
+          <p:nvPr/>
+        </p:nvCxnSpPr>
+        <p:spPr>
+          <a:xfrm flipV="1">
+            <a:off x="2988945" y="5253355"/>
+            <a:ext cx="699135" cy="469265"/>
+          </a:xfrm>
+          <a:prstGeom prst="line">
+            <a:avLst/>
+          </a:prstGeom>
+          <a:ln cmpd="sng">
+            <a:solidFill>
+              <a:schemeClr val="tx1"/>
+            </a:solidFill>
+            <a:prstDash val="sysDot"/>
+          </a:ln>
+        </p:spPr>
+        <p:style>
+          <a:lnRef idx="1">
+            <a:schemeClr val="accent1"/>
+          </a:lnRef>
+          <a:fillRef idx="0">
+            <a:schemeClr val="accent1"/>
+          </a:fillRef>
+          <a:effectRef idx="0">
+            <a:schemeClr val="accent1"/>
+          </a:effectRef>
+          <a:fontRef idx="minor">
+            <a:schemeClr val="tx1"/>
+          </a:fontRef>
+        </p:style>
+      </p:cxnSp>
+      <p:sp>
+        <p:nvSpPr>
+          <p:cNvPr id="18" name="文本框 17"/>
+          <p:cNvSpPr txBox="1"/>
+          <p:nvPr/>
+        </p:nvSpPr>
+        <p:spPr>
+          <a:xfrm>
+            <a:off x="3111500" y="5274945"/>
+            <a:ext cx="712470" cy="243840"/>
+          </a:xfrm>
+          <a:prstGeom prst="rect">
+            <a:avLst/>
+          </a:prstGeom>
+          <a:noFill/>
+        </p:spPr>
+        <p:txBody>
+          <a:bodyPr wrap="square" rtlCol="0">
+            <a:spAutoFit/>
+          </a:bodyPr>
+          <a:p>
+            <a:r>
+              <a:rPr lang="zh-CN" altLang="en-US" sz="1000"/>
+              <a:t>视图距离</a:t>
+            </a:r>
+            <a:endParaRPr lang="zh-CN" altLang="en-US" sz="1000"/>
+          </a:p>
+        </p:txBody>
+      </p:sp>
     </p:spTree>
   </p:cSld>
   <p:clrMapOvr>
     <a:masterClrMapping/>
   </p:clrMapOvr>
-  <mc:AlternateContent xmlns:mc="http://schemas.openxmlformats.org/markup-compatibility/2006">
-    <mc:Choice xmlns:p14="http://schemas.microsoft.com/office/powerpoint/2010/main" Requires="p14">
-      <p:transition p14:dur="9"/>
-    </mc:Choice>
-    <mc:Fallback>
-      <p:transition/>
-    </mc:Fallback>
-  </mc:AlternateContent>
+  <p:transition/>
   <p:timing>
     <p:tnLst>
       <p:par>
@@ -54356,7 +52848,7 @@
                 </a:solidFill>
                 <a:sym typeface="+mn-ea"/>
               </a:rPr>
-              <a:t>1.</a:t>
+              <a:t>2.</a:t>
             </a:r>
             <a:r>
               <a:rPr lang="zh-CN" altLang="en-US">
@@ -54365,7 +52857,7 @@
                 </a:solidFill>
                 <a:sym typeface="+mn-ea"/>
               </a:rPr>
-              <a:t>视锥</a:t>
+              <a:t>齐次坐标</a:t>
             </a:r>
             <a:endParaRPr lang="zh-CN" altLang="en-US">
               <a:solidFill>
@@ -54376,24 +52868,267 @@
           </a:p>
           <a:p>
             <a:r>
+              <a:rPr lang="zh-CN" altLang="en-US">
+                <a:solidFill>
+                  <a:schemeClr val="tx1"/>
+                </a:solidFill>
+                <a:sym typeface="+mn-ea"/>
+              </a:rPr>
+              <a:t>  三维空间</a:t>
+            </a:r>
+            <a:r>
               <a:rPr lang="en-US" altLang="zh-CN">
                 <a:solidFill>
                   <a:schemeClr val="tx1"/>
                 </a:solidFill>
                 <a:sym typeface="+mn-ea"/>
               </a:rPr>
+              <a:t>R</a:t>
+            </a:r>
+            <a:r>
+              <a:rPr lang="en-US" altLang="zh-CN" baseline="30000">
+                <a:solidFill>
+                  <a:schemeClr val="tx1"/>
+                </a:solidFill>
+                <a:sym typeface="+mn-ea"/>
+              </a:rPr>
+              <a:t>3</a:t>
+            </a:r>
+            <a:r>
+              <a:rPr lang="zh-CN" altLang="en-US">
+                <a:solidFill>
+                  <a:schemeClr val="tx1"/>
+                </a:solidFill>
+                <a:sym typeface="+mn-ea"/>
+              </a:rPr>
+              <a:t>中的点</a:t>
+            </a:r>
+            <a:r>
+              <a:rPr lang="en-US" altLang="zh-CN">
+                <a:solidFill>
+                  <a:schemeClr val="tx1"/>
+                </a:solidFill>
+                <a:sym typeface="+mn-ea"/>
+              </a:rPr>
+              <a:t>(x,y,z)</a:t>
+            </a:r>
+            <a:r>
+              <a:rPr lang="zh-CN" altLang="en-US">
+                <a:solidFill>
+                  <a:schemeClr val="tx1"/>
+                </a:solidFill>
+                <a:sym typeface="+mn-ea"/>
+              </a:rPr>
+              <a:t>可以表示齐次坐标</a:t>
+            </a:r>
+            <a:r>
+              <a:rPr lang="en-US" altLang="zh-CN">
+                <a:solidFill>
+                  <a:schemeClr val="tx1"/>
+                </a:solidFill>
+                <a:sym typeface="+mn-ea"/>
+              </a:rPr>
+              <a:t>RP</a:t>
+            </a:r>
+            <a:r>
+              <a:rPr lang="en-US" altLang="zh-CN" baseline="30000">
+                <a:solidFill>
+                  <a:schemeClr val="tx1"/>
+                </a:solidFill>
+                <a:sym typeface="+mn-ea"/>
+              </a:rPr>
+              <a:t>3</a:t>
+            </a:r>
+            <a:r>
+              <a:rPr lang="zh-CN" altLang="en-US">
+                <a:solidFill>
+                  <a:schemeClr val="tx1"/>
+                </a:solidFill>
+                <a:sym typeface="+mn-ea"/>
+              </a:rPr>
+              <a:t>的点</a:t>
+            </a:r>
+            <a:r>
+              <a:rPr lang="en-US" altLang="zh-CN">
+                <a:solidFill>
+                  <a:schemeClr val="tx1"/>
+                </a:solidFill>
+                <a:sym typeface="+mn-ea"/>
+              </a:rPr>
+              <a:t>(x,y,z,1)</a:t>
+            </a:r>
+            <a:endParaRPr lang="en-US" altLang="zh-CN">
+              <a:solidFill>
+                <a:schemeClr val="tx1"/>
+              </a:solidFill>
+              <a:sym typeface="+mn-ea"/>
+            </a:endParaRPr>
+          </a:p>
+          <a:p>
+            <a:r>
+              <a:rPr lang="en-US" altLang="zh-CN">
+                <a:solidFill>
+                  <a:schemeClr val="tx1"/>
+                </a:solidFill>
+                <a:sym typeface="+mn-ea"/>
+              </a:rPr>
               <a:t>  </a:t>
             </a:r>
             <a:r>
+              <a:rPr lang="zh-CN" altLang="en-US">
+                <a:solidFill>
+                  <a:schemeClr val="tx1"/>
+                </a:solidFill>
+                <a:sym typeface="+mn-ea"/>
+              </a:rPr>
+              <a:t>在</a:t>
+            </a:r>
+            <a:r>
+              <a:rPr lang="en-US" altLang="zh-CN">
+                <a:solidFill>
+                  <a:schemeClr val="tx1"/>
+                </a:solidFill>
+                <a:sym typeface="+mn-ea"/>
+              </a:rPr>
+              <a:t>n</a:t>
+            </a:r>
+            <a:r>
+              <a:rPr lang="zh-CN" altLang="en-US">
+                <a:solidFill>
+                  <a:schemeClr val="tx1"/>
+                </a:solidFill>
+                <a:sym typeface="+mn-ea"/>
+              </a:rPr>
+              <a:t>维空间中的点在</a:t>
+            </a:r>
+            <a:r>
+              <a:rPr lang="en-US" altLang="zh-CN">
+                <a:solidFill>
+                  <a:schemeClr val="tx1"/>
+                </a:solidFill>
+                <a:sym typeface="+mn-ea"/>
+              </a:rPr>
+              <a:t>n+1</a:t>
+            </a:r>
+            <a:r>
+              <a:rPr lang="zh-CN" altLang="en-US">
+                <a:solidFill>
+                  <a:schemeClr val="tx1"/>
+                </a:solidFill>
+                <a:sym typeface="+mn-ea"/>
+              </a:rPr>
+              <a:t>维空间中可以通过变换</a:t>
+            </a:r>
+            <a:r>
+              <a:rPr lang="en-US" altLang="zh-CN">
+                <a:solidFill>
+                  <a:schemeClr val="tx1"/>
+                </a:solidFill>
+                <a:sym typeface="+mn-ea"/>
+              </a:rPr>
+              <a:t>n</a:t>
+            </a:r>
+            <a:r>
+              <a:rPr lang="zh-CN" altLang="en-US">
+                <a:solidFill>
+                  <a:schemeClr val="tx1"/>
+                </a:solidFill>
+                <a:sym typeface="+mn-ea"/>
+              </a:rPr>
+              <a:t>维空间点的尺度，并把这个尺度放到多出来的维度上。</a:t>
+            </a:r>
+            <a:endParaRPr lang="zh-CN" altLang="en-US">
+              <a:solidFill>
+                <a:schemeClr val="tx1"/>
+              </a:solidFill>
+              <a:sym typeface="+mn-ea"/>
+            </a:endParaRPr>
+          </a:p>
+          <a:p>
+            <a:endParaRPr lang="en-US" altLang="zh-CN">
+              <a:solidFill>
+                <a:schemeClr val="tx1"/>
+              </a:solidFill>
+              <a:sym typeface="+mn-ea"/>
+            </a:endParaRPr>
+          </a:p>
+          <a:p>
+            <a:endParaRPr lang="en-US" altLang="zh-CN">
+              <a:solidFill>
+                <a:schemeClr val="tx1"/>
+              </a:solidFill>
+              <a:sym typeface="+mn-ea"/>
+            </a:endParaRPr>
+          </a:p>
+          <a:p>
+            <a:endParaRPr lang="en-US" altLang="zh-CN">
+              <a:solidFill>
+                <a:schemeClr val="tx1"/>
+              </a:solidFill>
+              <a:sym typeface="+mn-ea"/>
+            </a:endParaRPr>
+          </a:p>
+          <a:p>
+            <a:r>
               <a:rPr lang="zh-CN" altLang="zh-CN">
                 <a:solidFill>
                   <a:schemeClr val="tx1"/>
                 </a:solidFill>
                 <a:sym typeface="+mn-ea"/>
               </a:rPr>
-              <a:t>近平面和远平面。</a:t>
+              <a:t>从齐次坐标到三维坐标</a:t>
             </a:r>
             <a:endParaRPr lang="zh-CN" altLang="zh-CN">
+              <a:solidFill>
+                <a:schemeClr val="tx1"/>
+              </a:solidFill>
+              <a:sym typeface="+mn-ea"/>
+            </a:endParaRPr>
+          </a:p>
+          <a:p>
+            <a:endParaRPr lang="zh-CN" altLang="zh-CN">
+              <a:solidFill>
+                <a:schemeClr val="tx1"/>
+              </a:solidFill>
+              <a:sym typeface="+mn-ea"/>
+            </a:endParaRPr>
+          </a:p>
+          <a:p>
+            <a:endParaRPr lang="zh-CN" altLang="zh-CN">
+              <a:solidFill>
+                <a:schemeClr val="tx1"/>
+              </a:solidFill>
+              <a:sym typeface="+mn-ea"/>
+            </a:endParaRPr>
+          </a:p>
+          <a:p>
+            <a:r>
+              <a:rPr lang="en-US" altLang="zh-CN">
+                <a:solidFill>
+                  <a:schemeClr val="tx1"/>
+                </a:solidFill>
+                <a:sym typeface="+mn-ea"/>
+              </a:rPr>
+              <a:t>w=0?</a:t>
+            </a:r>
+            <a:r>
+              <a:rPr lang="zh-CN" altLang="zh-CN">
+                <a:solidFill>
+                  <a:schemeClr val="tx1"/>
+                </a:solidFill>
+                <a:sym typeface="+mn-ea"/>
+              </a:rPr>
+              <a:t>点无穷大</a:t>
+            </a:r>
+            <a:endParaRPr lang="zh-CN" altLang="zh-CN">
+              <a:solidFill>
+                <a:schemeClr val="tx1"/>
+              </a:solidFill>
+              <a:sym typeface="+mn-ea"/>
+            </a:endParaRPr>
+          </a:p>
+          <a:p>
+            <a:endParaRPr lang="en-US" altLang="zh-CN">
               <a:solidFill>
                 <a:schemeClr val="tx1"/>
               </a:solidFill>
@@ -55495,30 +54230,6 @@
           </a:p>
         </p:txBody>
       </p:sp>
-      <p:pic>
-        <p:nvPicPr>
-          <p:cNvPr id="2" name="图片 1"/>
-          <p:cNvPicPr>
-            <a:picLocks noChangeAspect="1"/>
-          </p:cNvPicPr>
-          <p:nvPr/>
-        </p:nvPicPr>
-        <p:blipFill>
-          <a:blip r:embed="rId1"/>
-          <a:stretch>
-            <a:fillRect/>
-          </a:stretch>
-        </p:blipFill>
-        <p:spPr>
-          <a:xfrm>
-            <a:off x="3088640" y="1487805"/>
-            <a:ext cx="5238115" cy="4066540"/>
-          </a:xfrm>
-          <a:prstGeom prst="rect">
-            <a:avLst/>
-          </a:prstGeom>
-        </p:spPr>
-      </p:pic>
       <p:sp>
         <p:nvSpPr>
           <p:cNvPr id="42" name="Freeform 1"/>
@@ -55678,19 +54389,171 @@
           </a:p>
         </p:txBody>
       </p:sp>
+      <p:graphicFrame>
+        <p:nvGraphicFramePr>
+          <p:cNvPr id="4" name="对象 3">
+            <a:hlinkClick r:id="" action="ppaction://ole?verb=0"/>
+          </p:cNvPr>
+          <p:cNvGraphicFramePr>
+            <a:graphicFrameLocks noChangeAspect="1"/>
+          </p:cNvGraphicFramePr>
+          <p:nvPr/>
+        </p:nvGraphicFramePr>
+        <p:xfrm>
+          <a:off x="622935" y="3027680"/>
+          <a:ext cx="2840990" cy="398780"/>
+        </p:xfrm>
+        <a:graphic>
+          <a:graphicData uri="http://schemas.openxmlformats.org/presentationml/2006/ole">
+            <mc:AlternateContent xmlns:mc="http://schemas.openxmlformats.org/markup-compatibility/2006">
+              <mc:Choice xmlns:v="urn:schemas-microsoft-com:vml" Requires="v">
+                <p:oleObj spid="_x0000_s5151" name="" r:id="rId1" imgW="1447800" imgH="203200" progId="Equation.KSEE3">
+                  <p:embed/>
+                </p:oleObj>
+              </mc:Choice>
+              <mc:Fallback>
+                <p:oleObj name="" r:id="rId1" imgW="1447800" imgH="203200" progId="Equation.KSEE3">
+                  <p:embed/>
+                  <p:pic>
+                    <p:nvPicPr>
+                      <p:cNvPr id="0" name="图片 4096"/>
+                      <p:cNvPicPr/>
+                      <p:nvPr/>
+                    </p:nvPicPr>
+                    <p:blipFill>
+                      <a:blip r:embed="rId2"/>
+                      <a:stretch>
+                        <a:fillRect/>
+                      </a:stretch>
+                    </p:blipFill>
+                    <p:spPr>
+                      <a:xfrm>
+                        <a:off x="622935" y="3027680"/>
+                        <a:ext cx="2840990" cy="398780"/>
+                      </a:xfrm>
+                      <a:prstGeom prst="rect">
+                        <a:avLst/>
+                      </a:prstGeom>
+                    </p:spPr>
+                  </p:pic>
+                </p:oleObj>
+              </mc:Fallback>
+            </mc:AlternateContent>
+          </a:graphicData>
+        </a:graphic>
+      </p:graphicFrame>
+      <p:graphicFrame>
+        <p:nvGraphicFramePr>
+          <p:cNvPr id="5" name="对象 4">
+            <a:hlinkClick r:id="" action="ppaction://ole?verb=0"/>
+          </p:cNvPr>
+          <p:cNvGraphicFramePr>
+            <a:graphicFrameLocks noChangeAspect="1"/>
+          </p:cNvGraphicFramePr>
+          <p:nvPr/>
+        </p:nvGraphicFramePr>
+        <p:xfrm>
+          <a:off x="701675" y="3592830"/>
+          <a:ext cx="2157730" cy="466725"/>
+        </p:xfrm>
+        <a:graphic>
+          <a:graphicData uri="http://schemas.openxmlformats.org/presentationml/2006/ole">
+            <mc:AlternateContent xmlns:mc="http://schemas.openxmlformats.org/markup-compatibility/2006">
+              <mc:Choice xmlns:v="urn:schemas-microsoft-com:vml" Requires="v">
+                <p:oleObj spid="_x0000_s5152" name="" r:id="rId3" imgW="939800" imgH="203200" progId="Equation.KSEE3">
+                  <p:embed/>
+                </p:oleObj>
+              </mc:Choice>
+              <mc:Fallback>
+                <p:oleObj name="" r:id="rId3" imgW="939800" imgH="203200" progId="Equation.KSEE3">
+                  <p:embed/>
+                  <p:pic>
+                    <p:nvPicPr>
+                      <p:cNvPr id="0" name="图片 4097"/>
+                      <p:cNvPicPr/>
+                      <p:nvPr/>
+                    </p:nvPicPr>
+                    <p:blipFill>
+                      <a:blip r:embed="rId4"/>
+                      <a:stretch>
+                        <a:fillRect/>
+                      </a:stretch>
+                    </p:blipFill>
+                    <p:spPr>
+                      <a:xfrm>
+                        <a:off x="701675" y="3592830"/>
+                        <a:ext cx="2157730" cy="466725"/>
+                      </a:xfrm>
+                      <a:prstGeom prst="rect">
+                        <a:avLst/>
+                      </a:prstGeom>
+                    </p:spPr>
+                  </p:pic>
+                </p:oleObj>
+              </mc:Fallback>
+            </mc:AlternateContent>
+          </a:graphicData>
+        </a:graphic>
+      </p:graphicFrame>
+      <p:graphicFrame>
+        <p:nvGraphicFramePr>
+          <p:cNvPr id="6" name="对象 5">
+            <a:hlinkClick r:id="" action="ppaction://ole?verb=0"/>
+          </p:cNvPr>
+          <p:cNvGraphicFramePr>
+            <a:graphicFrameLocks noChangeAspect="1"/>
+          </p:cNvGraphicFramePr>
+          <p:nvPr/>
+        </p:nvGraphicFramePr>
+        <p:xfrm>
+          <a:off x="699770" y="5033645"/>
+          <a:ext cx="3764915" cy="365125"/>
+        </p:xfrm>
+        <a:graphic>
+          <a:graphicData uri="http://schemas.openxmlformats.org/presentationml/2006/ole">
+            <mc:AlternateContent xmlns:mc="http://schemas.openxmlformats.org/markup-compatibility/2006">
+              <mc:Choice xmlns:v="urn:schemas-microsoft-com:vml" Requires="v">
+                <p:oleObj spid="_x0000_s5153" name="" r:id="rId5" imgW="2095500" imgH="203200" progId="Equation.KSEE3">
+                  <p:embed/>
+                </p:oleObj>
+              </mc:Choice>
+              <mc:Fallback>
+                <p:oleObj name="" r:id="rId5" imgW="2095500" imgH="203200" progId="Equation.KSEE3">
+                  <p:embed/>
+                  <p:pic>
+                    <p:nvPicPr>
+                      <p:cNvPr id="0" name="图片 4098"/>
+                      <p:cNvPicPr/>
+                      <p:nvPr/>
+                    </p:nvPicPr>
+                    <p:blipFill>
+                      <a:blip r:embed="rId6"/>
+                      <a:stretch>
+                        <a:fillRect/>
+                      </a:stretch>
+                    </p:blipFill>
+                    <p:spPr>
+                      <a:xfrm>
+                        <a:off x="699770" y="5033645"/>
+                        <a:ext cx="3764915" cy="365125"/>
+                      </a:xfrm>
+                      <a:prstGeom prst="rect">
+                        <a:avLst/>
+                      </a:prstGeom>
+                    </p:spPr>
+                  </p:pic>
+                </p:oleObj>
+              </mc:Fallback>
+            </mc:AlternateContent>
+          </a:graphicData>
+        </a:graphic>
+      </p:graphicFrame>
     </p:spTree>
   </p:cSld>
   <p:clrMapOvr>
     <a:masterClrMapping/>
   </p:clrMapOvr>
-  <mc:AlternateContent xmlns:mc="http://schemas.openxmlformats.org/markup-compatibility/2006">
-    <mc:Choice xmlns:p14="http://schemas.microsoft.com/office/powerpoint/2010/main" Requires="p14">
-      <p:transition p14:dur="9"/>
-    </mc:Choice>
-    <mc:Fallback>
-      <p:transition/>
-    </mc:Fallback>
-  </mc:AlternateContent>
+  <p:transition/>
   <p:timing>
     <p:tnLst>
       <p:par>
